--- a/docs/phase_two_docs/Phase_Two_Presentation.pptx
+++ b/docs/phase_two_docs/Phase_Two_Presentation.pptx
@@ -4,13 +4,17 @@
   <p:sldMasterIdLst>
     <p:sldMasterId id="2147483660" r:id="rId1"/>
   </p:sldMasterIdLst>
+  <p:notesMasterIdLst>
+    <p:notesMasterId r:id="rId9"/>
+  </p:notesMasterIdLst>
   <p:sldIdLst>
     <p:sldId id="256" r:id="rId2"/>
-    <p:sldId id="257" r:id="rId3"/>
-    <p:sldId id="258" r:id="rId4"/>
-    <p:sldId id="259" r:id="rId5"/>
-    <p:sldId id="260" r:id="rId6"/>
-    <p:sldId id="261" r:id="rId7"/>
+    <p:sldId id="258" r:id="rId3"/>
+    <p:sldId id="259" r:id="rId4"/>
+    <p:sldId id="260" r:id="rId5"/>
+    <p:sldId id="262" r:id="rId6"/>
+    <p:sldId id="263" r:id="rId7"/>
+    <p:sldId id="261" r:id="rId8"/>
   </p:sldIdLst>
   <p:sldSz cx="12192000" cy="6858000"/>
   <p:notesSz cx="6858000" cy="9144000"/>
@@ -109,792 +113,144 @@
       </a:defRPr>
     </a:lvl9pPr>
   </p:defaultTextStyle>
+  <p:extLst>
+    <p:ext uri="{EFAFB233-063F-42B5-8137-9DF3F51BA10A}">
+      <p15:sldGuideLst xmlns:p15="http://schemas.microsoft.com/office/powerpoint/2012/main"/>
+    </p:ext>
+  </p:extLst>
 </p:presentation>
 </file>
 
-<file path=ppt/diagrams/colors1.xml><?xml version="1.0" encoding="utf-8"?>
-<dgm:colorsDef xmlns:dgm="http://schemas.openxmlformats.org/drawingml/2006/diagram" xmlns:a="http://schemas.openxmlformats.org/drawingml/2006/main" uniqueId="urn:microsoft.com/office/officeart/2005/8/colors/colorful2">
-  <dgm:title val=""/>
-  <dgm:desc val=""/>
-  <dgm:catLst>
-    <dgm:cat type="colorful" pri="10200"/>
-  </dgm:catLst>
-  <dgm:styleLbl name="node0">
-    <dgm:fillClrLst meth="repeat">
-      <a:schemeClr val="accent1"/>
-    </dgm:fillClrLst>
-    <dgm:linClrLst meth="repeat">
-      <a:schemeClr val="lt1"/>
-    </dgm:linClrLst>
-    <dgm:effectClrLst/>
-    <dgm:txLinClrLst/>
-    <dgm:txFillClrLst/>
-    <dgm:txEffectClrLst/>
-  </dgm:styleLbl>
-  <dgm:styleLbl name="node1">
-    <dgm:fillClrLst>
-      <a:schemeClr val="accent2"/>
-      <a:schemeClr val="accent3"/>
-    </dgm:fillClrLst>
-    <dgm:linClrLst meth="repeat">
-      <a:schemeClr val="lt1"/>
-    </dgm:linClrLst>
-    <dgm:effectClrLst/>
-    <dgm:txLinClrLst/>
-    <dgm:txFillClrLst/>
-    <dgm:txEffectClrLst/>
-  </dgm:styleLbl>
-  <dgm:styleLbl name="alignNode1">
-    <dgm:fillClrLst>
-      <a:schemeClr val="accent2"/>
-      <a:schemeClr val="accent3"/>
-    </dgm:fillClrLst>
-    <dgm:linClrLst>
-      <a:schemeClr val="accent2"/>
-      <a:schemeClr val="accent3"/>
-    </dgm:linClrLst>
-    <dgm:effectClrLst/>
-    <dgm:txLinClrLst/>
-    <dgm:txFillClrLst/>
-    <dgm:txEffectClrLst/>
-  </dgm:styleLbl>
-  <dgm:styleLbl name="lnNode1">
-    <dgm:fillClrLst>
-      <a:schemeClr val="accent2"/>
-      <a:schemeClr val="accent3"/>
-    </dgm:fillClrLst>
-    <dgm:linClrLst meth="repeat">
-      <a:schemeClr val="lt1"/>
-    </dgm:linClrLst>
-    <dgm:effectClrLst/>
-    <dgm:txLinClrLst/>
-    <dgm:txFillClrLst/>
-    <dgm:txEffectClrLst/>
-  </dgm:styleLbl>
-  <dgm:styleLbl name="vennNode1">
-    <dgm:fillClrLst>
-      <a:schemeClr val="accent2">
-        <a:alpha val="50000"/>
-      </a:schemeClr>
-      <a:schemeClr val="accent3">
-        <a:alpha val="50000"/>
-      </a:schemeClr>
-    </dgm:fillClrLst>
-    <dgm:linClrLst meth="repeat">
-      <a:schemeClr val="lt1"/>
-    </dgm:linClrLst>
-    <dgm:effectClrLst/>
-    <dgm:txLinClrLst/>
-    <dgm:txFillClrLst/>
-    <dgm:txEffectClrLst/>
-  </dgm:styleLbl>
-  <dgm:styleLbl name="node2">
-    <dgm:fillClrLst>
-      <a:schemeClr val="accent3"/>
-    </dgm:fillClrLst>
-    <dgm:linClrLst meth="repeat">
-      <a:schemeClr val="lt1"/>
-    </dgm:linClrLst>
-    <dgm:effectClrLst/>
-    <dgm:txLinClrLst/>
-    <dgm:txFillClrLst/>
-    <dgm:txEffectClrLst/>
-  </dgm:styleLbl>
-  <dgm:styleLbl name="node3">
-    <dgm:fillClrLst>
-      <a:schemeClr val="accent4"/>
-    </dgm:fillClrLst>
-    <dgm:linClrLst meth="repeat">
-      <a:schemeClr val="lt1"/>
-    </dgm:linClrLst>
-    <dgm:effectClrLst/>
-    <dgm:txLinClrLst/>
-    <dgm:txFillClrLst/>
-    <dgm:txEffectClrLst/>
-  </dgm:styleLbl>
-  <dgm:styleLbl name="node4">
-    <dgm:fillClrLst>
-      <a:schemeClr val="accent5"/>
-    </dgm:fillClrLst>
-    <dgm:linClrLst meth="repeat">
-      <a:schemeClr val="lt1"/>
-    </dgm:linClrLst>
-    <dgm:effectClrLst/>
-    <dgm:txLinClrLst/>
-    <dgm:txFillClrLst/>
-    <dgm:txEffectClrLst/>
-  </dgm:styleLbl>
-  <dgm:styleLbl name="fgImgPlace1">
-    <dgm:fillClrLst>
-      <a:schemeClr val="accent2">
-        <a:tint val="50000"/>
-      </a:schemeClr>
-      <a:schemeClr val="accent3">
-        <a:tint val="50000"/>
-      </a:schemeClr>
-    </dgm:fillClrLst>
-    <dgm:linClrLst meth="repeat">
-      <a:schemeClr val="lt1"/>
-    </dgm:linClrLst>
-    <dgm:effectClrLst/>
-    <dgm:txLinClrLst/>
-    <dgm:txFillClrLst meth="repeat">
-      <a:schemeClr val="lt1"/>
-    </dgm:txFillClrLst>
-    <dgm:txEffectClrLst/>
-  </dgm:styleLbl>
-  <dgm:styleLbl name="alignImgPlace1">
-    <dgm:fillClrLst>
-      <a:schemeClr val="accent2">
-        <a:tint val="50000"/>
-      </a:schemeClr>
-      <a:schemeClr val="accent3">
-        <a:tint val="20000"/>
-      </a:schemeClr>
-    </dgm:fillClrLst>
-    <dgm:linClrLst meth="repeat">
-      <a:schemeClr val="lt1"/>
-    </dgm:linClrLst>
-    <dgm:effectClrLst/>
-    <dgm:txLinClrLst/>
-    <dgm:txFillClrLst meth="repeat">
-      <a:schemeClr val="lt1"/>
-    </dgm:txFillClrLst>
-    <dgm:txEffectClrLst/>
-  </dgm:styleLbl>
-  <dgm:styleLbl name="bgImgPlace1">
-    <dgm:fillClrLst>
-      <a:schemeClr val="accent2">
-        <a:tint val="50000"/>
-      </a:schemeClr>
-      <a:schemeClr val="accent3">
-        <a:tint val="20000"/>
-      </a:schemeClr>
-    </dgm:fillClrLst>
-    <dgm:linClrLst meth="repeat">
-      <a:schemeClr val="lt1"/>
-    </dgm:linClrLst>
-    <dgm:effectClrLst/>
-    <dgm:txLinClrLst/>
-    <dgm:txFillClrLst meth="repeat">
-      <a:schemeClr val="lt1"/>
-    </dgm:txFillClrLst>
-    <dgm:txEffectClrLst/>
-  </dgm:styleLbl>
-  <dgm:styleLbl name="sibTrans2D1">
-    <dgm:fillClrLst>
-      <a:schemeClr val="accent2"/>
-      <a:schemeClr val="accent3"/>
-    </dgm:fillClrLst>
-    <dgm:linClrLst meth="repeat">
-      <a:schemeClr val="lt1"/>
-    </dgm:linClrLst>
-    <dgm:effectClrLst/>
-    <dgm:txLinClrLst/>
-    <dgm:txFillClrLst/>
-    <dgm:txEffectClrLst/>
-  </dgm:styleLbl>
-  <dgm:styleLbl name="fgSibTrans2D1">
-    <dgm:fillClrLst>
-      <a:schemeClr val="accent2"/>
-      <a:schemeClr val="accent3"/>
-    </dgm:fillClrLst>
-    <dgm:linClrLst meth="repeat">
-      <a:schemeClr val="lt1"/>
-    </dgm:linClrLst>
-    <dgm:effectClrLst/>
-    <dgm:txLinClrLst/>
-    <dgm:txFillClrLst meth="repeat">
-      <a:schemeClr val="lt1"/>
-    </dgm:txFillClrLst>
-    <dgm:txEffectClrLst/>
-  </dgm:styleLbl>
-  <dgm:styleLbl name="bgSibTrans2D1">
-    <dgm:fillClrLst>
-      <a:schemeClr val="accent2"/>
-      <a:schemeClr val="accent3"/>
-    </dgm:fillClrLst>
-    <dgm:linClrLst meth="repeat">
-      <a:schemeClr val="lt1"/>
-    </dgm:linClrLst>
-    <dgm:effectClrLst/>
-    <dgm:txLinClrLst/>
-    <dgm:txFillClrLst meth="repeat">
-      <a:schemeClr val="lt1"/>
-    </dgm:txFillClrLst>
-    <dgm:txEffectClrLst/>
-  </dgm:styleLbl>
-  <dgm:styleLbl name="sibTrans1D1">
-    <dgm:fillClrLst/>
-    <dgm:linClrLst>
-      <a:schemeClr val="accent2"/>
-      <a:schemeClr val="accent3"/>
-    </dgm:linClrLst>
-    <dgm:effectClrLst/>
-    <dgm:txLinClrLst/>
-    <dgm:txFillClrLst meth="repeat">
-      <a:schemeClr val="tx1"/>
-    </dgm:txFillClrLst>
-    <dgm:txEffectClrLst/>
-  </dgm:styleLbl>
-  <dgm:styleLbl name="callout">
-    <dgm:fillClrLst meth="repeat">
-      <a:schemeClr val="accent2"/>
-    </dgm:fillClrLst>
-    <dgm:linClrLst meth="repeat">
-      <a:schemeClr val="accent2">
-        <a:tint val="50000"/>
-      </a:schemeClr>
-    </dgm:linClrLst>
-    <dgm:effectClrLst/>
-    <dgm:txLinClrLst/>
-    <dgm:txFillClrLst meth="repeat">
-      <a:schemeClr val="tx1"/>
-    </dgm:txFillClrLst>
-    <dgm:txEffectClrLst/>
-  </dgm:styleLbl>
-  <dgm:styleLbl name="asst0">
-    <dgm:fillClrLst meth="repeat">
-      <a:schemeClr val="accent2"/>
-    </dgm:fillClrLst>
-    <dgm:linClrLst meth="repeat">
-      <a:schemeClr val="lt1">
-        <a:shade val="80000"/>
-      </a:schemeClr>
-    </dgm:linClrLst>
-    <dgm:effectClrLst/>
-    <dgm:txLinClrLst/>
-    <dgm:txFillClrLst/>
-    <dgm:txEffectClrLst/>
-  </dgm:styleLbl>
-  <dgm:styleLbl name="asst1">
-    <dgm:fillClrLst meth="repeat">
-      <a:schemeClr val="accent3"/>
-    </dgm:fillClrLst>
-    <dgm:linClrLst meth="repeat">
-      <a:schemeClr val="lt1">
-        <a:shade val="80000"/>
-      </a:schemeClr>
-    </dgm:linClrLst>
-    <dgm:effectClrLst/>
-    <dgm:txLinClrLst/>
-    <dgm:txFillClrLst/>
-    <dgm:txEffectClrLst/>
-  </dgm:styleLbl>
-  <dgm:styleLbl name="asst2">
-    <dgm:fillClrLst>
-      <a:schemeClr val="accent4"/>
-    </dgm:fillClrLst>
-    <dgm:linClrLst meth="repeat">
-      <a:schemeClr val="lt1"/>
-    </dgm:linClrLst>
-    <dgm:effectClrLst/>
-    <dgm:txLinClrLst/>
-    <dgm:txFillClrLst/>
-    <dgm:txEffectClrLst/>
-  </dgm:styleLbl>
-  <dgm:styleLbl name="asst3">
-    <dgm:fillClrLst>
-      <a:schemeClr val="accent5"/>
-    </dgm:fillClrLst>
-    <dgm:linClrLst meth="repeat">
-      <a:schemeClr val="lt1"/>
-    </dgm:linClrLst>
-    <dgm:effectClrLst/>
-    <dgm:txLinClrLst/>
-    <dgm:txFillClrLst/>
-    <dgm:txEffectClrLst/>
-  </dgm:styleLbl>
-  <dgm:styleLbl name="asst4">
-    <dgm:fillClrLst>
-      <a:schemeClr val="accent6"/>
-    </dgm:fillClrLst>
-    <dgm:linClrLst meth="repeat">
-      <a:schemeClr val="lt1"/>
-    </dgm:linClrLst>
-    <dgm:effectClrLst/>
-    <dgm:txLinClrLst/>
-    <dgm:txFillClrLst/>
-    <dgm:txEffectClrLst/>
-  </dgm:styleLbl>
-  <dgm:styleLbl name="parChTrans2D1">
-    <dgm:fillClrLst meth="repeat">
-      <a:schemeClr val="accent2"/>
-    </dgm:fillClrLst>
-    <dgm:linClrLst meth="repeat">
-      <a:schemeClr val="lt1"/>
-    </dgm:linClrLst>
-    <dgm:effectClrLst/>
-    <dgm:txLinClrLst/>
-    <dgm:txFillClrLst meth="repeat">
-      <a:schemeClr val="lt1"/>
-    </dgm:txFillClrLst>
-    <dgm:txEffectClrLst/>
-  </dgm:styleLbl>
-  <dgm:styleLbl name="parChTrans2D2">
-    <dgm:fillClrLst meth="repeat">
-      <a:schemeClr val="accent3"/>
-    </dgm:fillClrLst>
-    <dgm:linClrLst meth="repeat">
-      <a:schemeClr val="lt1"/>
-    </dgm:linClrLst>
-    <dgm:effectClrLst/>
-    <dgm:txLinClrLst/>
-    <dgm:txFillClrLst/>
-    <dgm:txEffectClrLst/>
-  </dgm:styleLbl>
-  <dgm:styleLbl name="parChTrans2D3">
-    <dgm:fillClrLst meth="repeat">
-      <a:schemeClr val="accent4"/>
-    </dgm:fillClrLst>
-    <dgm:linClrLst meth="repeat">
-      <a:schemeClr val="lt1"/>
-    </dgm:linClrLst>
-    <dgm:effectClrLst/>
-    <dgm:txLinClrLst/>
-    <dgm:txFillClrLst/>
-    <dgm:txEffectClrLst/>
-  </dgm:styleLbl>
-  <dgm:styleLbl name="parChTrans2D4">
-    <dgm:fillClrLst meth="repeat">
-      <a:schemeClr val="accent5"/>
-    </dgm:fillClrLst>
-    <dgm:linClrLst meth="repeat">
-      <a:schemeClr val="lt1"/>
-    </dgm:linClrLst>
-    <dgm:effectClrLst/>
-    <dgm:txLinClrLst/>
-    <dgm:txFillClrLst meth="repeat">
-      <a:schemeClr val="lt1"/>
-    </dgm:txFillClrLst>
-    <dgm:txEffectClrLst/>
-  </dgm:styleLbl>
-  <dgm:styleLbl name="parChTrans1D1">
-    <dgm:fillClrLst meth="repeat">
-      <a:schemeClr val="accent2"/>
-    </dgm:fillClrLst>
-    <dgm:linClrLst meth="repeat">
-      <a:schemeClr val="accent2"/>
-    </dgm:linClrLst>
-    <dgm:effectClrLst/>
-    <dgm:txLinClrLst/>
-    <dgm:txFillClrLst meth="repeat">
-      <a:schemeClr val="tx1"/>
-    </dgm:txFillClrLst>
-    <dgm:txEffectClrLst/>
-  </dgm:styleLbl>
-  <dgm:styleLbl name="parChTrans1D2">
-    <dgm:fillClrLst meth="repeat">
-      <a:schemeClr val="accent2">
-        <a:tint val="90000"/>
-      </a:schemeClr>
-    </dgm:fillClrLst>
-    <dgm:linClrLst meth="repeat">
-      <a:schemeClr val="accent3"/>
-    </dgm:linClrLst>
-    <dgm:effectClrLst/>
-    <dgm:txLinClrLst/>
-    <dgm:txFillClrLst meth="repeat">
-      <a:schemeClr val="tx1"/>
-    </dgm:txFillClrLst>
-    <dgm:txEffectClrLst/>
-  </dgm:styleLbl>
-  <dgm:styleLbl name="parChTrans1D3">
-    <dgm:fillClrLst meth="repeat">
-      <a:schemeClr val="accent2">
-        <a:tint val="70000"/>
-      </a:schemeClr>
-    </dgm:fillClrLst>
-    <dgm:linClrLst meth="repeat">
-      <a:schemeClr val="accent4"/>
-    </dgm:linClrLst>
-    <dgm:effectClrLst/>
-    <dgm:txLinClrLst/>
-    <dgm:txFillClrLst meth="repeat">
-      <a:schemeClr val="tx1"/>
-    </dgm:txFillClrLst>
-    <dgm:txEffectClrLst/>
-  </dgm:styleLbl>
-  <dgm:styleLbl name="parChTrans1D4">
-    <dgm:fillClrLst meth="repeat">
-      <a:schemeClr val="accent2">
-        <a:tint val="50000"/>
-      </a:schemeClr>
-    </dgm:fillClrLst>
-    <dgm:linClrLst meth="repeat">
-      <a:schemeClr val="accent5"/>
-    </dgm:linClrLst>
-    <dgm:effectClrLst/>
-    <dgm:txLinClrLst/>
-    <dgm:txFillClrLst meth="repeat">
-      <a:schemeClr val="tx1"/>
-    </dgm:txFillClrLst>
-    <dgm:txEffectClrLst/>
-  </dgm:styleLbl>
-  <dgm:styleLbl name="fgAcc1">
-    <dgm:fillClrLst meth="repeat">
-      <a:schemeClr val="lt1">
-        <a:alpha val="90000"/>
-      </a:schemeClr>
-    </dgm:fillClrLst>
-    <dgm:linClrLst>
-      <a:schemeClr val="accent2"/>
-      <a:schemeClr val="accent3"/>
-    </dgm:linClrLst>
-    <dgm:effectClrLst/>
-    <dgm:txLinClrLst/>
-    <dgm:txFillClrLst meth="repeat">
-      <a:schemeClr val="dk1"/>
-    </dgm:txFillClrLst>
-    <dgm:txEffectClrLst/>
-  </dgm:styleLbl>
-  <dgm:styleLbl name="conFgAcc1">
-    <dgm:fillClrLst meth="repeat">
-      <a:schemeClr val="lt1">
-        <a:alpha val="90000"/>
-      </a:schemeClr>
-    </dgm:fillClrLst>
-    <dgm:linClrLst>
-      <a:schemeClr val="accent2"/>
-      <a:schemeClr val="accent3"/>
-    </dgm:linClrLst>
-    <dgm:effectClrLst/>
-    <dgm:txLinClrLst/>
-    <dgm:txFillClrLst meth="repeat">
-      <a:schemeClr val="dk1"/>
-    </dgm:txFillClrLst>
-    <dgm:txEffectClrLst/>
-  </dgm:styleLbl>
-  <dgm:styleLbl name="alignAcc1">
-    <dgm:fillClrLst meth="repeat">
-      <a:schemeClr val="lt1">
-        <a:alpha val="90000"/>
-      </a:schemeClr>
-    </dgm:fillClrLst>
-    <dgm:linClrLst>
-      <a:schemeClr val="accent2"/>
-      <a:schemeClr val="accent3"/>
-    </dgm:linClrLst>
-    <dgm:effectClrLst/>
-    <dgm:txLinClrLst/>
-    <dgm:txFillClrLst meth="repeat">
-      <a:schemeClr val="dk1"/>
-    </dgm:txFillClrLst>
-    <dgm:txEffectClrLst/>
-  </dgm:styleLbl>
-  <dgm:styleLbl name="trAlignAcc1">
-    <dgm:fillClrLst meth="repeat">
-      <a:schemeClr val="lt1">
-        <a:alpha val="40000"/>
-      </a:schemeClr>
-    </dgm:fillClrLst>
-    <dgm:linClrLst meth="repeat">
-      <a:schemeClr val="accent2"/>
-    </dgm:linClrLst>
-    <dgm:effectClrLst/>
-    <dgm:txLinClrLst/>
-    <dgm:txFillClrLst meth="repeat">
-      <a:schemeClr val="dk1"/>
-    </dgm:txFillClrLst>
-    <dgm:txEffectClrLst/>
-  </dgm:styleLbl>
-  <dgm:styleLbl name="bgAcc1">
-    <dgm:fillClrLst meth="repeat">
-      <a:schemeClr val="lt1">
-        <a:alpha val="90000"/>
-      </a:schemeClr>
-    </dgm:fillClrLst>
-    <dgm:linClrLst>
-      <a:schemeClr val="accent2"/>
-      <a:schemeClr val="accent3"/>
-    </dgm:linClrLst>
-    <dgm:effectClrLst/>
-    <dgm:txLinClrLst/>
-    <dgm:txFillClrLst meth="repeat">
-      <a:schemeClr val="dk1"/>
-    </dgm:txFillClrLst>
-    <dgm:txEffectClrLst/>
-  </dgm:styleLbl>
-  <dgm:styleLbl name="solidFgAcc1">
-    <dgm:fillClrLst meth="repeat">
-      <a:schemeClr val="lt1"/>
-    </dgm:fillClrLst>
-    <dgm:linClrLst>
-      <a:schemeClr val="accent2"/>
-      <a:schemeClr val="accent3"/>
-    </dgm:linClrLst>
-    <dgm:effectClrLst/>
-    <dgm:txLinClrLst/>
-    <dgm:txFillClrLst meth="repeat">
-      <a:schemeClr val="dk1"/>
-    </dgm:txFillClrLst>
-    <dgm:txEffectClrLst/>
-  </dgm:styleLbl>
-  <dgm:styleLbl name="solidAlignAcc1">
-    <dgm:fillClrLst meth="repeat">
-      <a:schemeClr val="lt1"/>
-    </dgm:fillClrLst>
-    <dgm:linClrLst>
-      <a:schemeClr val="accent2"/>
-      <a:schemeClr val="accent3"/>
-    </dgm:linClrLst>
-    <dgm:effectClrLst/>
-    <dgm:txLinClrLst/>
-    <dgm:txFillClrLst meth="repeat">
-      <a:schemeClr val="dk1"/>
-    </dgm:txFillClrLst>
-    <dgm:txEffectClrLst/>
-  </dgm:styleLbl>
-  <dgm:styleLbl name="solidBgAcc1">
-    <dgm:fillClrLst meth="repeat">
-      <a:schemeClr val="lt1"/>
-    </dgm:fillClrLst>
-    <dgm:linClrLst>
-      <a:schemeClr val="accent2"/>
-      <a:schemeClr val="accent3"/>
-    </dgm:linClrLst>
-    <dgm:effectClrLst/>
-    <dgm:txLinClrLst/>
-    <dgm:txFillClrLst meth="repeat">
-      <a:schemeClr val="dk1"/>
-    </dgm:txFillClrLst>
-    <dgm:txEffectClrLst/>
-  </dgm:styleLbl>
-  <dgm:styleLbl name="fgAccFollowNode1">
-    <dgm:fillClrLst>
-      <a:schemeClr val="accent2">
-        <a:tint val="40000"/>
-        <a:alpha val="90000"/>
-      </a:schemeClr>
-      <a:schemeClr val="accent3">
-        <a:tint val="40000"/>
-        <a:alpha val="90000"/>
-      </a:schemeClr>
-    </dgm:fillClrLst>
-    <dgm:linClrLst>
-      <a:schemeClr val="accent2">
-        <a:tint val="40000"/>
-        <a:alpha val="90000"/>
-      </a:schemeClr>
-      <a:schemeClr val="accent3">
-        <a:tint val="40000"/>
-        <a:alpha val="90000"/>
-      </a:schemeClr>
-    </dgm:linClrLst>
-    <dgm:effectClrLst/>
-    <dgm:txLinClrLst/>
-    <dgm:txFillClrLst meth="repeat">
-      <a:schemeClr val="dk1"/>
-    </dgm:txFillClrLst>
-    <dgm:txEffectClrLst/>
-  </dgm:styleLbl>
-  <dgm:styleLbl name="alignAccFollowNode1">
-    <dgm:fillClrLst>
-      <a:schemeClr val="accent2">
-        <a:tint val="40000"/>
-        <a:alpha val="90000"/>
-      </a:schemeClr>
-      <a:schemeClr val="accent3">
-        <a:tint val="40000"/>
-        <a:alpha val="90000"/>
-      </a:schemeClr>
-    </dgm:fillClrLst>
-    <dgm:linClrLst>
-      <a:schemeClr val="accent2">
-        <a:tint val="40000"/>
-        <a:alpha val="90000"/>
-      </a:schemeClr>
-      <a:schemeClr val="accent3">
-        <a:tint val="40000"/>
-        <a:alpha val="90000"/>
-      </a:schemeClr>
-    </dgm:linClrLst>
-    <dgm:effectClrLst/>
-    <dgm:txLinClrLst/>
-    <dgm:txFillClrLst meth="repeat">
-      <a:schemeClr val="dk1"/>
-    </dgm:txFillClrLst>
-    <dgm:txEffectClrLst/>
-  </dgm:styleLbl>
-  <dgm:styleLbl name="bgAccFollowNode1">
-    <dgm:fillClrLst>
-      <a:schemeClr val="accent2">
-        <a:tint val="40000"/>
-        <a:alpha val="90000"/>
-      </a:schemeClr>
-      <a:schemeClr val="accent3">
-        <a:tint val="40000"/>
-        <a:alpha val="90000"/>
-      </a:schemeClr>
-    </dgm:fillClrLst>
-    <dgm:linClrLst>
-      <a:schemeClr val="accent2">
-        <a:tint val="40000"/>
-        <a:alpha val="90000"/>
-      </a:schemeClr>
-      <a:schemeClr val="accent3">
-        <a:tint val="40000"/>
-        <a:alpha val="90000"/>
-      </a:schemeClr>
-    </dgm:linClrLst>
-    <dgm:effectClrLst/>
-    <dgm:txLinClrLst/>
-    <dgm:txFillClrLst meth="repeat">
-      <a:schemeClr val="dk1"/>
-    </dgm:txFillClrLst>
-    <dgm:txEffectClrLst/>
-  </dgm:styleLbl>
-  <dgm:styleLbl name="fgAcc0">
-    <dgm:fillClrLst meth="repeat">
-      <a:schemeClr val="lt1">
-        <a:alpha val="90000"/>
-      </a:schemeClr>
-    </dgm:fillClrLst>
-    <dgm:linClrLst>
-      <a:schemeClr val="accent1"/>
-    </dgm:linClrLst>
-    <dgm:effectClrLst/>
-    <dgm:txLinClrLst/>
-    <dgm:txFillClrLst meth="repeat">
-      <a:schemeClr val="dk1"/>
-    </dgm:txFillClrLst>
-    <dgm:txEffectClrLst/>
-  </dgm:styleLbl>
-  <dgm:styleLbl name="fgAcc2">
-    <dgm:fillClrLst meth="repeat">
-      <a:schemeClr val="lt1">
-        <a:alpha val="90000"/>
-      </a:schemeClr>
-    </dgm:fillClrLst>
-    <dgm:linClrLst>
-      <a:schemeClr val="accent3"/>
-    </dgm:linClrLst>
-    <dgm:effectClrLst/>
-    <dgm:txLinClrLst/>
-    <dgm:txFillClrLst meth="repeat">
-      <a:schemeClr val="dk1"/>
-    </dgm:txFillClrLst>
-    <dgm:txEffectClrLst/>
-  </dgm:styleLbl>
-  <dgm:styleLbl name="fgAcc3">
-    <dgm:fillClrLst meth="repeat">
-      <a:schemeClr val="lt1">
-        <a:alpha val="90000"/>
-      </a:schemeClr>
-    </dgm:fillClrLst>
-    <dgm:linClrLst>
-      <a:schemeClr val="accent4"/>
-    </dgm:linClrLst>
-    <dgm:effectClrLst/>
-    <dgm:txLinClrLst/>
-    <dgm:txFillClrLst meth="repeat">
-      <a:schemeClr val="dk1"/>
-    </dgm:txFillClrLst>
-    <dgm:txEffectClrLst/>
-  </dgm:styleLbl>
-  <dgm:styleLbl name="fgAcc4">
-    <dgm:fillClrLst meth="repeat">
-      <a:schemeClr val="lt1">
-        <a:alpha val="90000"/>
-      </a:schemeClr>
-    </dgm:fillClrLst>
-    <dgm:linClrLst>
-      <a:schemeClr val="accent5"/>
-    </dgm:linClrLst>
-    <dgm:effectClrLst/>
-    <dgm:txLinClrLst/>
-    <dgm:txFillClrLst meth="repeat">
-      <a:schemeClr val="dk1"/>
-    </dgm:txFillClrLst>
-    <dgm:txEffectClrLst/>
-  </dgm:styleLbl>
-  <dgm:styleLbl name="bgShp">
-    <dgm:fillClrLst meth="repeat">
-      <a:schemeClr val="accent2">
-        <a:tint val="40000"/>
-      </a:schemeClr>
-    </dgm:fillClrLst>
-    <dgm:linClrLst meth="repeat">
-      <a:schemeClr val="dk1"/>
-    </dgm:linClrLst>
-    <dgm:effectClrLst/>
-    <dgm:txLinClrLst/>
-    <dgm:txFillClrLst meth="repeat">
-      <a:schemeClr val="dk1"/>
-    </dgm:txFillClrLst>
-    <dgm:txEffectClrLst/>
-  </dgm:styleLbl>
-  <dgm:styleLbl name="dkBgShp">
-    <dgm:fillClrLst meth="repeat">
-      <a:schemeClr val="accent2">
-        <a:shade val="90000"/>
-      </a:schemeClr>
-    </dgm:fillClrLst>
-    <dgm:linClrLst meth="repeat">
-      <a:schemeClr val="dk1"/>
-    </dgm:linClrLst>
-    <dgm:effectClrLst/>
-    <dgm:txLinClrLst/>
-    <dgm:txFillClrLst meth="repeat">
-      <a:schemeClr val="lt1"/>
-    </dgm:txFillClrLst>
-    <dgm:txEffectClrLst/>
-  </dgm:styleLbl>
-  <dgm:styleLbl name="trBgShp">
-    <dgm:fillClrLst meth="repeat">
-      <a:schemeClr val="accent2">
-        <a:tint val="50000"/>
-        <a:alpha val="40000"/>
-      </a:schemeClr>
-    </dgm:fillClrLst>
-    <dgm:linClrLst meth="repeat">
-      <a:schemeClr val="accent2"/>
-    </dgm:linClrLst>
-    <dgm:effectClrLst/>
-    <dgm:txLinClrLst/>
-    <dgm:txFillClrLst meth="repeat">
-      <a:schemeClr val="lt1"/>
-    </dgm:txFillClrLst>
-    <dgm:txEffectClrLst/>
-  </dgm:styleLbl>
-  <dgm:styleLbl name="fgShp">
-    <dgm:fillClrLst meth="repeat">
-      <a:schemeClr val="accent2">
-        <a:tint val="40000"/>
-      </a:schemeClr>
-    </dgm:fillClrLst>
-    <dgm:linClrLst meth="repeat">
-      <a:schemeClr val="lt1"/>
-    </dgm:linClrLst>
-    <dgm:effectClrLst/>
-    <dgm:txLinClrLst/>
-    <dgm:txFillClrLst meth="repeat">
-      <a:schemeClr val="dk1"/>
-    </dgm:txFillClrLst>
-    <dgm:txEffectClrLst/>
-  </dgm:styleLbl>
-  <dgm:styleLbl name="revTx">
-    <dgm:fillClrLst meth="repeat">
-      <a:schemeClr val="lt1">
-        <a:alpha val="0"/>
-      </a:schemeClr>
-    </dgm:fillClrLst>
-    <dgm:linClrLst meth="repeat">
-      <a:schemeClr val="dk1">
-        <a:alpha val="0"/>
-      </a:schemeClr>
-    </dgm:linClrLst>
-    <dgm:effectClrLst/>
-    <dgm:txLinClrLst/>
-    <dgm:txFillClrLst meth="repeat">
-      <a:schemeClr val="tx1"/>
-    </dgm:txFillClrLst>
-    <dgm:txEffectClrLst/>
-  </dgm:styleLbl>
-</dgm:colorsDef>
+<file path=ppt/revisionInfo.xml><?xml version="1.0" encoding="utf-8"?>
+<p1510:revInfo xmlns:a="http://schemas.openxmlformats.org/drawingml/2006/main" xmlns:r="http://schemas.openxmlformats.org/officeDocument/2006/relationships" xmlns:p1510="http://schemas.microsoft.com/office/powerpoint/2015/10/main">
+  <p1510:revLst>
+    <p1510:client id="{423A0EE5-3B58-42D0-8AF7-EF6C7E9260B1}" v="35" dt="2025-03-09T16:04:28.519"/>
+  </p1510:revLst>
+</p1510:revInfo>
 </file>
 
-<file path=ppt/diagrams/colors2.xml><?xml version="1.0" encoding="utf-8"?>
+<file path=ppt/changesInfos/changesInfo1.xml><?xml version="1.0" encoding="utf-8"?>
+<pc:chgInfo xmlns:a="http://schemas.openxmlformats.org/drawingml/2006/main" xmlns:r="http://schemas.openxmlformats.org/officeDocument/2006/relationships" xmlns:ac="http://schemas.microsoft.com/office/drawing/2013/main/command" xmlns:pc="http://schemas.microsoft.com/office/powerpoint/2013/main/command">
+  <pc:docChgLst>
+    <pc:chgData name="steven longhofer" userId="cce39a29f9ad5b99" providerId="LiveId" clId="{423A0EE5-3B58-42D0-8AF7-EF6C7E9260B1}"/>
+    <pc:docChg chg="undo custSel addSld delSld modSld sldOrd">
+      <pc:chgData name="steven longhofer" userId="cce39a29f9ad5b99" providerId="LiveId" clId="{423A0EE5-3B58-42D0-8AF7-EF6C7E9260B1}" dt="2025-03-09T16:06:53.915" v="327"/>
+      <pc:docMkLst>
+        <pc:docMk/>
+      </pc:docMkLst>
+      <pc:sldChg chg="del">
+        <pc:chgData name="steven longhofer" userId="cce39a29f9ad5b99" providerId="LiveId" clId="{423A0EE5-3B58-42D0-8AF7-EF6C7E9260B1}" dt="2025-03-09T15:48:06.510" v="0" actId="2696"/>
+        <pc:sldMkLst>
+          <pc:docMk/>
+          <pc:sldMk cId="243266618" sldId="257"/>
+        </pc:sldMkLst>
+      </pc:sldChg>
+      <pc:sldChg chg="modSp mod">
+        <pc:chgData name="steven longhofer" userId="cce39a29f9ad5b99" providerId="LiveId" clId="{423A0EE5-3B58-42D0-8AF7-EF6C7E9260B1}" dt="2025-03-09T16:06:32.788" v="323" actId="20577"/>
+        <pc:sldMkLst>
+          <pc:docMk/>
+          <pc:sldMk cId="2164048826" sldId="258"/>
+        </pc:sldMkLst>
+        <pc:spChg chg="mod">
+          <ac:chgData name="steven longhofer" userId="cce39a29f9ad5b99" providerId="LiveId" clId="{423A0EE5-3B58-42D0-8AF7-EF6C7E9260B1}" dt="2025-03-09T16:06:32.788" v="323" actId="20577"/>
+          <ac:spMkLst>
+            <pc:docMk/>
+            <pc:sldMk cId="2164048826" sldId="258"/>
+            <ac:spMk id="4" creationId="{088AFD79-AD5A-A6DD-A12F-0CB9D6089F9E}"/>
+          </ac:spMkLst>
+        </pc:spChg>
+        <pc:spChg chg="mod">
+          <ac:chgData name="steven longhofer" userId="cce39a29f9ad5b99" providerId="LiveId" clId="{423A0EE5-3B58-42D0-8AF7-EF6C7E9260B1}" dt="2025-03-09T16:06:01.529" v="244" actId="5793"/>
+          <ac:spMkLst>
+            <pc:docMk/>
+            <pc:sldMk cId="2164048826" sldId="258"/>
+            <ac:spMk id="6" creationId="{51A2715C-D737-E7DB-4B95-23DEFDBBB1D1}"/>
+          </ac:spMkLst>
+        </pc:spChg>
+      </pc:sldChg>
+      <pc:sldChg chg="modSp mod">
+        <pc:chgData name="steven longhofer" userId="cce39a29f9ad5b99" providerId="LiveId" clId="{423A0EE5-3B58-42D0-8AF7-EF6C7E9260B1}" dt="2025-03-09T15:49:36.082" v="6" actId="34135"/>
+        <pc:sldMkLst>
+          <pc:docMk/>
+          <pc:sldMk cId="1087987711" sldId="260"/>
+        </pc:sldMkLst>
+        <pc:spChg chg="mod">
+          <ac:chgData name="steven longhofer" userId="cce39a29f9ad5b99" providerId="LiveId" clId="{423A0EE5-3B58-42D0-8AF7-EF6C7E9260B1}" dt="2025-03-09T15:49:36.082" v="6" actId="34135"/>
+          <ac:spMkLst>
+            <pc:docMk/>
+            <pc:sldMk cId="1087987711" sldId="260"/>
+            <ac:spMk id="3" creationId="{69789EF7-795A-3FC3-6E0C-CEBA3176E3E7}"/>
+          </ac:spMkLst>
+        </pc:spChg>
+      </pc:sldChg>
+      <pc:sldChg chg="addSp delSp modSp new mod ord modAnim">
+        <pc:chgData name="steven longhofer" userId="cce39a29f9ad5b99" providerId="LiveId" clId="{423A0EE5-3B58-42D0-8AF7-EF6C7E9260B1}" dt="2025-03-09T16:06:52.424" v="325"/>
+        <pc:sldMkLst>
+          <pc:docMk/>
+          <pc:sldMk cId="2671207647" sldId="262"/>
+        </pc:sldMkLst>
+        <pc:spChg chg="mod">
+          <ac:chgData name="steven longhofer" userId="cce39a29f9ad5b99" providerId="LiveId" clId="{423A0EE5-3B58-42D0-8AF7-EF6C7E9260B1}" dt="2025-03-09T15:54:02.905" v="32"/>
+          <ac:spMkLst>
+            <pc:docMk/>
+            <pc:sldMk cId="2671207647" sldId="262"/>
+            <ac:spMk id="2" creationId="{0A5E46D6-073C-0077-4706-226EAFC5AD3E}"/>
+          </ac:spMkLst>
+        </pc:spChg>
+        <pc:spChg chg="mod">
+          <ac:chgData name="steven longhofer" userId="cce39a29f9ad5b99" providerId="LiveId" clId="{423A0EE5-3B58-42D0-8AF7-EF6C7E9260B1}" dt="2025-03-09T16:00:49.964" v="90" actId="1076"/>
+          <ac:spMkLst>
+            <pc:docMk/>
+            <pc:sldMk cId="2671207647" sldId="262"/>
+            <ac:spMk id="3" creationId="{441BC992-9C33-B807-764F-26813F5E44E6}"/>
+          </ac:spMkLst>
+        </pc:spChg>
+        <pc:spChg chg="add del mod">
+          <ac:chgData name="steven longhofer" userId="cce39a29f9ad5b99" providerId="LiveId" clId="{423A0EE5-3B58-42D0-8AF7-EF6C7E9260B1}" dt="2025-03-09T15:50:12.381" v="10" actId="478"/>
+          <ac:spMkLst>
+            <pc:docMk/>
+            <pc:sldMk cId="2671207647" sldId="262"/>
+            <ac:spMk id="5" creationId="{7EE97CB7-3B0D-B900-618D-B81A72A5EDEA}"/>
+          </ac:spMkLst>
+        </pc:spChg>
+      </pc:sldChg>
+      <pc:sldChg chg="addSp delSp modSp new mod ord modAnim">
+        <pc:chgData name="steven longhofer" userId="cce39a29f9ad5b99" providerId="LiveId" clId="{423A0EE5-3B58-42D0-8AF7-EF6C7E9260B1}" dt="2025-03-09T16:06:53.915" v="327"/>
+        <pc:sldMkLst>
+          <pc:docMk/>
+          <pc:sldMk cId="2941972182" sldId="263"/>
+        </pc:sldMkLst>
+        <pc:spChg chg="mod">
+          <ac:chgData name="steven longhofer" userId="cce39a29f9ad5b99" providerId="LiveId" clId="{423A0EE5-3B58-42D0-8AF7-EF6C7E9260B1}" dt="2025-03-09T15:57:40.478" v="72" actId="20577"/>
+          <ac:spMkLst>
+            <pc:docMk/>
+            <pc:sldMk cId="2941972182" sldId="263"/>
+            <ac:spMk id="2" creationId="{CE2BD33B-27FF-7732-3090-693A685BE331}"/>
+          </ac:spMkLst>
+        </pc:spChg>
+        <pc:spChg chg="del">
+          <ac:chgData name="steven longhofer" userId="cce39a29f9ad5b99" providerId="LiveId" clId="{423A0EE5-3B58-42D0-8AF7-EF6C7E9260B1}" dt="2025-03-09T15:57:15.274" v="40" actId="931"/>
+          <ac:spMkLst>
+            <pc:docMk/>
+            <pc:sldMk cId="2941972182" sldId="263"/>
+            <ac:spMk id="3" creationId="{47F81A95-BED9-4DA7-8E2B-4577510F1967}"/>
+          </ac:spMkLst>
+        </pc:spChg>
+        <pc:picChg chg="add mod">
+          <ac:chgData name="steven longhofer" userId="cce39a29f9ad5b99" providerId="LiveId" clId="{423A0EE5-3B58-42D0-8AF7-EF6C7E9260B1}" dt="2025-03-09T15:57:25.379" v="45" actId="1076"/>
+          <ac:picMkLst>
+            <pc:docMk/>
+            <pc:sldMk cId="2941972182" sldId="263"/>
+            <ac:picMk id="5" creationId="{DAC0D67B-8511-4280-D695-BEAF29D22801}"/>
+          </ac:picMkLst>
+        </pc:picChg>
+      </pc:sldChg>
+    </pc:docChg>
+  </pc:docChgLst>
+</pc:chgInfo>
+</file>
+
+<file path=ppt/diagrams/colors1.xml><?xml version="1.0" encoding="utf-8"?>
 <dgm:colorsDef xmlns:dgm="http://schemas.openxmlformats.org/drawingml/2006/diagram" xmlns:a="http://schemas.openxmlformats.org/drawingml/2006/main" uniqueId="urn:microsoft.com/office/officeart/2018/5/colors/Iconchunking_neutralbg_colorful1">
   <dgm:title val=""/>
   <dgm:desc val=""/>
@@ -1818,392 +1174,6 @@
 <file path=ppt/diagrams/data1.xml><?xml version="1.0" encoding="utf-8"?>
 <dgm:dataModel xmlns:dgm="http://schemas.openxmlformats.org/drawingml/2006/diagram" xmlns:a="http://schemas.openxmlformats.org/drawingml/2006/main">
   <dgm:ptLst>
-    <dgm:pt modelId="{FEE046D9-701A-4BBF-A5DE-6B2932809C89}" type="doc">
-      <dgm:prSet loTypeId="urn:microsoft.com/office/officeart/2005/8/layout/list1" loCatId="list" qsTypeId="urn:microsoft.com/office/officeart/2005/8/quickstyle/simple1" qsCatId="simple" csTypeId="urn:microsoft.com/office/officeart/2005/8/colors/colorful2" csCatId="colorful" phldr="1"/>
-      <dgm:spPr/>
-      <dgm:t>
-        <a:bodyPr/>
-        <a:lstStyle/>
-        <a:p>
-          <a:endParaRPr lang="en-US"/>
-        </a:p>
-      </dgm:t>
-    </dgm:pt>
-    <dgm:pt modelId="{4817DE9C-80FE-45B4-B192-A12C5EA22B53}">
-      <dgm:prSet/>
-      <dgm:spPr/>
-      <dgm:t>
-        <a:bodyPr/>
-        <a:lstStyle/>
-        <a:p>
-          <a:r>
-            <a:rPr lang="en-US" b="0" i="0"/>
-            <a:t>Tools/libraries</a:t>
-          </a:r>
-          <a:endParaRPr lang="en-US"/>
-        </a:p>
-      </dgm:t>
-    </dgm:pt>
-    <dgm:pt modelId="{114FFA3C-004A-4C95-8134-53530F9ABAE3}" type="parTrans" cxnId="{6E984008-2D57-4332-97F7-50309DA26E1A}">
-      <dgm:prSet/>
-      <dgm:spPr/>
-      <dgm:t>
-        <a:bodyPr/>
-        <a:lstStyle/>
-        <a:p>
-          <a:endParaRPr lang="en-US"/>
-        </a:p>
-      </dgm:t>
-    </dgm:pt>
-    <dgm:pt modelId="{86DD8C07-9FDE-4086-A329-A0317A177355}" type="sibTrans" cxnId="{6E984008-2D57-4332-97F7-50309DA26E1A}">
-      <dgm:prSet/>
-      <dgm:spPr/>
-      <dgm:t>
-        <a:bodyPr/>
-        <a:lstStyle/>
-        <a:p>
-          <a:endParaRPr lang="en-US"/>
-        </a:p>
-      </dgm:t>
-    </dgm:pt>
-    <dgm:pt modelId="{0775D015-7B35-4D73-8610-3551B5BABECC}">
-      <dgm:prSet/>
-      <dgm:spPr/>
-      <dgm:t>
-        <a:bodyPr/>
-        <a:lstStyle/>
-        <a:p>
-          <a:r>
-            <a:rPr lang="en-US" b="0" i="0"/>
-            <a:t>React-router-dom</a:t>
-          </a:r>
-          <a:endParaRPr lang="en-US"/>
-        </a:p>
-      </dgm:t>
-    </dgm:pt>
-    <dgm:pt modelId="{30A11250-86A3-4ED7-B075-9B72DA494C31}" type="parTrans" cxnId="{CC491D2F-7496-4FF3-A64E-BAE687C89B6F}">
-      <dgm:prSet/>
-      <dgm:spPr/>
-      <dgm:t>
-        <a:bodyPr/>
-        <a:lstStyle/>
-        <a:p>
-          <a:endParaRPr lang="en-US"/>
-        </a:p>
-      </dgm:t>
-    </dgm:pt>
-    <dgm:pt modelId="{5AA381B5-FEE4-468C-A46D-0ADE4C9AF167}" type="sibTrans" cxnId="{CC491D2F-7496-4FF3-A64E-BAE687C89B6F}">
-      <dgm:prSet/>
-      <dgm:spPr/>
-      <dgm:t>
-        <a:bodyPr/>
-        <a:lstStyle/>
-        <a:p>
-          <a:endParaRPr lang="en-US"/>
-        </a:p>
-      </dgm:t>
-    </dgm:pt>
-    <dgm:pt modelId="{4661F341-14C7-4115-9CDB-67B263F1FB29}">
-      <dgm:prSet/>
-      <dgm:spPr/>
-      <dgm:t>
-        <a:bodyPr/>
-        <a:lstStyle/>
-        <a:p>
-          <a:r>
-            <a:rPr lang="en-US" b="0" i="0"/>
-            <a:t>Axios</a:t>
-          </a:r>
-          <a:endParaRPr lang="en-US"/>
-        </a:p>
-      </dgm:t>
-    </dgm:pt>
-    <dgm:pt modelId="{59C805DC-666C-4406-8ED9-92E21A511216}" type="parTrans" cxnId="{1C67434F-B297-4DA4-8637-28460DDFFE25}">
-      <dgm:prSet/>
-      <dgm:spPr/>
-      <dgm:t>
-        <a:bodyPr/>
-        <a:lstStyle/>
-        <a:p>
-          <a:endParaRPr lang="en-US"/>
-        </a:p>
-      </dgm:t>
-    </dgm:pt>
-    <dgm:pt modelId="{946FE390-10E7-4325-BE1B-E3CB9B047BFD}" type="sibTrans" cxnId="{1C67434F-B297-4DA4-8637-28460DDFFE25}">
-      <dgm:prSet/>
-      <dgm:spPr/>
-      <dgm:t>
-        <a:bodyPr/>
-        <a:lstStyle/>
-        <a:p>
-          <a:endParaRPr lang="en-US"/>
-        </a:p>
-      </dgm:t>
-    </dgm:pt>
-    <dgm:pt modelId="{BD611A38-F5E7-4B45-8CBC-CD53CEC6A6C7}">
-      <dgm:prSet/>
-      <dgm:spPr/>
-      <dgm:t>
-        <a:bodyPr/>
-        <a:lstStyle/>
-        <a:p>
-          <a:r>
-            <a:rPr lang="en-US" b="0" i="0"/>
-            <a:t>Webpack</a:t>
-          </a:r>
-          <a:endParaRPr lang="en-US"/>
-        </a:p>
-      </dgm:t>
-    </dgm:pt>
-    <dgm:pt modelId="{0C00AA3E-5718-4DCA-B0EB-3609AA85A48A}" type="parTrans" cxnId="{26998FCA-6A01-478B-A175-AFA82FEAA42B}">
-      <dgm:prSet/>
-      <dgm:spPr/>
-      <dgm:t>
-        <a:bodyPr/>
-        <a:lstStyle/>
-        <a:p>
-          <a:endParaRPr lang="en-US"/>
-        </a:p>
-      </dgm:t>
-    </dgm:pt>
-    <dgm:pt modelId="{137BB3C6-2A63-47DB-A7A7-631883AE729B}" type="sibTrans" cxnId="{26998FCA-6A01-478B-A175-AFA82FEAA42B}">
-      <dgm:prSet/>
-      <dgm:spPr/>
-      <dgm:t>
-        <a:bodyPr/>
-        <a:lstStyle/>
-        <a:p>
-          <a:endParaRPr lang="en-US"/>
-        </a:p>
-      </dgm:t>
-    </dgm:pt>
-    <dgm:pt modelId="{322DB8E6-C552-4499-A009-8C2112673EFD}">
-      <dgm:prSet/>
-      <dgm:spPr/>
-      <dgm:t>
-        <a:bodyPr/>
-        <a:lstStyle/>
-        <a:p>
-          <a:r>
-            <a:rPr lang="en-US" b="0" i="0"/>
-            <a:t>babel</a:t>
-          </a:r>
-          <a:endParaRPr lang="en-US"/>
-        </a:p>
-      </dgm:t>
-    </dgm:pt>
-    <dgm:pt modelId="{B3C1EFF9-FC15-4816-B8D9-79068B137E23}" type="parTrans" cxnId="{4015E09A-36D3-4322-BBAF-EB2BD23B4196}">
-      <dgm:prSet/>
-      <dgm:spPr/>
-      <dgm:t>
-        <a:bodyPr/>
-        <a:lstStyle/>
-        <a:p>
-          <a:endParaRPr lang="en-US"/>
-        </a:p>
-      </dgm:t>
-    </dgm:pt>
-    <dgm:pt modelId="{D6E1B6AC-963A-4C3D-A7CB-80E58410F5C6}" type="sibTrans" cxnId="{4015E09A-36D3-4322-BBAF-EB2BD23B4196}">
-      <dgm:prSet/>
-      <dgm:spPr/>
-      <dgm:t>
-        <a:bodyPr/>
-        <a:lstStyle/>
-        <a:p>
-          <a:endParaRPr lang="en-US"/>
-        </a:p>
-      </dgm:t>
-    </dgm:pt>
-    <dgm:pt modelId="{1264C04A-4E5E-42F3-B314-38E192326107}">
-      <dgm:prSet/>
-      <dgm:spPr/>
-      <dgm:t>
-        <a:bodyPr/>
-        <a:lstStyle/>
-        <a:p>
-          <a:r>
-            <a:rPr lang="en-US" b="0" i="0" dirty="0"/>
-            <a:t>Purpose</a:t>
-          </a:r>
-          <a:endParaRPr lang="en-US" dirty="0"/>
-        </a:p>
-      </dgm:t>
-    </dgm:pt>
-    <dgm:pt modelId="{B32E52F7-ED55-41B2-A616-1397A04EA328}" type="parTrans" cxnId="{EBE222BD-C358-4621-BDC3-00FB00BD93C0}">
-      <dgm:prSet/>
-      <dgm:spPr/>
-      <dgm:t>
-        <a:bodyPr/>
-        <a:lstStyle/>
-        <a:p>
-          <a:endParaRPr lang="en-US"/>
-        </a:p>
-      </dgm:t>
-    </dgm:pt>
-    <dgm:pt modelId="{DB3BE006-30F5-4A0A-8FCD-5029D6262632}" type="sibTrans" cxnId="{EBE222BD-C358-4621-BDC3-00FB00BD93C0}">
-      <dgm:prSet/>
-      <dgm:spPr/>
-      <dgm:t>
-        <a:bodyPr/>
-        <a:lstStyle/>
-        <a:p>
-          <a:endParaRPr lang="en-US"/>
-        </a:p>
-      </dgm:t>
-    </dgm:pt>
-    <dgm:pt modelId="{D4070B51-90BA-4A22-9113-0A876F153030}">
-      <dgm:prSet/>
-      <dgm:spPr/>
-      <dgm:t>
-        <a:bodyPr/>
-        <a:lstStyle/>
-        <a:p>
-          <a:r>
-            <a:rPr lang="en-US" b="0" i="0" dirty="0"/>
-            <a:t>Presents user with information about their desired products through different sellers to find the best price</a:t>
-          </a:r>
-          <a:endParaRPr lang="en-US" dirty="0"/>
-        </a:p>
-      </dgm:t>
-    </dgm:pt>
-    <dgm:pt modelId="{2409F6D0-F2B8-450D-8632-97663BA82216}" type="parTrans" cxnId="{258D3D37-C68F-4E78-BC51-473D83E18A81}">
-      <dgm:prSet/>
-      <dgm:spPr/>
-      <dgm:t>
-        <a:bodyPr/>
-        <a:lstStyle/>
-        <a:p>
-          <a:endParaRPr lang="en-US"/>
-        </a:p>
-      </dgm:t>
-    </dgm:pt>
-    <dgm:pt modelId="{FBA89150-F6E2-4E11-B377-483566C8BD4A}" type="sibTrans" cxnId="{258D3D37-C68F-4E78-BC51-473D83E18A81}">
-      <dgm:prSet/>
-      <dgm:spPr/>
-      <dgm:t>
-        <a:bodyPr/>
-        <a:lstStyle/>
-        <a:p>
-          <a:endParaRPr lang="en-US"/>
-        </a:p>
-      </dgm:t>
-    </dgm:pt>
-    <dgm:pt modelId="{04ED5928-D04D-4AC2-BCD4-41AA173A4568}" type="pres">
-      <dgm:prSet presAssocID="{FEE046D9-701A-4BBF-A5DE-6B2932809C89}" presName="linear" presStyleCnt="0">
-        <dgm:presLayoutVars>
-          <dgm:dir/>
-          <dgm:animLvl val="lvl"/>
-          <dgm:resizeHandles val="exact"/>
-        </dgm:presLayoutVars>
-      </dgm:prSet>
-      <dgm:spPr/>
-    </dgm:pt>
-    <dgm:pt modelId="{8D8AABC1-3F80-4327-898E-D89EC8E94614}" type="pres">
-      <dgm:prSet presAssocID="{4817DE9C-80FE-45B4-B192-A12C5EA22B53}" presName="parentLin" presStyleCnt="0"/>
-      <dgm:spPr/>
-    </dgm:pt>
-    <dgm:pt modelId="{8E14F16A-0911-4E60-8CC6-F74032F80CEE}" type="pres">
-      <dgm:prSet presAssocID="{4817DE9C-80FE-45B4-B192-A12C5EA22B53}" presName="parentLeftMargin" presStyleLbl="node1" presStyleIdx="0" presStyleCnt="2"/>
-      <dgm:spPr/>
-    </dgm:pt>
-    <dgm:pt modelId="{E0A84C17-214B-43BF-9863-5E2290B4DFB0}" type="pres">
-      <dgm:prSet presAssocID="{4817DE9C-80FE-45B4-B192-A12C5EA22B53}" presName="parentText" presStyleLbl="node1" presStyleIdx="0" presStyleCnt="2">
-        <dgm:presLayoutVars>
-          <dgm:chMax val="0"/>
-          <dgm:bulletEnabled val="1"/>
-        </dgm:presLayoutVars>
-      </dgm:prSet>
-      <dgm:spPr/>
-    </dgm:pt>
-    <dgm:pt modelId="{1E11D97C-87BB-4A07-A8B1-9E06DFA04779}" type="pres">
-      <dgm:prSet presAssocID="{4817DE9C-80FE-45B4-B192-A12C5EA22B53}" presName="negativeSpace" presStyleCnt="0"/>
-      <dgm:spPr/>
-    </dgm:pt>
-    <dgm:pt modelId="{79967ABB-08EE-45AF-813D-F9B3DFE80D42}" type="pres">
-      <dgm:prSet presAssocID="{4817DE9C-80FE-45B4-B192-A12C5EA22B53}" presName="childText" presStyleLbl="conFgAcc1" presStyleIdx="0" presStyleCnt="2">
-        <dgm:presLayoutVars>
-          <dgm:bulletEnabled val="1"/>
-        </dgm:presLayoutVars>
-      </dgm:prSet>
-      <dgm:spPr/>
-    </dgm:pt>
-    <dgm:pt modelId="{34072A7B-5354-4451-946F-B0213D139D98}" type="pres">
-      <dgm:prSet presAssocID="{86DD8C07-9FDE-4086-A329-A0317A177355}" presName="spaceBetweenRectangles" presStyleCnt="0"/>
-      <dgm:spPr/>
-    </dgm:pt>
-    <dgm:pt modelId="{3EE025B1-432D-46EB-AB34-AE7E71C69A13}" type="pres">
-      <dgm:prSet presAssocID="{1264C04A-4E5E-42F3-B314-38E192326107}" presName="parentLin" presStyleCnt="0"/>
-      <dgm:spPr/>
-    </dgm:pt>
-    <dgm:pt modelId="{2D2CE905-7C5F-4F0A-850C-A79A4449748B}" type="pres">
-      <dgm:prSet presAssocID="{1264C04A-4E5E-42F3-B314-38E192326107}" presName="parentLeftMargin" presStyleLbl="node1" presStyleIdx="0" presStyleCnt="2"/>
-      <dgm:spPr/>
-    </dgm:pt>
-    <dgm:pt modelId="{556397AB-CCAC-4131-965B-97104EE235BB}" type="pres">
-      <dgm:prSet presAssocID="{1264C04A-4E5E-42F3-B314-38E192326107}" presName="parentText" presStyleLbl="node1" presStyleIdx="1" presStyleCnt="2">
-        <dgm:presLayoutVars>
-          <dgm:chMax val="0"/>
-          <dgm:bulletEnabled val="1"/>
-        </dgm:presLayoutVars>
-      </dgm:prSet>
-      <dgm:spPr/>
-    </dgm:pt>
-    <dgm:pt modelId="{8EC15D90-A4E8-4D6B-892A-9D9B4364F423}" type="pres">
-      <dgm:prSet presAssocID="{1264C04A-4E5E-42F3-B314-38E192326107}" presName="negativeSpace" presStyleCnt="0"/>
-      <dgm:spPr/>
-    </dgm:pt>
-    <dgm:pt modelId="{2B681863-57E3-4516-875D-7496F7129F29}" type="pres">
-      <dgm:prSet presAssocID="{1264C04A-4E5E-42F3-B314-38E192326107}" presName="childText" presStyleLbl="conFgAcc1" presStyleIdx="1" presStyleCnt="2">
-        <dgm:presLayoutVars>
-          <dgm:bulletEnabled val="1"/>
-        </dgm:presLayoutVars>
-      </dgm:prSet>
-      <dgm:spPr/>
-    </dgm:pt>
-  </dgm:ptLst>
-  <dgm:cxnLst>
-    <dgm:cxn modelId="{9DA9D102-E7DB-4366-BBC2-0C920C9B8BE9}" type="presOf" srcId="{D4070B51-90BA-4A22-9113-0A876F153030}" destId="{2B681863-57E3-4516-875D-7496F7129F29}" srcOrd="0" destOrd="0" presId="urn:microsoft.com/office/officeart/2005/8/layout/list1"/>
-    <dgm:cxn modelId="{6E984008-2D57-4332-97F7-50309DA26E1A}" srcId="{FEE046D9-701A-4BBF-A5DE-6B2932809C89}" destId="{4817DE9C-80FE-45B4-B192-A12C5EA22B53}" srcOrd="0" destOrd="0" parTransId="{114FFA3C-004A-4C95-8134-53530F9ABAE3}" sibTransId="{86DD8C07-9FDE-4086-A329-A0317A177355}"/>
-    <dgm:cxn modelId="{9B797E1D-822F-466F-A6D9-CEE1F6038357}" type="presOf" srcId="{BD611A38-F5E7-4B45-8CBC-CD53CEC6A6C7}" destId="{79967ABB-08EE-45AF-813D-F9B3DFE80D42}" srcOrd="0" destOrd="2" presId="urn:microsoft.com/office/officeart/2005/8/layout/list1"/>
-    <dgm:cxn modelId="{DA74462D-A508-4865-A759-AB145A89E83E}" type="presOf" srcId="{FEE046D9-701A-4BBF-A5DE-6B2932809C89}" destId="{04ED5928-D04D-4AC2-BCD4-41AA173A4568}" srcOrd="0" destOrd="0" presId="urn:microsoft.com/office/officeart/2005/8/layout/list1"/>
-    <dgm:cxn modelId="{CC491D2F-7496-4FF3-A64E-BAE687C89B6F}" srcId="{4817DE9C-80FE-45B4-B192-A12C5EA22B53}" destId="{0775D015-7B35-4D73-8610-3551B5BABECC}" srcOrd="0" destOrd="0" parTransId="{30A11250-86A3-4ED7-B075-9B72DA494C31}" sibTransId="{5AA381B5-FEE4-468C-A46D-0ADE4C9AF167}"/>
-    <dgm:cxn modelId="{258D3D37-C68F-4E78-BC51-473D83E18A81}" srcId="{1264C04A-4E5E-42F3-B314-38E192326107}" destId="{D4070B51-90BA-4A22-9113-0A876F153030}" srcOrd="0" destOrd="0" parTransId="{2409F6D0-F2B8-450D-8632-97663BA82216}" sibTransId="{FBA89150-F6E2-4E11-B377-483566C8BD4A}"/>
-    <dgm:cxn modelId="{AAE1144D-36A6-489B-BE82-F6C6D81866B0}" type="presOf" srcId="{4817DE9C-80FE-45B4-B192-A12C5EA22B53}" destId="{8E14F16A-0911-4E60-8CC6-F74032F80CEE}" srcOrd="0" destOrd="0" presId="urn:microsoft.com/office/officeart/2005/8/layout/list1"/>
-    <dgm:cxn modelId="{1C67434F-B297-4DA4-8637-28460DDFFE25}" srcId="{4817DE9C-80FE-45B4-B192-A12C5EA22B53}" destId="{4661F341-14C7-4115-9CDB-67B263F1FB29}" srcOrd="1" destOrd="0" parTransId="{59C805DC-666C-4406-8ED9-92E21A511216}" sibTransId="{946FE390-10E7-4325-BE1B-E3CB9B047BFD}"/>
-    <dgm:cxn modelId="{9307C458-8374-4A63-A819-C25E447D91C2}" type="presOf" srcId="{1264C04A-4E5E-42F3-B314-38E192326107}" destId="{2D2CE905-7C5F-4F0A-850C-A79A4449748B}" srcOrd="0" destOrd="0" presId="urn:microsoft.com/office/officeart/2005/8/layout/list1"/>
-    <dgm:cxn modelId="{4015E09A-36D3-4322-BBAF-EB2BD23B4196}" srcId="{4817DE9C-80FE-45B4-B192-A12C5EA22B53}" destId="{322DB8E6-C552-4499-A009-8C2112673EFD}" srcOrd="3" destOrd="0" parTransId="{B3C1EFF9-FC15-4816-B8D9-79068B137E23}" sibTransId="{D6E1B6AC-963A-4C3D-A7CB-80E58410F5C6}"/>
-    <dgm:cxn modelId="{2565A7A2-84D7-4C84-BDFA-871CF6058076}" type="presOf" srcId="{4817DE9C-80FE-45B4-B192-A12C5EA22B53}" destId="{E0A84C17-214B-43BF-9863-5E2290B4DFB0}" srcOrd="1" destOrd="0" presId="urn:microsoft.com/office/officeart/2005/8/layout/list1"/>
-    <dgm:cxn modelId="{EBE222BD-C358-4621-BDC3-00FB00BD93C0}" srcId="{FEE046D9-701A-4BBF-A5DE-6B2932809C89}" destId="{1264C04A-4E5E-42F3-B314-38E192326107}" srcOrd="1" destOrd="0" parTransId="{B32E52F7-ED55-41B2-A616-1397A04EA328}" sibTransId="{DB3BE006-30F5-4A0A-8FCD-5029D6262632}"/>
-    <dgm:cxn modelId="{0B9358C6-F30A-49A2-8A1F-9C6230486C9A}" type="presOf" srcId="{0775D015-7B35-4D73-8610-3551B5BABECC}" destId="{79967ABB-08EE-45AF-813D-F9B3DFE80D42}" srcOrd="0" destOrd="0" presId="urn:microsoft.com/office/officeart/2005/8/layout/list1"/>
-    <dgm:cxn modelId="{26998FCA-6A01-478B-A175-AFA82FEAA42B}" srcId="{4817DE9C-80FE-45B4-B192-A12C5EA22B53}" destId="{BD611A38-F5E7-4B45-8CBC-CD53CEC6A6C7}" srcOrd="2" destOrd="0" parTransId="{0C00AA3E-5718-4DCA-B0EB-3609AA85A48A}" sibTransId="{137BB3C6-2A63-47DB-A7A7-631883AE729B}"/>
-    <dgm:cxn modelId="{754F99DF-B69B-4D32-8213-ADC2B0F84950}" type="presOf" srcId="{1264C04A-4E5E-42F3-B314-38E192326107}" destId="{556397AB-CCAC-4131-965B-97104EE235BB}" srcOrd="1" destOrd="0" presId="urn:microsoft.com/office/officeart/2005/8/layout/list1"/>
-    <dgm:cxn modelId="{A7116DE4-6954-4D5C-8AAD-8933497F27A5}" type="presOf" srcId="{4661F341-14C7-4115-9CDB-67B263F1FB29}" destId="{79967ABB-08EE-45AF-813D-F9B3DFE80D42}" srcOrd="0" destOrd="1" presId="urn:microsoft.com/office/officeart/2005/8/layout/list1"/>
-    <dgm:cxn modelId="{F0078BE9-A908-4D25-A0EA-FE6F97B01456}" type="presOf" srcId="{322DB8E6-C552-4499-A009-8C2112673EFD}" destId="{79967ABB-08EE-45AF-813D-F9B3DFE80D42}" srcOrd="0" destOrd="3" presId="urn:microsoft.com/office/officeart/2005/8/layout/list1"/>
-    <dgm:cxn modelId="{AD81DAD9-7EC7-4D70-8C3A-4922E2525529}" type="presParOf" srcId="{04ED5928-D04D-4AC2-BCD4-41AA173A4568}" destId="{8D8AABC1-3F80-4327-898E-D89EC8E94614}" srcOrd="0" destOrd="0" presId="urn:microsoft.com/office/officeart/2005/8/layout/list1"/>
-    <dgm:cxn modelId="{03227791-C498-4F08-8958-960172869ED5}" type="presParOf" srcId="{8D8AABC1-3F80-4327-898E-D89EC8E94614}" destId="{8E14F16A-0911-4E60-8CC6-F74032F80CEE}" srcOrd="0" destOrd="0" presId="urn:microsoft.com/office/officeart/2005/8/layout/list1"/>
-    <dgm:cxn modelId="{96FC38E0-1955-4776-93E1-055EDCBD3556}" type="presParOf" srcId="{8D8AABC1-3F80-4327-898E-D89EC8E94614}" destId="{E0A84C17-214B-43BF-9863-5E2290B4DFB0}" srcOrd="1" destOrd="0" presId="urn:microsoft.com/office/officeart/2005/8/layout/list1"/>
-    <dgm:cxn modelId="{6B86F35F-D86D-4689-8F56-1F4F6F605E2B}" type="presParOf" srcId="{04ED5928-D04D-4AC2-BCD4-41AA173A4568}" destId="{1E11D97C-87BB-4A07-A8B1-9E06DFA04779}" srcOrd="1" destOrd="0" presId="urn:microsoft.com/office/officeart/2005/8/layout/list1"/>
-    <dgm:cxn modelId="{72707A80-02FB-49D8-97ED-EB5B728499A8}" type="presParOf" srcId="{04ED5928-D04D-4AC2-BCD4-41AA173A4568}" destId="{79967ABB-08EE-45AF-813D-F9B3DFE80D42}" srcOrd="2" destOrd="0" presId="urn:microsoft.com/office/officeart/2005/8/layout/list1"/>
-    <dgm:cxn modelId="{D264AA08-170F-4B5D-962A-382C1EFC5D5E}" type="presParOf" srcId="{04ED5928-D04D-4AC2-BCD4-41AA173A4568}" destId="{34072A7B-5354-4451-946F-B0213D139D98}" srcOrd="3" destOrd="0" presId="urn:microsoft.com/office/officeart/2005/8/layout/list1"/>
-    <dgm:cxn modelId="{62950145-9007-495C-A3E3-7CE562937E9B}" type="presParOf" srcId="{04ED5928-D04D-4AC2-BCD4-41AA173A4568}" destId="{3EE025B1-432D-46EB-AB34-AE7E71C69A13}" srcOrd="4" destOrd="0" presId="urn:microsoft.com/office/officeart/2005/8/layout/list1"/>
-    <dgm:cxn modelId="{86BA1D87-CF30-4F7A-9A28-8A8B90138CC1}" type="presParOf" srcId="{3EE025B1-432D-46EB-AB34-AE7E71C69A13}" destId="{2D2CE905-7C5F-4F0A-850C-A79A4449748B}" srcOrd="0" destOrd="0" presId="urn:microsoft.com/office/officeart/2005/8/layout/list1"/>
-    <dgm:cxn modelId="{2A45CECC-97A6-4972-B043-DAA60F6ED2E3}" type="presParOf" srcId="{3EE025B1-432D-46EB-AB34-AE7E71C69A13}" destId="{556397AB-CCAC-4131-965B-97104EE235BB}" srcOrd="1" destOrd="0" presId="urn:microsoft.com/office/officeart/2005/8/layout/list1"/>
-    <dgm:cxn modelId="{2D1373DB-6E0F-4BDA-94CA-5203DD295593}" type="presParOf" srcId="{04ED5928-D04D-4AC2-BCD4-41AA173A4568}" destId="{8EC15D90-A4E8-4D6B-892A-9D9B4364F423}" srcOrd="5" destOrd="0" presId="urn:microsoft.com/office/officeart/2005/8/layout/list1"/>
-    <dgm:cxn modelId="{0763FE94-E6FD-4F88-99A7-3B76BF2890CA}" type="presParOf" srcId="{04ED5928-D04D-4AC2-BCD4-41AA173A4568}" destId="{2B681863-57E3-4516-875D-7496F7129F29}" srcOrd="6" destOrd="0" presId="urn:microsoft.com/office/officeart/2005/8/layout/list1"/>
-  </dgm:cxnLst>
-  <dgm:bg/>
-  <dgm:whole/>
-  <dgm:extLst>
-    <a:ext uri="http://schemas.microsoft.com/office/drawing/2008/diagram">
-      <dsp:dataModelExt xmlns:dsp="http://schemas.microsoft.com/office/drawing/2008/diagram" relId="rId7" minVer="http://schemas.openxmlformats.org/drawingml/2006/diagram"/>
-    </a:ext>
-  </dgm:extLst>
-</dgm:dataModel>
-</file>
-
-<file path=ppt/diagrams/data2.xml><?xml version="1.0" encoding="utf-8"?>
-<dgm:dataModel xmlns:dgm="http://schemas.openxmlformats.org/drawingml/2006/diagram" xmlns:a="http://schemas.openxmlformats.org/drawingml/2006/main">
-  <dgm:ptLst>
     <dgm:pt modelId="{FDB8930E-A5D1-4BE3-BBEB-CF3F1479C217}" type="doc">
       <dgm:prSet loTypeId="urn:microsoft.com/office/officeart/2018/2/layout/IconVerticalSolidList" loCatId="icon" qsTypeId="urn:microsoft.com/office/officeart/2005/8/quickstyle/simple1" qsCatId="simple" csTypeId="urn:microsoft.com/office/officeart/2018/5/colors/Iconchunking_neutralbg_colorful1" csCatId="colorful" phldr="1"/>
       <dgm:spPr/>
@@ -2528,385 +1498,6 @@
 </file>
 
 <file path=ppt/diagrams/drawing1.xml><?xml version="1.0" encoding="utf-8"?>
-<dsp:drawing xmlns:dgm="http://schemas.openxmlformats.org/drawingml/2006/diagram" xmlns:dsp="http://schemas.microsoft.com/office/drawing/2008/diagram" xmlns:a="http://schemas.openxmlformats.org/drawingml/2006/main">
-  <dsp:spTree>
-    <dsp:nvGrpSpPr>
-      <dsp:cNvPr id="0" name=""/>
-      <dsp:cNvGrpSpPr/>
-    </dsp:nvGrpSpPr>
-    <dsp:grpSpPr/>
-    <dsp:sp modelId="{79967ABB-08EE-45AF-813D-F9B3DFE80D42}">
-      <dsp:nvSpPr>
-        <dsp:cNvPr id="0" name=""/>
-        <dsp:cNvSpPr/>
-      </dsp:nvSpPr>
-      <dsp:spPr>
-        <a:xfrm>
-          <a:off x="0" y="441743"/>
-          <a:ext cx="6391275" cy="2192400"/>
-        </a:xfrm>
-        <a:prstGeom prst="rect">
-          <a:avLst/>
-        </a:prstGeom>
-        <a:solidFill>
-          <a:schemeClr val="lt1">
-            <a:alpha val="90000"/>
-            <a:hueOff val="0"/>
-            <a:satOff val="0"/>
-            <a:lumOff val="0"/>
-            <a:alphaOff val="0"/>
-          </a:schemeClr>
-        </a:solidFill>
-        <a:ln w="19050" cap="rnd" cmpd="sng" algn="ctr">
-          <a:solidFill>
-            <a:schemeClr val="accent2">
-              <a:hueOff val="0"/>
-              <a:satOff val="0"/>
-              <a:lumOff val="0"/>
-              <a:alphaOff val="0"/>
-            </a:schemeClr>
-          </a:solidFill>
-          <a:prstDash val="solid"/>
-        </a:ln>
-        <a:effectLst/>
-      </dsp:spPr>
-      <dsp:style>
-        <a:lnRef idx="2">
-          <a:scrgbClr r="0" g="0" b="0"/>
-        </a:lnRef>
-        <a:fillRef idx="1">
-          <a:scrgbClr r="0" g="0" b="0"/>
-        </a:fillRef>
-        <a:effectRef idx="0">
-          <a:scrgbClr r="0" g="0" b="0"/>
-        </a:effectRef>
-        <a:fontRef idx="minor"/>
-      </dsp:style>
-      <dsp:txBody>
-        <a:bodyPr spcFirstLastPara="0" vert="horz" wrap="square" lIns="496034" tIns="499872" rIns="496034" bIns="170688" numCol="1" spcCol="1270" anchor="t" anchorCtr="0">
-          <a:noAutofit/>
-        </a:bodyPr>
-        <a:lstStyle/>
-        <a:p>
-          <a:pPr marL="228600" lvl="1" indent="-228600" algn="l" defTabSz="1066800">
-            <a:lnSpc>
-              <a:spcPct val="90000"/>
-            </a:lnSpc>
-            <a:spcBef>
-              <a:spcPct val="0"/>
-            </a:spcBef>
-            <a:spcAft>
-              <a:spcPct val="15000"/>
-            </a:spcAft>
-            <a:buChar char="•"/>
-          </a:pPr>
-          <a:r>
-            <a:rPr lang="en-US" sz="2400" b="0" i="0" kern="1200"/>
-            <a:t>React-router-dom</a:t>
-          </a:r>
-          <a:endParaRPr lang="en-US" sz="2400" kern="1200"/>
-        </a:p>
-        <a:p>
-          <a:pPr marL="228600" lvl="1" indent="-228600" algn="l" defTabSz="1066800">
-            <a:lnSpc>
-              <a:spcPct val="90000"/>
-            </a:lnSpc>
-            <a:spcBef>
-              <a:spcPct val="0"/>
-            </a:spcBef>
-            <a:spcAft>
-              <a:spcPct val="15000"/>
-            </a:spcAft>
-            <a:buChar char="•"/>
-          </a:pPr>
-          <a:r>
-            <a:rPr lang="en-US" sz="2400" b="0" i="0" kern="1200"/>
-            <a:t>Axios</a:t>
-          </a:r>
-          <a:endParaRPr lang="en-US" sz="2400" kern="1200"/>
-        </a:p>
-        <a:p>
-          <a:pPr marL="228600" lvl="1" indent="-228600" algn="l" defTabSz="1066800">
-            <a:lnSpc>
-              <a:spcPct val="90000"/>
-            </a:lnSpc>
-            <a:spcBef>
-              <a:spcPct val="0"/>
-            </a:spcBef>
-            <a:spcAft>
-              <a:spcPct val="15000"/>
-            </a:spcAft>
-            <a:buChar char="•"/>
-          </a:pPr>
-          <a:r>
-            <a:rPr lang="en-US" sz="2400" b="0" i="0" kern="1200"/>
-            <a:t>Webpack</a:t>
-          </a:r>
-          <a:endParaRPr lang="en-US" sz="2400" kern="1200"/>
-        </a:p>
-        <a:p>
-          <a:pPr marL="228600" lvl="1" indent="-228600" algn="l" defTabSz="1066800">
-            <a:lnSpc>
-              <a:spcPct val="90000"/>
-            </a:lnSpc>
-            <a:spcBef>
-              <a:spcPct val="0"/>
-            </a:spcBef>
-            <a:spcAft>
-              <a:spcPct val="15000"/>
-            </a:spcAft>
-            <a:buChar char="•"/>
-          </a:pPr>
-          <a:r>
-            <a:rPr lang="en-US" sz="2400" b="0" i="0" kern="1200"/>
-            <a:t>babel</a:t>
-          </a:r>
-          <a:endParaRPr lang="en-US" sz="2400" kern="1200"/>
-        </a:p>
-      </dsp:txBody>
-      <dsp:txXfrm>
-        <a:off x="0" y="441743"/>
-        <a:ext cx="6391275" cy="2192400"/>
-      </dsp:txXfrm>
-    </dsp:sp>
-    <dsp:sp modelId="{E0A84C17-214B-43BF-9863-5E2290B4DFB0}">
-      <dsp:nvSpPr>
-        <dsp:cNvPr id="0" name=""/>
-        <dsp:cNvSpPr/>
-      </dsp:nvSpPr>
-      <dsp:spPr>
-        <a:xfrm>
-          <a:off x="319563" y="87503"/>
-          <a:ext cx="4473892" cy="708480"/>
-        </a:xfrm>
-        <a:prstGeom prst="roundRect">
-          <a:avLst/>
-        </a:prstGeom>
-        <a:solidFill>
-          <a:schemeClr val="accent2">
-            <a:hueOff val="0"/>
-            <a:satOff val="0"/>
-            <a:lumOff val="0"/>
-            <a:alphaOff val="0"/>
-          </a:schemeClr>
-        </a:solidFill>
-        <a:ln w="19050" cap="rnd" cmpd="sng" algn="ctr">
-          <a:solidFill>
-            <a:schemeClr val="lt1">
-              <a:hueOff val="0"/>
-              <a:satOff val="0"/>
-              <a:lumOff val="0"/>
-              <a:alphaOff val="0"/>
-            </a:schemeClr>
-          </a:solidFill>
-          <a:prstDash val="solid"/>
-        </a:ln>
-        <a:effectLst/>
-      </dsp:spPr>
-      <dsp:style>
-        <a:lnRef idx="2">
-          <a:scrgbClr r="0" g="0" b="0"/>
-        </a:lnRef>
-        <a:fillRef idx="1">
-          <a:scrgbClr r="0" g="0" b="0"/>
-        </a:fillRef>
-        <a:effectRef idx="0">
-          <a:scrgbClr r="0" g="0" b="0"/>
-        </a:effectRef>
-        <a:fontRef idx="minor">
-          <a:schemeClr val="lt1"/>
-        </a:fontRef>
-      </dsp:style>
-      <dsp:txBody>
-        <a:bodyPr spcFirstLastPara="0" vert="horz" wrap="square" lIns="169102" tIns="0" rIns="169102" bIns="0" numCol="1" spcCol="1270" anchor="ctr" anchorCtr="0">
-          <a:noAutofit/>
-        </a:bodyPr>
-        <a:lstStyle/>
-        <a:p>
-          <a:pPr marL="0" lvl="0" indent="0" algn="l" defTabSz="1066800">
-            <a:lnSpc>
-              <a:spcPct val="90000"/>
-            </a:lnSpc>
-            <a:spcBef>
-              <a:spcPct val="0"/>
-            </a:spcBef>
-            <a:spcAft>
-              <a:spcPct val="35000"/>
-            </a:spcAft>
-            <a:buNone/>
-          </a:pPr>
-          <a:r>
-            <a:rPr lang="en-US" sz="2400" b="0" i="0" kern="1200"/>
-            <a:t>Tools/libraries</a:t>
-          </a:r>
-          <a:endParaRPr lang="en-US" sz="2400" kern="1200"/>
-        </a:p>
-      </dsp:txBody>
-      <dsp:txXfrm>
-        <a:off x="354148" y="122088"/>
-        <a:ext cx="4404722" cy="639310"/>
-      </dsp:txXfrm>
-    </dsp:sp>
-    <dsp:sp modelId="{2B681863-57E3-4516-875D-7496F7129F29}">
-      <dsp:nvSpPr>
-        <dsp:cNvPr id="0" name=""/>
-        <dsp:cNvSpPr/>
-      </dsp:nvSpPr>
-      <dsp:spPr>
-        <a:xfrm>
-          <a:off x="0" y="3117983"/>
-          <a:ext cx="6391275" cy="2041200"/>
-        </a:xfrm>
-        <a:prstGeom prst="rect">
-          <a:avLst/>
-        </a:prstGeom>
-        <a:solidFill>
-          <a:schemeClr val="lt1">
-            <a:alpha val="90000"/>
-            <a:hueOff val="0"/>
-            <a:satOff val="0"/>
-            <a:lumOff val="0"/>
-            <a:alphaOff val="0"/>
-          </a:schemeClr>
-        </a:solidFill>
-        <a:ln w="19050" cap="rnd" cmpd="sng" algn="ctr">
-          <a:solidFill>
-            <a:schemeClr val="accent2">
-              <a:hueOff val="-19765721"/>
-              <a:satOff val="901"/>
-              <a:lumOff val="0"/>
-              <a:alphaOff val="0"/>
-            </a:schemeClr>
-          </a:solidFill>
-          <a:prstDash val="solid"/>
-        </a:ln>
-        <a:effectLst/>
-      </dsp:spPr>
-      <dsp:style>
-        <a:lnRef idx="2">
-          <a:scrgbClr r="0" g="0" b="0"/>
-        </a:lnRef>
-        <a:fillRef idx="1">
-          <a:scrgbClr r="0" g="0" b="0"/>
-        </a:fillRef>
-        <a:effectRef idx="0">
-          <a:scrgbClr r="0" g="0" b="0"/>
-        </a:effectRef>
-        <a:fontRef idx="minor"/>
-      </dsp:style>
-      <dsp:txBody>
-        <a:bodyPr spcFirstLastPara="0" vert="horz" wrap="square" lIns="496034" tIns="499872" rIns="496034" bIns="170688" numCol="1" spcCol="1270" anchor="t" anchorCtr="0">
-          <a:noAutofit/>
-        </a:bodyPr>
-        <a:lstStyle/>
-        <a:p>
-          <a:pPr marL="228600" lvl="1" indent="-228600" algn="l" defTabSz="1066800">
-            <a:lnSpc>
-              <a:spcPct val="90000"/>
-            </a:lnSpc>
-            <a:spcBef>
-              <a:spcPct val="0"/>
-            </a:spcBef>
-            <a:spcAft>
-              <a:spcPct val="15000"/>
-            </a:spcAft>
-            <a:buChar char="•"/>
-          </a:pPr>
-          <a:r>
-            <a:rPr lang="en-US" sz="2400" b="0" i="0" kern="1200" dirty="0"/>
-            <a:t>Presents user with information about their desired products through different sellers to find the best price</a:t>
-          </a:r>
-          <a:endParaRPr lang="en-US" sz="2400" kern="1200" dirty="0"/>
-        </a:p>
-      </dsp:txBody>
-      <dsp:txXfrm>
-        <a:off x="0" y="3117983"/>
-        <a:ext cx="6391275" cy="2041200"/>
-      </dsp:txXfrm>
-    </dsp:sp>
-    <dsp:sp modelId="{556397AB-CCAC-4131-965B-97104EE235BB}">
-      <dsp:nvSpPr>
-        <dsp:cNvPr id="0" name=""/>
-        <dsp:cNvSpPr/>
-      </dsp:nvSpPr>
-      <dsp:spPr>
-        <a:xfrm>
-          <a:off x="319563" y="2763743"/>
-          <a:ext cx="4473892" cy="708480"/>
-        </a:xfrm>
-        <a:prstGeom prst="roundRect">
-          <a:avLst/>
-        </a:prstGeom>
-        <a:solidFill>
-          <a:schemeClr val="accent2">
-            <a:hueOff val="-19765721"/>
-            <a:satOff val="901"/>
-            <a:lumOff val="0"/>
-            <a:alphaOff val="0"/>
-          </a:schemeClr>
-        </a:solidFill>
-        <a:ln w="19050" cap="rnd" cmpd="sng" algn="ctr">
-          <a:solidFill>
-            <a:schemeClr val="lt1">
-              <a:hueOff val="0"/>
-              <a:satOff val="0"/>
-              <a:lumOff val="0"/>
-              <a:alphaOff val="0"/>
-            </a:schemeClr>
-          </a:solidFill>
-          <a:prstDash val="solid"/>
-        </a:ln>
-        <a:effectLst/>
-      </dsp:spPr>
-      <dsp:style>
-        <a:lnRef idx="2">
-          <a:scrgbClr r="0" g="0" b="0"/>
-        </a:lnRef>
-        <a:fillRef idx="1">
-          <a:scrgbClr r="0" g="0" b="0"/>
-        </a:fillRef>
-        <a:effectRef idx="0">
-          <a:scrgbClr r="0" g="0" b="0"/>
-        </a:effectRef>
-        <a:fontRef idx="minor">
-          <a:schemeClr val="lt1"/>
-        </a:fontRef>
-      </dsp:style>
-      <dsp:txBody>
-        <a:bodyPr spcFirstLastPara="0" vert="horz" wrap="square" lIns="169102" tIns="0" rIns="169102" bIns="0" numCol="1" spcCol="1270" anchor="ctr" anchorCtr="0">
-          <a:noAutofit/>
-        </a:bodyPr>
-        <a:lstStyle/>
-        <a:p>
-          <a:pPr marL="0" lvl="0" indent="0" algn="l" defTabSz="1066800">
-            <a:lnSpc>
-              <a:spcPct val="90000"/>
-            </a:lnSpc>
-            <a:spcBef>
-              <a:spcPct val="0"/>
-            </a:spcBef>
-            <a:spcAft>
-              <a:spcPct val="35000"/>
-            </a:spcAft>
-            <a:buNone/>
-          </a:pPr>
-          <a:r>
-            <a:rPr lang="en-US" sz="2400" b="0" i="0" kern="1200" dirty="0"/>
-            <a:t>Purpose</a:t>
-          </a:r>
-          <a:endParaRPr lang="en-US" sz="2400" kern="1200" dirty="0"/>
-        </a:p>
-      </dsp:txBody>
-      <dsp:txXfrm>
-        <a:off x="354148" y="2798328"/>
-        <a:ext cx="4404722" cy="639310"/>
-      </dsp:txXfrm>
-    </dsp:sp>
-  </dsp:spTree>
-</dsp:drawing>
-</file>
-
-<file path=ppt/diagrams/drawing2.xml><?xml version="1.0" encoding="utf-8"?>
 <dsp:drawing xmlns:dgm="http://schemas.openxmlformats.org/drawingml/2006/diagram" xmlns:dsp="http://schemas.microsoft.com/office/drawing/2008/diagram" xmlns:a="http://schemas.openxmlformats.org/drawingml/2006/main">
   <dsp:spTree>
     <dsp:nvGrpSpPr>
@@ -3375,231 +1966,6 @@
 </file>
 
 <file path=ppt/diagrams/layout1.xml><?xml version="1.0" encoding="utf-8"?>
-<dgm:layoutDef xmlns:dgm="http://schemas.openxmlformats.org/drawingml/2006/diagram" xmlns:a="http://schemas.openxmlformats.org/drawingml/2006/main" uniqueId="urn:microsoft.com/office/officeart/2005/8/layout/list1">
-  <dgm:title val=""/>
-  <dgm:desc val=""/>
-  <dgm:catLst>
-    <dgm:cat type="list" pri="4000"/>
-  </dgm:catLst>
-  <dgm:sampData>
-    <dgm:dataModel>
-      <dgm:ptLst>
-        <dgm:pt modelId="0" type="doc"/>
-        <dgm:pt modelId="1">
-          <dgm:prSet phldr="1"/>
-        </dgm:pt>
-        <dgm:pt modelId="2">
-          <dgm:prSet phldr="1"/>
-        </dgm:pt>
-        <dgm:pt modelId="3">
-          <dgm:prSet phldr="1"/>
-        </dgm:pt>
-      </dgm:ptLst>
-      <dgm:cxnLst>
-        <dgm:cxn modelId="4" srcId="0" destId="1" srcOrd="0" destOrd="0"/>
-        <dgm:cxn modelId="5" srcId="0" destId="2" srcOrd="1" destOrd="0"/>
-        <dgm:cxn modelId="6" srcId="0" destId="3" srcOrd="2" destOrd="0"/>
-      </dgm:cxnLst>
-      <dgm:bg/>
-      <dgm:whole/>
-    </dgm:dataModel>
-  </dgm:sampData>
-  <dgm:styleData>
-    <dgm:dataModel>
-      <dgm:ptLst>
-        <dgm:pt modelId="0" type="doc"/>
-        <dgm:pt modelId="1"/>
-        <dgm:pt modelId="2"/>
-      </dgm:ptLst>
-      <dgm:cxnLst>
-        <dgm:cxn modelId="4" srcId="0" destId="1" srcOrd="0" destOrd="0"/>
-        <dgm:cxn modelId="5" srcId="0" destId="2" srcOrd="1" destOrd="0"/>
-      </dgm:cxnLst>
-      <dgm:bg/>
-      <dgm:whole/>
-    </dgm:dataModel>
-  </dgm:styleData>
-  <dgm:clrData>
-    <dgm:dataModel>
-      <dgm:ptLst>
-        <dgm:pt modelId="0" type="doc"/>
-        <dgm:pt modelId="1"/>
-        <dgm:pt modelId="2"/>
-        <dgm:pt modelId="3"/>
-        <dgm:pt modelId="4"/>
-      </dgm:ptLst>
-      <dgm:cxnLst>
-        <dgm:cxn modelId="5" srcId="0" destId="1" srcOrd="0" destOrd="0"/>
-        <dgm:cxn modelId="6" srcId="0" destId="2" srcOrd="1" destOrd="0"/>
-        <dgm:cxn modelId="7" srcId="0" destId="3" srcOrd="2" destOrd="0"/>
-        <dgm:cxn modelId="8" srcId="0" destId="4" srcOrd="3" destOrd="0"/>
-      </dgm:cxnLst>
-      <dgm:bg/>
-      <dgm:whole/>
-    </dgm:dataModel>
-  </dgm:clrData>
-  <dgm:layoutNode name="linear">
-    <dgm:varLst>
-      <dgm:dir/>
-      <dgm:animLvl val="lvl"/>
-      <dgm:resizeHandles val="exact"/>
-    </dgm:varLst>
-    <dgm:choose name="Name0">
-      <dgm:if name="Name1" func="var" arg="dir" op="equ" val="norm">
-        <dgm:alg type="lin">
-          <dgm:param type="linDir" val="fromT"/>
-          <dgm:param type="vertAlign" val="mid"/>
-          <dgm:param type="horzAlign" val="l"/>
-          <dgm:param type="nodeHorzAlign" val="l"/>
-        </dgm:alg>
-      </dgm:if>
-      <dgm:else name="Name2">
-        <dgm:alg type="lin">
-          <dgm:param type="linDir" val="fromT"/>
-          <dgm:param type="vertAlign" val="mid"/>
-          <dgm:param type="horzAlign" val="r"/>
-          <dgm:param type="nodeHorzAlign" val="r"/>
-        </dgm:alg>
-      </dgm:else>
-    </dgm:choose>
-    <dgm:shape xmlns:r="http://schemas.openxmlformats.org/officeDocument/2006/relationships" r:blip="">
-      <dgm:adjLst/>
-    </dgm:shape>
-    <dgm:presOf/>
-    <dgm:constrLst>
-      <dgm:constr type="w" for="ch" forName="parentLin" refType="w"/>
-      <dgm:constr type="h" for="ch" forName="parentLin" val="INF"/>
-      <dgm:constr type="w" for="des" forName="parentLeftMargin" refType="w" fact="0.05"/>
-      <dgm:constr type="w" for="des" forName="parentText" refType="w" fact="0.7"/>
-      <dgm:constr type="h" for="des" forName="parentText" refType="primFontSz" refFor="des" refForName="parentText" fact="0.82"/>
-      <dgm:constr type="h" for="ch" forName="negativeSpace" refType="primFontSz" refFor="des" refForName="parentText" fact="-0.41"/>
-      <dgm:constr type="h" for="ch" forName="negativeSpace" refType="h" refFor="des" refForName="parentText" op="lte" fact="-0.82"/>
-      <dgm:constr type="h" for="ch" forName="negativeSpace" refType="h" refFor="des" refForName="parentText" op="gte" fact="-0.82"/>
-      <dgm:constr type="w" for="ch" forName="childText" refType="w"/>
-      <dgm:constr type="h" for="ch" forName="childText" refType="primFontSz" refFor="des" refForName="parentText" fact="0.7"/>
-      <dgm:constr type="primFontSz" for="des" forName="parentText" val="65"/>
-      <dgm:constr type="primFontSz" for="ch" forName="childText" refType="primFontSz" refFor="des" refForName="parentText"/>
-      <dgm:constr type="tMarg" for="ch" forName="childText" refType="primFontSz" refFor="des" refForName="parentText" fact="1.64"/>
-      <dgm:constr type="tMarg" for="ch" forName="childText" refType="h" refFor="des" refForName="parentText" op="lte" fact="3.28"/>
-      <dgm:constr type="tMarg" for="ch" forName="childText" refType="h" refFor="des" refForName="parentText" op="gte" fact="3.28"/>
-      <dgm:constr type="lMarg" for="ch" forName="childText" refType="w" fact="0.22"/>
-      <dgm:constr type="rMarg" for="ch" forName="childText" refType="lMarg" refFor="ch" refForName="childText"/>
-      <dgm:constr type="lMarg" for="des" forName="parentText" refType="w" fact="0.075"/>
-      <dgm:constr type="rMarg" for="des" forName="parentText" refType="lMarg" refFor="des" refForName="parentText"/>
-      <dgm:constr type="h" for="ch" forName="spaceBetweenRectangles" refType="primFontSz" refFor="des" refForName="parentText" fact="0.15"/>
-    </dgm:constrLst>
-    <dgm:ruleLst>
-      <dgm:rule type="primFontSz" for="des" forName="parentText" val="5" fact="NaN" max="NaN"/>
-    </dgm:ruleLst>
-    <dgm:forEach name="Name3" axis="ch" ptType="node">
-      <dgm:layoutNode name="parentLin">
-        <dgm:choose name="Name4">
-          <dgm:if name="Name5" func="var" arg="dir" op="equ" val="norm">
-            <dgm:alg type="lin">
-              <dgm:param type="linDir" val="fromL"/>
-              <dgm:param type="horzAlign" val="l"/>
-              <dgm:param type="nodeHorzAlign" val="l"/>
-            </dgm:alg>
-          </dgm:if>
-          <dgm:else name="Name6">
-            <dgm:alg type="lin">
-              <dgm:param type="linDir" val="fromR"/>
-              <dgm:param type="horzAlign" val="r"/>
-              <dgm:param type="nodeHorzAlign" val="r"/>
-            </dgm:alg>
-          </dgm:else>
-        </dgm:choose>
-        <dgm:shape xmlns:r="http://schemas.openxmlformats.org/officeDocument/2006/relationships" r:blip="">
-          <dgm:adjLst/>
-        </dgm:shape>
-        <dgm:presOf/>
-        <dgm:constrLst/>
-        <dgm:ruleLst/>
-        <dgm:layoutNode name="parentLeftMargin">
-          <dgm:alg type="sp"/>
-          <dgm:shape xmlns:r="http://schemas.openxmlformats.org/officeDocument/2006/relationships" type="rect" r:blip="" hideGeom="1">
-            <dgm:adjLst/>
-          </dgm:shape>
-          <dgm:presOf axis="self"/>
-          <dgm:constrLst>
-            <dgm:constr type="h"/>
-          </dgm:constrLst>
-          <dgm:ruleLst/>
-        </dgm:layoutNode>
-        <dgm:layoutNode name="parentText" styleLbl="node1">
-          <dgm:varLst>
-            <dgm:chMax val="0"/>
-            <dgm:bulletEnabled val="1"/>
-          </dgm:varLst>
-          <dgm:choose name="Name7">
-            <dgm:if name="Name8" func="var" arg="dir" op="equ" val="norm">
-              <dgm:alg type="tx">
-                <dgm:param type="parTxLTRAlign" val="l"/>
-                <dgm:param type="parTxRTLAlign" val="l"/>
-              </dgm:alg>
-            </dgm:if>
-            <dgm:else name="Name9">
-              <dgm:alg type="tx">
-                <dgm:param type="parTxLTRAlign" val="r"/>
-                <dgm:param type="parTxRTLAlign" val="r"/>
-              </dgm:alg>
-            </dgm:else>
-          </dgm:choose>
-          <dgm:shape xmlns:r="http://schemas.openxmlformats.org/officeDocument/2006/relationships" type="roundRect" r:blip="">
-            <dgm:adjLst/>
-          </dgm:shape>
-          <dgm:presOf axis="self" ptType="node"/>
-          <dgm:constrLst>
-            <dgm:constr type="tMarg"/>
-            <dgm:constr type="bMarg"/>
-          </dgm:constrLst>
-          <dgm:ruleLst/>
-        </dgm:layoutNode>
-      </dgm:layoutNode>
-      <dgm:layoutNode name="negativeSpace">
-        <dgm:alg type="sp"/>
-        <dgm:shape xmlns:r="http://schemas.openxmlformats.org/officeDocument/2006/relationships" r:blip="">
-          <dgm:adjLst/>
-        </dgm:shape>
-        <dgm:presOf/>
-        <dgm:constrLst/>
-        <dgm:ruleLst/>
-      </dgm:layoutNode>
-      <dgm:layoutNode name="childText" styleLbl="conFgAcc1">
-        <dgm:varLst>
-          <dgm:bulletEnabled val="1"/>
-        </dgm:varLst>
-        <dgm:alg type="tx">
-          <dgm:param type="stBulletLvl" val="1"/>
-        </dgm:alg>
-        <dgm:shape xmlns:r="http://schemas.openxmlformats.org/officeDocument/2006/relationships" type="rect" r:blip="" zOrderOff="-2">
-          <dgm:adjLst/>
-        </dgm:shape>
-        <dgm:presOf axis="des" ptType="node"/>
-        <dgm:constrLst>
-          <dgm:constr type="secFontSz" refType="primFontSz"/>
-        </dgm:constrLst>
-        <dgm:ruleLst>
-          <dgm:rule type="h" val="INF" fact="NaN" max="NaN"/>
-        </dgm:ruleLst>
-      </dgm:layoutNode>
-      <dgm:forEach name="Name10" axis="followSib" ptType="sibTrans" cnt="1">
-        <dgm:layoutNode name="spaceBetweenRectangles">
-          <dgm:alg type="sp"/>
-          <dgm:shape xmlns:r="http://schemas.openxmlformats.org/officeDocument/2006/relationships" r:blip="">
-            <dgm:adjLst/>
-          </dgm:shape>
-          <dgm:presOf/>
-          <dgm:constrLst/>
-          <dgm:ruleLst/>
-        </dgm:layoutNode>
-      </dgm:forEach>
-    </dgm:forEach>
-  </dgm:layoutNode>
-</dgm:layoutDef>
-</file>
-
-<file path=ppt/diagrams/layout2.xml><?xml version="1.0" encoding="utf-8"?>
 <dgm:layoutDef xmlns:dgm="http://schemas.openxmlformats.org/drawingml/2006/diagram" xmlns:a="http://schemas.openxmlformats.org/drawingml/2006/main" uniqueId="urn:microsoft.com/office/officeart/2018/2/layout/IconVerticalSolidList">
   <dgm:title val="Icon Vertical Solid List"/>
   <dgm:desc val="Use to show a series of visuals from top to bottom with Level 1 or Level 1 and Level 2 text grouped in a shape. Works best with icons or small pictures with lengthier descriptions."/>
@@ -4927,1038 +3293,437 @@
 </dgm:styleDef>
 </file>
 
-<file path=ppt/diagrams/quickStyle2.xml><?xml version="1.0" encoding="utf-8"?>
-<dgm:styleDef xmlns:dgm="http://schemas.openxmlformats.org/drawingml/2006/diagram" xmlns:a="http://schemas.openxmlformats.org/drawingml/2006/main" uniqueId="urn:microsoft.com/office/officeart/2005/8/quickstyle/simple1">
-  <dgm:title val=""/>
-  <dgm:desc val=""/>
-  <dgm:catLst>
-    <dgm:cat type="simple" pri="10100"/>
-  </dgm:catLst>
-  <dgm:scene3d>
-    <a:camera prst="orthographicFront"/>
-    <a:lightRig rig="threePt" dir="t"/>
-  </dgm:scene3d>
-  <dgm:styleLbl name="node0">
-    <dgm:scene3d>
-      <a:camera prst="orthographicFront"/>
-      <a:lightRig rig="threePt" dir="t"/>
-    </dgm:scene3d>
-    <dgm:sp3d/>
-    <dgm:txPr/>
-    <dgm:style>
-      <a:lnRef idx="2">
-        <a:scrgbClr r="0" g="0" b="0"/>
-      </a:lnRef>
-      <a:fillRef idx="1">
-        <a:scrgbClr r="0" g="0" b="0"/>
-      </a:fillRef>
-      <a:effectRef idx="0">
-        <a:scrgbClr r="0" g="0" b="0"/>
-      </a:effectRef>
-      <a:fontRef idx="minor">
-        <a:schemeClr val="lt1"/>
-      </a:fontRef>
-    </dgm:style>
-  </dgm:styleLbl>
-  <dgm:styleLbl name="lnNode1">
-    <dgm:scene3d>
-      <a:camera prst="orthographicFront"/>
-      <a:lightRig rig="threePt" dir="t"/>
-    </dgm:scene3d>
-    <dgm:sp3d/>
-    <dgm:txPr/>
-    <dgm:style>
-      <a:lnRef idx="2">
-        <a:scrgbClr r="0" g="0" b="0"/>
-      </a:lnRef>
-      <a:fillRef idx="1">
-        <a:scrgbClr r="0" g="0" b="0"/>
-      </a:fillRef>
-      <a:effectRef idx="0">
-        <a:scrgbClr r="0" g="0" b="0"/>
-      </a:effectRef>
-      <a:fontRef idx="minor">
-        <a:schemeClr val="lt1"/>
-      </a:fontRef>
-    </dgm:style>
-  </dgm:styleLbl>
-  <dgm:styleLbl name="vennNode1">
-    <dgm:scene3d>
-      <a:camera prst="orthographicFront"/>
-      <a:lightRig rig="threePt" dir="t"/>
-    </dgm:scene3d>
-    <dgm:sp3d/>
-    <dgm:txPr/>
-    <dgm:style>
-      <a:lnRef idx="2">
-        <a:scrgbClr r="0" g="0" b="0"/>
-      </a:lnRef>
-      <a:fillRef idx="1">
-        <a:scrgbClr r="0" g="0" b="0"/>
-      </a:fillRef>
-      <a:effectRef idx="0">
-        <a:scrgbClr r="0" g="0" b="0"/>
-      </a:effectRef>
-      <a:fontRef idx="minor">
-        <a:schemeClr val="tx1"/>
-      </a:fontRef>
-    </dgm:style>
-  </dgm:styleLbl>
-  <dgm:styleLbl name="alignNode1">
-    <dgm:scene3d>
-      <a:camera prst="orthographicFront"/>
-      <a:lightRig rig="threePt" dir="t"/>
-    </dgm:scene3d>
-    <dgm:sp3d/>
-    <dgm:txPr/>
-    <dgm:style>
-      <a:lnRef idx="2">
-        <a:scrgbClr r="0" g="0" b="0"/>
-      </a:lnRef>
-      <a:fillRef idx="1">
-        <a:scrgbClr r="0" g="0" b="0"/>
-      </a:fillRef>
-      <a:effectRef idx="0">
-        <a:scrgbClr r="0" g="0" b="0"/>
-      </a:effectRef>
-      <a:fontRef idx="minor">
-        <a:schemeClr val="lt1"/>
-      </a:fontRef>
-    </dgm:style>
-  </dgm:styleLbl>
-  <dgm:styleLbl name="node1">
-    <dgm:scene3d>
-      <a:camera prst="orthographicFront"/>
-      <a:lightRig rig="threePt" dir="t"/>
-    </dgm:scene3d>
-    <dgm:sp3d/>
-    <dgm:txPr/>
-    <dgm:style>
-      <a:lnRef idx="2">
-        <a:scrgbClr r="0" g="0" b="0"/>
-      </a:lnRef>
-      <a:fillRef idx="1">
-        <a:scrgbClr r="0" g="0" b="0"/>
-      </a:fillRef>
-      <a:effectRef idx="0">
-        <a:scrgbClr r="0" g="0" b="0"/>
-      </a:effectRef>
-      <a:fontRef idx="minor">
-        <a:schemeClr val="lt1"/>
-      </a:fontRef>
-    </dgm:style>
-  </dgm:styleLbl>
-  <dgm:styleLbl name="node2">
-    <dgm:scene3d>
-      <a:camera prst="orthographicFront"/>
-      <a:lightRig rig="threePt" dir="t"/>
-    </dgm:scene3d>
-    <dgm:sp3d/>
-    <dgm:txPr/>
-    <dgm:style>
-      <a:lnRef idx="2">
-        <a:scrgbClr r="0" g="0" b="0"/>
-      </a:lnRef>
-      <a:fillRef idx="1">
-        <a:scrgbClr r="0" g="0" b="0"/>
-      </a:fillRef>
-      <a:effectRef idx="0">
-        <a:scrgbClr r="0" g="0" b="0"/>
-      </a:effectRef>
-      <a:fontRef idx="minor">
-        <a:schemeClr val="lt1"/>
-      </a:fontRef>
-    </dgm:style>
-  </dgm:styleLbl>
-  <dgm:styleLbl name="node3">
-    <dgm:scene3d>
-      <a:camera prst="orthographicFront"/>
-      <a:lightRig rig="threePt" dir="t"/>
-    </dgm:scene3d>
-    <dgm:sp3d/>
-    <dgm:txPr/>
-    <dgm:style>
-      <a:lnRef idx="2">
-        <a:scrgbClr r="0" g="0" b="0"/>
-      </a:lnRef>
-      <a:fillRef idx="1">
-        <a:scrgbClr r="0" g="0" b="0"/>
-      </a:fillRef>
-      <a:effectRef idx="0">
-        <a:scrgbClr r="0" g="0" b="0"/>
-      </a:effectRef>
-      <a:fontRef idx="minor">
-        <a:schemeClr val="lt1"/>
-      </a:fontRef>
-    </dgm:style>
-  </dgm:styleLbl>
-  <dgm:styleLbl name="node4">
-    <dgm:scene3d>
-      <a:camera prst="orthographicFront"/>
-      <a:lightRig rig="threePt" dir="t"/>
-    </dgm:scene3d>
-    <dgm:sp3d/>
-    <dgm:txPr/>
-    <dgm:style>
-      <a:lnRef idx="2">
-        <a:scrgbClr r="0" g="0" b="0"/>
-      </a:lnRef>
-      <a:fillRef idx="1">
-        <a:scrgbClr r="0" g="0" b="0"/>
-      </a:fillRef>
-      <a:effectRef idx="0">
-        <a:scrgbClr r="0" g="0" b="0"/>
-      </a:effectRef>
-      <a:fontRef idx="minor">
-        <a:schemeClr val="lt1"/>
-      </a:fontRef>
-    </dgm:style>
-  </dgm:styleLbl>
-  <dgm:styleLbl name="fgImgPlace1">
-    <dgm:scene3d>
-      <a:camera prst="orthographicFront"/>
-      <a:lightRig rig="threePt" dir="t"/>
-    </dgm:scene3d>
-    <dgm:sp3d/>
-    <dgm:txPr/>
-    <dgm:style>
-      <a:lnRef idx="2">
-        <a:scrgbClr r="0" g="0" b="0"/>
-      </a:lnRef>
-      <a:fillRef idx="1">
-        <a:scrgbClr r="0" g="0" b="0"/>
-      </a:fillRef>
-      <a:effectRef idx="0">
-        <a:scrgbClr r="0" g="0" b="0"/>
-      </a:effectRef>
-      <a:fontRef idx="minor"/>
-    </dgm:style>
-  </dgm:styleLbl>
-  <dgm:styleLbl name="alignImgPlace1">
-    <dgm:scene3d>
-      <a:camera prst="orthographicFront"/>
-      <a:lightRig rig="threePt" dir="t"/>
-    </dgm:scene3d>
-    <dgm:sp3d/>
-    <dgm:txPr/>
-    <dgm:style>
-      <a:lnRef idx="2">
-        <a:scrgbClr r="0" g="0" b="0"/>
-      </a:lnRef>
-      <a:fillRef idx="1">
-        <a:scrgbClr r="0" g="0" b="0"/>
-      </a:fillRef>
-      <a:effectRef idx="0">
-        <a:scrgbClr r="0" g="0" b="0"/>
-      </a:effectRef>
-      <a:fontRef idx="minor"/>
-    </dgm:style>
-  </dgm:styleLbl>
-  <dgm:styleLbl name="bgImgPlace1">
-    <dgm:scene3d>
-      <a:camera prst="orthographicFront"/>
-      <a:lightRig rig="threePt" dir="t"/>
-    </dgm:scene3d>
-    <dgm:sp3d/>
-    <dgm:txPr/>
-    <dgm:style>
-      <a:lnRef idx="2">
-        <a:scrgbClr r="0" g="0" b="0"/>
-      </a:lnRef>
-      <a:fillRef idx="1">
-        <a:scrgbClr r="0" g="0" b="0"/>
-      </a:fillRef>
-      <a:effectRef idx="0">
-        <a:scrgbClr r="0" g="0" b="0"/>
-      </a:effectRef>
-      <a:fontRef idx="minor"/>
-    </dgm:style>
-  </dgm:styleLbl>
-  <dgm:styleLbl name="sibTrans2D1">
-    <dgm:scene3d>
-      <a:camera prst="orthographicFront"/>
-      <a:lightRig rig="threePt" dir="t"/>
-    </dgm:scene3d>
-    <dgm:sp3d/>
-    <dgm:txPr/>
-    <dgm:style>
-      <a:lnRef idx="0">
-        <a:scrgbClr r="0" g="0" b="0"/>
-      </a:lnRef>
-      <a:fillRef idx="1">
-        <a:scrgbClr r="0" g="0" b="0"/>
-      </a:fillRef>
-      <a:effectRef idx="0">
-        <a:scrgbClr r="0" g="0" b="0"/>
-      </a:effectRef>
-      <a:fontRef idx="minor">
-        <a:schemeClr val="lt1"/>
-      </a:fontRef>
-    </dgm:style>
-  </dgm:styleLbl>
-  <dgm:styleLbl name="fgSibTrans2D1">
-    <dgm:scene3d>
-      <a:camera prst="orthographicFront"/>
-      <a:lightRig rig="threePt" dir="t"/>
-    </dgm:scene3d>
-    <dgm:sp3d/>
-    <dgm:txPr/>
-    <dgm:style>
-      <a:lnRef idx="0">
-        <a:scrgbClr r="0" g="0" b="0"/>
-      </a:lnRef>
-      <a:fillRef idx="1">
-        <a:scrgbClr r="0" g="0" b="0"/>
-      </a:fillRef>
-      <a:effectRef idx="0">
-        <a:scrgbClr r="0" g="0" b="0"/>
-      </a:effectRef>
-      <a:fontRef idx="minor">
-        <a:schemeClr val="lt1"/>
-      </a:fontRef>
-    </dgm:style>
-  </dgm:styleLbl>
-  <dgm:styleLbl name="bgSibTrans2D1">
-    <dgm:scene3d>
-      <a:camera prst="orthographicFront"/>
-      <a:lightRig rig="threePt" dir="t"/>
-    </dgm:scene3d>
-    <dgm:sp3d/>
-    <dgm:txPr/>
-    <dgm:style>
-      <a:lnRef idx="0">
-        <a:scrgbClr r="0" g="0" b="0"/>
-      </a:lnRef>
-      <a:fillRef idx="1">
-        <a:scrgbClr r="0" g="0" b="0"/>
-      </a:fillRef>
-      <a:effectRef idx="0">
-        <a:scrgbClr r="0" g="0" b="0"/>
-      </a:effectRef>
-      <a:fontRef idx="minor">
-        <a:schemeClr val="lt1"/>
-      </a:fontRef>
-    </dgm:style>
-  </dgm:styleLbl>
-  <dgm:styleLbl name="sibTrans1D1">
-    <dgm:scene3d>
-      <a:camera prst="orthographicFront"/>
-      <a:lightRig rig="threePt" dir="t"/>
-    </dgm:scene3d>
-    <dgm:sp3d/>
-    <dgm:txPr/>
-    <dgm:style>
-      <a:lnRef idx="1">
-        <a:scrgbClr r="0" g="0" b="0"/>
-      </a:lnRef>
-      <a:fillRef idx="0">
-        <a:scrgbClr r="0" g="0" b="0"/>
-      </a:fillRef>
-      <a:effectRef idx="0">
-        <a:scrgbClr r="0" g="0" b="0"/>
-      </a:effectRef>
-      <a:fontRef idx="minor"/>
-    </dgm:style>
-  </dgm:styleLbl>
-  <dgm:styleLbl name="callout">
-    <dgm:scene3d>
-      <a:camera prst="orthographicFront"/>
-      <a:lightRig rig="threePt" dir="t"/>
-    </dgm:scene3d>
-    <dgm:sp3d/>
-    <dgm:txPr/>
-    <dgm:style>
-      <a:lnRef idx="2">
-        <a:scrgbClr r="0" g="0" b="0"/>
-      </a:lnRef>
-      <a:fillRef idx="1">
-        <a:scrgbClr r="0" g="0" b="0"/>
-      </a:fillRef>
-      <a:effectRef idx="0">
-        <a:scrgbClr r="0" g="0" b="0"/>
-      </a:effectRef>
-      <a:fontRef idx="minor"/>
-    </dgm:style>
-  </dgm:styleLbl>
-  <dgm:styleLbl name="asst0">
-    <dgm:scene3d>
-      <a:camera prst="orthographicFront"/>
-      <a:lightRig rig="threePt" dir="t"/>
-    </dgm:scene3d>
-    <dgm:sp3d/>
-    <dgm:txPr/>
-    <dgm:style>
-      <a:lnRef idx="2">
-        <a:scrgbClr r="0" g="0" b="0"/>
-      </a:lnRef>
-      <a:fillRef idx="1">
-        <a:scrgbClr r="0" g="0" b="0"/>
-      </a:fillRef>
-      <a:effectRef idx="0">
-        <a:scrgbClr r="0" g="0" b="0"/>
-      </a:effectRef>
-      <a:fontRef idx="minor">
-        <a:schemeClr val="lt1"/>
-      </a:fontRef>
-    </dgm:style>
-  </dgm:styleLbl>
-  <dgm:styleLbl name="asst1">
-    <dgm:scene3d>
-      <a:camera prst="orthographicFront"/>
-      <a:lightRig rig="threePt" dir="t"/>
-    </dgm:scene3d>
-    <dgm:sp3d/>
-    <dgm:txPr/>
-    <dgm:style>
-      <a:lnRef idx="2">
-        <a:scrgbClr r="0" g="0" b="0"/>
-      </a:lnRef>
-      <a:fillRef idx="1">
-        <a:scrgbClr r="0" g="0" b="0"/>
-      </a:fillRef>
-      <a:effectRef idx="0">
-        <a:scrgbClr r="0" g="0" b="0"/>
-      </a:effectRef>
-      <a:fontRef idx="minor">
-        <a:schemeClr val="lt1"/>
-      </a:fontRef>
-    </dgm:style>
-  </dgm:styleLbl>
-  <dgm:styleLbl name="asst2">
-    <dgm:scene3d>
-      <a:camera prst="orthographicFront"/>
-      <a:lightRig rig="threePt" dir="t"/>
-    </dgm:scene3d>
-    <dgm:sp3d/>
-    <dgm:txPr/>
-    <dgm:style>
-      <a:lnRef idx="2">
-        <a:scrgbClr r="0" g="0" b="0"/>
-      </a:lnRef>
-      <a:fillRef idx="1">
-        <a:scrgbClr r="0" g="0" b="0"/>
-      </a:fillRef>
-      <a:effectRef idx="0">
-        <a:scrgbClr r="0" g="0" b="0"/>
-      </a:effectRef>
-      <a:fontRef idx="minor">
-        <a:schemeClr val="lt1"/>
-      </a:fontRef>
-    </dgm:style>
-  </dgm:styleLbl>
-  <dgm:styleLbl name="asst3">
-    <dgm:scene3d>
-      <a:camera prst="orthographicFront"/>
-      <a:lightRig rig="threePt" dir="t"/>
-    </dgm:scene3d>
-    <dgm:sp3d/>
-    <dgm:txPr/>
-    <dgm:style>
-      <a:lnRef idx="2">
-        <a:scrgbClr r="0" g="0" b="0"/>
-      </a:lnRef>
-      <a:fillRef idx="1">
-        <a:scrgbClr r="0" g="0" b="0"/>
-      </a:fillRef>
-      <a:effectRef idx="0">
-        <a:scrgbClr r="0" g="0" b="0"/>
-      </a:effectRef>
-      <a:fontRef idx="minor">
-        <a:schemeClr val="lt1"/>
-      </a:fontRef>
-    </dgm:style>
-  </dgm:styleLbl>
-  <dgm:styleLbl name="asst4">
-    <dgm:scene3d>
-      <a:camera prst="orthographicFront"/>
-      <a:lightRig rig="threePt" dir="t"/>
-    </dgm:scene3d>
-    <dgm:sp3d/>
-    <dgm:txPr/>
-    <dgm:style>
-      <a:lnRef idx="2">
-        <a:scrgbClr r="0" g="0" b="0"/>
-      </a:lnRef>
-      <a:fillRef idx="1">
-        <a:scrgbClr r="0" g="0" b="0"/>
-      </a:fillRef>
-      <a:effectRef idx="0">
-        <a:scrgbClr r="0" g="0" b="0"/>
-      </a:effectRef>
-      <a:fontRef idx="minor">
-        <a:schemeClr val="lt1"/>
-      </a:fontRef>
-    </dgm:style>
-  </dgm:styleLbl>
-  <dgm:styleLbl name="parChTrans2D1">
-    <dgm:scene3d>
-      <a:camera prst="orthographicFront"/>
-      <a:lightRig rig="threePt" dir="t"/>
-    </dgm:scene3d>
-    <dgm:sp3d/>
-    <dgm:txPr/>
-    <dgm:style>
-      <a:lnRef idx="2">
-        <a:scrgbClr r="0" g="0" b="0"/>
-      </a:lnRef>
-      <a:fillRef idx="1">
-        <a:scrgbClr r="0" g="0" b="0"/>
-      </a:fillRef>
-      <a:effectRef idx="0">
-        <a:scrgbClr r="0" g="0" b="0"/>
-      </a:effectRef>
-      <a:fontRef idx="minor">
-        <a:schemeClr val="lt1"/>
-      </a:fontRef>
-    </dgm:style>
-  </dgm:styleLbl>
-  <dgm:styleLbl name="parChTrans2D2">
-    <dgm:scene3d>
-      <a:camera prst="orthographicFront"/>
-      <a:lightRig rig="threePt" dir="t"/>
-    </dgm:scene3d>
-    <dgm:sp3d/>
-    <dgm:txPr/>
-    <dgm:style>
-      <a:lnRef idx="2">
-        <a:scrgbClr r="0" g="0" b="0"/>
-      </a:lnRef>
-      <a:fillRef idx="1">
-        <a:scrgbClr r="0" g="0" b="0"/>
-      </a:fillRef>
-      <a:effectRef idx="0">
-        <a:scrgbClr r="0" g="0" b="0"/>
-      </a:effectRef>
-      <a:fontRef idx="minor">
-        <a:schemeClr val="lt1"/>
-      </a:fontRef>
-    </dgm:style>
-  </dgm:styleLbl>
-  <dgm:styleLbl name="parChTrans2D3">
-    <dgm:scene3d>
-      <a:camera prst="orthographicFront"/>
-      <a:lightRig rig="threePt" dir="t"/>
-    </dgm:scene3d>
-    <dgm:sp3d/>
-    <dgm:txPr/>
-    <dgm:style>
-      <a:lnRef idx="2">
-        <a:scrgbClr r="0" g="0" b="0"/>
-      </a:lnRef>
-      <a:fillRef idx="1">
-        <a:scrgbClr r="0" g="0" b="0"/>
-      </a:fillRef>
-      <a:effectRef idx="0">
-        <a:scrgbClr r="0" g="0" b="0"/>
-      </a:effectRef>
-      <a:fontRef idx="minor">
-        <a:schemeClr val="lt1"/>
-      </a:fontRef>
-    </dgm:style>
-  </dgm:styleLbl>
-  <dgm:styleLbl name="parChTrans2D4">
-    <dgm:scene3d>
-      <a:camera prst="orthographicFront"/>
-      <a:lightRig rig="threePt" dir="t"/>
-    </dgm:scene3d>
-    <dgm:sp3d/>
-    <dgm:txPr/>
-    <dgm:style>
-      <a:lnRef idx="2">
-        <a:scrgbClr r="0" g="0" b="0"/>
-      </a:lnRef>
-      <a:fillRef idx="1">
-        <a:scrgbClr r="0" g="0" b="0"/>
-      </a:fillRef>
-      <a:effectRef idx="0">
-        <a:scrgbClr r="0" g="0" b="0"/>
-      </a:effectRef>
-      <a:fontRef idx="minor">
-        <a:schemeClr val="lt1"/>
-      </a:fontRef>
-    </dgm:style>
-  </dgm:styleLbl>
-  <dgm:styleLbl name="parChTrans1D1">
-    <dgm:scene3d>
-      <a:camera prst="orthographicFront"/>
-      <a:lightRig rig="threePt" dir="t"/>
-    </dgm:scene3d>
-    <dgm:sp3d/>
-    <dgm:txPr/>
-    <dgm:style>
-      <a:lnRef idx="2">
-        <a:scrgbClr r="0" g="0" b="0"/>
-      </a:lnRef>
-      <a:fillRef idx="0">
-        <a:scrgbClr r="0" g="0" b="0"/>
-      </a:fillRef>
-      <a:effectRef idx="0">
-        <a:scrgbClr r="0" g="0" b="0"/>
-      </a:effectRef>
-      <a:fontRef idx="minor"/>
-    </dgm:style>
-  </dgm:styleLbl>
-  <dgm:styleLbl name="parChTrans1D2">
-    <dgm:scene3d>
-      <a:camera prst="orthographicFront"/>
-      <a:lightRig rig="threePt" dir="t"/>
-    </dgm:scene3d>
-    <dgm:sp3d/>
-    <dgm:txPr/>
-    <dgm:style>
-      <a:lnRef idx="2">
-        <a:scrgbClr r="0" g="0" b="0"/>
-      </a:lnRef>
-      <a:fillRef idx="0">
-        <a:scrgbClr r="0" g="0" b="0"/>
-      </a:fillRef>
-      <a:effectRef idx="0">
-        <a:scrgbClr r="0" g="0" b="0"/>
-      </a:effectRef>
-      <a:fontRef idx="minor"/>
-    </dgm:style>
-  </dgm:styleLbl>
-  <dgm:styleLbl name="parChTrans1D3">
-    <dgm:scene3d>
-      <a:camera prst="orthographicFront"/>
-      <a:lightRig rig="threePt" dir="t"/>
-    </dgm:scene3d>
-    <dgm:sp3d/>
-    <dgm:txPr/>
-    <dgm:style>
-      <a:lnRef idx="2">
-        <a:scrgbClr r="0" g="0" b="0"/>
-      </a:lnRef>
-      <a:fillRef idx="0">
-        <a:scrgbClr r="0" g="0" b="0"/>
-      </a:fillRef>
-      <a:effectRef idx="0">
-        <a:scrgbClr r="0" g="0" b="0"/>
-      </a:effectRef>
-      <a:fontRef idx="minor"/>
-    </dgm:style>
-  </dgm:styleLbl>
-  <dgm:styleLbl name="parChTrans1D4">
-    <dgm:scene3d>
-      <a:camera prst="orthographicFront"/>
-      <a:lightRig rig="threePt" dir="t"/>
-    </dgm:scene3d>
-    <dgm:sp3d/>
-    <dgm:txPr/>
-    <dgm:style>
-      <a:lnRef idx="2">
-        <a:scrgbClr r="0" g="0" b="0"/>
-      </a:lnRef>
-      <a:fillRef idx="0">
-        <a:scrgbClr r="0" g="0" b="0"/>
-      </a:fillRef>
-      <a:effectRef idx="0">
-        <a:scrgbClr r="0" g="0" b="0"/>
-      </a:effectRef>
-      <a:fontRef idx="minor"/>
-    </dgm:style>
-  </dgm:styleLbl>
-  <dgm:styleLbl name="fgAcc1">
-    <dgm:scene3d>
-      <a:camera prst="orthographicFront"/>
-      <a:lightRig rig="threePt" dir="t"/>
-    </dgm:scene3d>
-    <dgm:sp3d/>
-    <dgm:txPr/>
-    <dgm:style>
-      <a:lnRef idx="2">
-        <a:scrgbClr r="0" g="0" b="0"/>
-      </a:lnRef>
-      <a:fillRef idx="1">
-        <a:scrgbClr r="0" g="0" b="0"/>
-      </a:fillRef>
-      <a:effectRef idx="0">
-        <a:scrgbClr r="0" g="0" b="0"/>
-      </a:effectRef>
-      <a:fontRef idx="minor"/>
-    </dgm:style>
-  </dgm:styleLbl>
-  <dgm:styleLbl name="conFgAcc1">
-    <dgm:scene3d>
-      <a:camera prst="orthographicFront"/>
-      <a:lightRig rig="threePt" dir="t"/>
-    </dgm:scene3d>
-    <dgm:sp3d/>
-    <dgm:txPr/>
-    <dgm:style>
-      <a:lnRef idx="2">
-        <a:scrgbClr r="0" g="0" b="0"/>
-      </a:lnRef>
-      <a:fillRef idx="1">
-        <a:scrgbClr r="0" g="0" b="0"/>
-      </a:fillRef>
-      <a:effectRef idx="0">
-        <a:scrgbClr r="0" g="0" b="0"/>
-      </a:effectRef>
-      <a:fontRef idx="minor"/>
-    </dgm:style>
-  </dgm:styleLbl>
-  <dgm:styleLbl name="alignAcc1">
-    <dgm:scene3d>
-      <a:camera prst="orthographicFront"/>
-      <a:lightRig rig="threePt" dir="t"/>
-    </dgm:scene3d>
-    <dgm:sp3d/>
-    <dgm:txPr/>
-    <dgm:style>
-      <a:lnRef idx="2">
-        <a:scrgbClr r="0" g="0" b="0"/>
-      </a:lnRef>
-      <a:fillRef idx="1">
-        <a:scrgbClr r="0" g="0" b="0"/>
-      </a:fillRef>
-      <a:effectRef idx="0">
-        <a:scrgbClr r="0" g="0" b="0"/>
-      </a:effectRef>
-      <a:fontRef idx="minor"/>
-    </dgm:style>
-  </dgm:styleLbl>
-  <dgm:styleLbl name="trAlignAcc1">
-    <dgm:scene3d>
-      <a:camera prst="orthographicFront"/>
-      <a:lightRig rig="threePt" dir="t"/>
-    </dgm:scene3d>
-    <dgm:sp3d/>
-    <dgm:txPr/>
-    <dgm:style>
-      <a:lnRef idx="1">
-        <a:scrgbClr r="0" g="0" b="0"/>
-      </a:lnRef>
-      <a:fillRef idx="1">
-        <a:scrgbClr r="0" g="0" b="0"/>
-      </a:fillRef>
-      <a:effectRef idx="0">
-        <a:scrgbClr r="0" g="0" b="0"/>
-      </a:effectRef>
-      <a:fontRef idx="minor"/>
-    </dgm:style>
-  </dgm:styleLbl>
-  <dgm:styleLbl name="bgAcc1">
-    <dgm:scene3d>
-      <a:camera prst="orthographicFront"/>
-      <a:lightRig rig="threePt" dir="t"/>
-    </dgm:scene3d>
-    <dgm:sp3d/>
-    <dgm:txPr/>
-    <dgm:style>
-      <a:lnRef idx="2">
-        <a:scrgbClr r="0" g="0" b="0"/>
-      </a:lnRef>
-      <a:fillRef idx="1">
-        <a:scrgbClr r="0" g="0" b="0"/>
-      </a:fillRef>
-      <a:effectRef idx="0">
-        <a:scrgbClr r="0" g="0" b="0"/>
-      </a:effectRef>
-      <a:fontRef idx="minor"/>
-    </dgm:style>
-  </dgm:styleLbl>
-  <dgm:styleLbl name="solidFgAcc1">
-    <dgm:scene3d>
-      <a:camera prst="orthographicFront"/>
-      <a:lightRig rig="threePt" dir="t"/>
-    </dgm:scene3d>
-    <dgm:sp3d/>
-    <dgm:txPr/>
-    <dgm:style>
-      <a:lnRef idx="2">
-        <a:scrgbClr r="0" g="0" b="0"/>
-      </a:lnRef>
-      <a:fillRef idx="1">
-        <a:scrgbClr r="0" g="0" b="0"/>
-      </a:fillRef>
-      <a:effectRef idx="0">
-        <a:scrgbClr r="0" g="0" b="0"/>
-      </a:effectRef>
-      <a:fontRef idx="minor"/>
-    </dgm:style>
-  </dgm:styleLbl>
-  <dgm:styleLbl name="solidAlignAcc1">
-    <dgm:scene3d>
-      <a:camera prst="orthographicFront"/>
-      <a:lightRig rig="threePt" dir="t"/>
-    </dgm:scene3d>
-    <dgm:sp3d/>
-    <dgm:txPr/>
-    <dgm:style>
-      <a:lnRef idx="2">
-        <a:scrgbClr r="0" g="0" b="0"/>
-      </a:lnRef>
-      <a:fillRef idx="1">
-        <a:scrgbClr r="0" g="0" b="0"/>
-      </a:fillRef>
-      <a:effectRef idx="0">
-        <a:scrgbClr r="0" g="0" b="0"/>
-      </a:effectRef>
-      <a:fontRef idx="minor"/>
-    </dgm:style>
-  </dgm:styleLbl>
-  <dgm:styleLbl name="solidBgAcc1">
-    <dgm:scene3d>
-      <a:camera prst="orthographicFront"/>
-      <a:lightRig rig="threePt" dir="t"/>
-    </dgm:scene3d>
-    <dgm:sp3d/>
-    <dgm:txPr/>
-    <dgm:style>
-      <a:lnRef idx="2">
-        <a:scrgbClr r="0" g="0" b="0"/>
-      </a:lnRef>
-      <a:fillRef idx="1">
-        <a:scrgbClr r="0" g="0" b="0"/>
-      </a:fillRef>
-      <a:effectRef idx="0">
-        <a:scrgbClr r="0" g="0" b="0"/>
-      </a:effectRef>
-      <a:fontRef idx="minor"/>
-    </dgm:style>
-  </dgm:styleLbl>
-  <dgm:styleLbl name="fgAccFollowNode1">
-    <dgm:scene3d>
-      <a:camera prst="orthographicFront"/>
-      <a:lightRig rig="threePt" dir="t"/>
-    </dgm:scene3d>
-    <dgm:sp3d/>
-    <dgm:txPr/>
-    <dgm:style>
-      <a:lnRef idx="2">
-        <a:scrgbClr r="0" g="0" b="0"/>
-      </a:lnRef>
-      <a:fillRef idx="1">
-        <a:scrgbClr r="0" g="0" b="0"/>
-      </a:fillRef>
-      <a:effectRef idx="0">
-        <a:scrgbClr r="0" g="0" b="0"/>
-      </a:effectRef>
-      <a:fontRef idx="minor"/>
-    </dgm:style>
-  </dgm:styleLbl>
-  <dgm:styleLbl name="alignAccFollowNode1">
-    <dgm:scene3d>
-      <a:camera prst="orthographicFront"/>
-      <a:lightRig rig="threePt" dir="t"/>
-    </dgm:scene3d>
-    <dgm:sp3d/>
-    <dgm:txPr/>
-    <dgm:style>
-      <a:lnRef idx="2">
-        <a:scrgbClr r="0" g="0" b="0"/>
-      </a:lnRef>
-      <a:fillRef idx="1">
-        <a:scrgbClr r="0" g="0" b="0"/>
-      </a:fillRef>
-      <a:effectRef idx="0">
-        <a:scrgbClr r="0" g="0" b="0"/>
-      </a:effectRef>
-      <a:fontRef idx="minor"/>
-    </dgm:style>
-  </dgm:styleLbl>
-  <dgm:styleLbl name="bgAccFollowNode1">
-    <dgm:scene3d>
-      <a:camera prst="orthographicFront"/>
-      <a:lightRig rig="threePt" dir="t"/>
-    </dgm:scene3d>
-    <dgm:sp3d/>
-    <dgm:txPr/>
-    <dgm:style>
-      <a:lnRef idx="2">
-        <a:scrgbClr r="0" g="0" b="0"/>
-      </a:lnRef>
-      <a:fillRef idx="1">
-        <a:scrgbClr r="0" g="0" b="0"/>
-      </a:fillRef>
-      <a:effectRef idx="0">
-        <a:scrgbClr r="0" g="0" b="0"/>
-      </a:effectRef>
-      <a:fontRef idx="minor"/>
-    </dgm:style>
-  </dgm:styleLbl>
-  <dgm:styleLbl name="fgAcc0">
-    <dgm:scene3d>
-      <a:camera prst="orthographicFront"/>
-      <a:lightRig rig="threePt" dir="t"/>
-    </dgm:scene3d>
-    <dgm:sp3d/>
-    <dgm:txPr/>
-    <dgm:style>
-      <a:lnRef idx="2">
-        <a:scrgbClr r="0" g="0" b="0"/>
-      </a:lnRef>
-      <a:fillRef idx="1">
-        <a:scrgbClr r="0" g="0" b="0"/>
-      </a:fillRef>
-      <a:effectRef idx="0">
-        <a:scrgbClr r="0" g="0" b="0"/>
-      </a:effectRef>
-      <a:fontRef idx="minor"/>
-    </dgm:style>
-  </dgm:styleLbl>
-  <dgm:styleLbl name="fgAcc2">
-    <dgm:scene3d>
-      <a:camera prst="orthographicFront"/>
-      <a:lightRig rig="threePt" dir="t"/>
-    </dgm:scene3d>
-    <dgm:sp3d/>
-    <dgm:txPr/>
-    <dgm:style>
-      <a:lnRef idx="2">
-        <a:scrgbClr r="0" g="0" b="0"/>
-      </a:lnRef>
-      <a:fillRef idx="1">
-        <a:scrgbClr r="0" g="0" b="0"/>
-      </a:fillRef>
-      <a:effectRef idx="0">
-        <a:scrgbClr r="0" g="0" b="0"/>
-      </a:effectRef>
-      <a:fontRef idx="minor"/>
-    </dgm:style>
-  </dgm:styleLbl>
-  <dgm:styleLbl name="fgAcc3">
-    <dgm:scene3d>
-      <a:camera prst="orthographicFront"/>
-      <a:lightRig rig="threePt" dir="t"/>
-    </dgm:scene3d>
-    <dgm:sp3d/>
-    <dgm:txPr/>
-    <dgm:style>
-      <a:lnRef idx="2">
-        <a:scrgbClr r="0" g="0" b="0"/>
-      </a:lnRef>
-      <a:fillRef idx="1">
-        <a:scrgbClr r="0" g="0" b="0"/>
-      </a:fillRef>
-      <a:effectRef idx="0">
-        <a:scrgbClr r="0" g="0" b="0"/>
-      </a:effectRef>
-      <a:fontRef idx="minor"/>
-    </dgm:style>
-  </dgm:styleLbl>
-  <dgm:styleLbl name="fgAcc4">
-    <dgm:scene3d>
-      <a:camera prst="orthographicFront"/>
-      <a:lightRig rig="threePt" dir="t"/>
-    </dgm:scene3d>
-    <dgm:sp3d/>
-    <dgm:txPr/>
-    <dgm:style>
-      <a:lnRef idx="2">
-        <a:scrgbClr r="0" g="0" b="0"/>
-      </a:lnRef>
-      <a:fillRef idx="1">
-        <a:scrgbClr r="0" g="0" b="0"/>
-      </a:fillRef>
-      <a:effectRef idx="0">
-        <a:scrgbClr r="0" g="0" b="0"/>
-      </a:effectRef>
-      <a:fontRef idx="minor"/>
-    </dgm:style>
-  </dgm:styleLbl>
-  <dgm:styleLbl name="bgShp">
-    <dgm:scene3d>
-      <a:camera prst="orthographicFront"/>
-      <a:lightRig rig="threePt" dir="t"/>
-    </dgm:scene3d>
-    <dgm:sp3d/>
-    <dgm:txPr/>
-    <dgm:style>
-      <a:lnRef idx="0">
-        <a:scrgbClr r="0" g="0" b="0"/>
-      </a:lnRef>
-      <a:fillRef idx="1">
-        <a:scrgbClr r="0" g="0" b="0"/>
-      </a:fillRef>
-      <a:effectRef idx="0">
-        <a:scrgbClr r="0" g="0" b="0"/>
-      </a:effectRef>
-      <a:fontRef idx="minor"/>
-    </dgm:style>
-  </dgm:styleLbl>
-  <dgm:styleLbl name="dkBgShp">
-    <dgm:scene3d>
-      <a:camera prst="orthographicFront"/>
-      <a:lightRig rig="threePt" dir="t"/>
-    </dgm:scene3d>
-    <dgm:sp3d/>
-    <dgm:txPr/>
-    <dgm:style>
-      <a:lnRef idx="0">
-        <a:scrgbClr r="0" g="0" b="0"/>
-      </a:lnRef>
-      <a:fillRef idx="1">
-        <a:scrgbClr r="0" g="0" b="0"/>
-      </a:fillRef>
-      <a:effectRef idx="0">
-        <a:scrgbClr r="0" g="0" b="0"/>
-      </a:effectRef>
-      <a:fontRef idx="minor"/>
-    </dgm:style>
-  </dgm:styleLbl>
-  <dgm:styleLbl name="trBgShp">
-    <dgm:scene3d>
-      <a:camera prst="orthographicFront"/>
-      <a:lightRig rig="threePt" dir="t"/>
-    </dgm:scene3d>
-    <dgm:sp3d/>
-    <dgm:txPr/>
-    <dgm:style>
-      <a:lnRef idx="0">
-        <a:scrgbClr r="0" g="0" b="0"/>
-      </a:lnRef>
-      <a:fillRef idx="1">
-        <a:scrgbClr r="0" g="0" b="0"/>
-      </a:fillRef>
-      <a:effectRef idx="0">
-        <a:scrgbClr r="0" g="0" b="0"/>
-      </a:effectRef>
-      <a:fontRef idx="minor"/>
-    </dgm:style>
-  </dgm:styleLbl>
-  <dgm:styleLbl name="fgShp">
-    <dgm:scene3d>
-      <a:camera prst="orthographicFront"/>
-      <a:lightRig rig="threePt" dir="t"/>
-    </dgm:scene3d>
-    <dgm:sp3d/>
-    <dgm:txPr/>
-    <dgm:style>
-      <a:lnRef idx="2">
-        <a:scrgbClr r="0" g="0" b="0"/>
-      </a:lnRef>
-      <a:fillRef idx="1">
-        <a:scrgbClr r="0" g="0" b="0"/>
-      </a:fillRef>
-      <a:effectRef idx="0">
-        <a:scrgbClr r="0" g="0" b="0"/>
-      </a:effectRef>
-      <a:fontRef idx="minor"/>
-    </dgm:style>
-  </dgm:styleLbl>
-  <dgm:styleLbl name="revTx">
-    <dgm:scene3d>
-      <a:camera prst="orthographicFront"/>
-      <a:lightRig rig="threePt" dir="t"/>
-    </dgm:scene3d>
-    <dgm:sp3d/>
-    <dgm:txPr/>
-    <dgm:style>
-      <a:lnRef idx="0">
-        <a:scrgbClr r="0" g="0" b="0"/>
-      </a:lnRef>
-      <a:fillRef idx="0">
-        <a:scrgbClr r="0" g="0" b="0"/>
-      </a:fillRef>
-      <a:effectRef idx="0">
-        <a:scrgbClr r="0" g="0" b="0"/>
-      </a:effectRef>
-      <a:fontRef idx="minor"/>
-    </dgm:style>
-  </dgm:styleLbl>
-</dgm:styleDef>
+<file path=ppt/notesMasters/notesMaster1.xml><?xml version="1.0" encoding="utf-8"?>
+<p:notesMaster xmlns:a="http://schemas.openxmlformats.org/drawingml/2006/main" xmlns:r="http://schemas.openxmlformats.org/officeDocument/2006/relationships" xmlns:p="http://schemas.openxmlformats.org/presentationml/2006/main">
+  <p:cSld>
+    <p:bg>
+      <p:bgRef idx="1001">
+        <a:schemeClr val="bg1"/>
+      </p:bgRef>
+    </p:bg>
+    <p:spTree>
+      <p:nvGrpSpPr>
+        <p:cNvPr id="1" name=""/>
+        <p:cNvGrpSpPr/>
+        <p:nvPr/>
+      </p:nvGrpSpPr>
+      <p:grpSpPr>
+        <a:xfrm>
+          <a:off x="0" y="0"/>
+          <a:ext cx="0" cy="0"/>
+          <a:chOff x="0" y="0"/>
+          <a:chExt cx="0" cy="0"/>
+        </a:xfrm>
+      </p:grpSpPr>
+      <p:sp>
+        <p:nvSpPr>
+          <p:cNvPr id="2" name="Header Placeholder 1"/>
+          <p:cNvSpPr>
+            <a:spLocks noGrp="1"/>
+          </p:cNvSpPr>
+          <p:nvPr>
+            <p:ph type="hdr" sz="quarter"/>
+          </p:nvPr>
+        </p:nvSpPr>
+        <p:spPr>
+          <a:xfrm>
+            <a:off x="0" y="0"/>
+            <a:ext cx="2971800" cy="458788"/>
+          </a:xfrm>
+          <a:prstGeom prst="rect">
+            <a:avLst/>
+          </a:prstGeom>
+        </p:spPr>
+        <p:txBody>
+          <a:bodyPr vert="horz" lIns="91440" tIns="45720" rIns="91440" bIns="45720" rtlCol="0"/>
+          <a:lstStyle>
+            <a:lvl1pPr algn="l">
+              <a:defRPr sz="1200"/>
+            </a:lvl1pPr>
+          </a:lstStyle>
+          <a:p>
+            <a:endParaRPr lang="en-US"/>
+          </a:p>
+        </p:txBody>
+      </p:sp>
+      <p:sp>
+        <p:nvSpPr>
+          <p:cNvPr id="3" name="Date Placeholder 2"/>
+          <p:cNvSpPr>
+            <a:spLocks noGrp="1"/>
+          </p:cNvSpPr>
+          <p:nvPr>
+            <p:ph type="dt" idx="1"/>
+          </p:nvPr>
+        </p:nvSpPr>
+        <p:spPr>
+          <a:xfrm>
+            <a:off x="3884613" y="0"/>
+            <a:ext cx="2971800" cy="458788"/>
+          </a:xfrm>
+          <a:prstGeom prst="rect">
+            <a:avLst/>
+          </a:prstGeom>
+        </p:spPr>
+        <p:txBody>
+          <a:bodyPr vert="horz" lIns="91440" tIns="45720" rIns="91440" bIns="45720" rtlCol="0"/>
+          <a:lstStyle>
+            <a:lvl1pPr algn="r">
+              <a:defRPr sz="1200"/>
+            </a:lvl1pPr>
+          </a:lstStyle>
+          <a:p>
+            <a:fld id="{8BD94FAA-C1C5-4F95-8707-E945A3678BC5}" type="datetimeFigureOut">
+              <a:rPr lang="en-US" smtClean="0"/>
+              <a:t>3/9/2025</a:t>
+            </a:fld>
+            <a:endParaRPr lang="en-US"/>
+          </a:p>
+        </p:txBody>
+      </p:sp>
+      <p:sp>
+        <p:nvSpPr>
+          <p:cNvPr id="4" name="Slide Image Placeholder 3"/>
+          <p:cNvSpPr>
+            <a:spLocks noGrp="1" noRot="1" noChangeAspect="1"/>
+          </p:cNvSpPr>
+          <p:nvPr>
+            <p:ph type="sldImg" idx="2"/>
+          </p:nvPr>
+        </p:nvSpPr>
+        <p:spPr>
+          <a:xfrm>
+            <a:off x="685800" y="1143000"/>
+            <a:ext cx="5486400" cy="3086100"/>
+          </a:xfrm>
+          <a:prstGeom prst="rect">
+            <a:avLst/>
+          </a:prstGeom>
+          <a:noFill/>
+          <a:ln w="12700">
+            <a:solidFill>
+              <a:prstClr val="black"/>
+            </a:solidFill>
+          </a:ln>
+        </p:spPr>
+        <p:txBody>
+          <a:bodyPr vert="horz" lIns="91440" tIns="45720" rIns="91440" bIns="45720" rtlCol="0" anchor="ctr"/>
+          <a:lstStyle/>
+          <a:p>
+            <a:endParaRPr lang="en-US"/>
+          </a:p>
+        </p:txBody>
+      </p:sp>
+      <p:sp>
+        <p:nvSpPr>
+          <p:cNvPr id="5" name="Notes Placeholder 4"/>
+          <p:cNvSpPr>
+            <a:spLocks noGrp="1"/>
+          </p:cNvSpPr>
+          <p:nvPr>
+            <p:ph type="body" sz="quarter" idx="3"/>
+          </p:nvPr>
+        </p:nvSpPr>
+        <p:spPr>
+          <a:xfrm>
+            <a:off x="685800" y="4400550"/>
+            <a:ext cx="5486400" cy="3600450"/>
+          </a:xfrm>
+          <a:prstGeom prst="rect">
+            <a:avLst/>
+          </a:prstGeom>
+        </p:spPr>
+        <p:txBody>
+          <a:bodyPr vert="horz" lIns="91440" tIns="45720" rIns="91440" bIns="45720" rtlCol="0"/>
+          <a:lstStyle/>
+          <a:p>
+            <a:pPr lvl="0"/>
+            <a:r>
+              <a:rPr lang="en-US"/>
+              <a:t>Click to edit Master text styles</a:t>
+            </a:r>
+          </a:p>
+          <a:p>
+            <a:pPr lvl="1"/>
+            <a:r>
+              <a:rPr lang="en-US"/>
+              <a:t>Second level</a:t>
+            </a:r>
+          </a:p>
+          <a:p>
+            <a:pPr lvl="2"/>
+            <a:r>
+              <a:rPr lang="en-US"/>
+              <a:t>Third level</a:t>
+            </a:r>
+          </a:p>
+          <a:p>
+            <a:pPr lvl="3"/>
+            <a:r>
+              <a:rPr lang="en-US"/>
+              <a:t>Fourth level</a:t>
+            </a:r>
+          </a:p>
+          <a:p>
+            <a:pPr lvl="4"/>
+            <a:r>
+              <a:rPr lang="en-US"/>
+              <a:t>Fifth level</a:t>
+            </a:r>
+          </a:p>
+        </p:txBody>
+      </p:sp>
+      <p:sp>
+        <p:nvSpPr>
+          <p:cNvPr id="6" name="Footer Placeholder 5"/>
+          <p:cNvSpPr>
+            <a:spLocks noGrp="1"/>
+          </p:cNvSpPr>
+          <p:nvPr>
+            <p:ph type="ftr" sz="quarter" idx="4"/>
+          </p:nvPr>
+        </p:nvSpPr>
+        <p:spPr>
+          <a:xfrm>
+            <a:off x="0" y="8685213"/>
+            <a:ext cx="2971800" cy="458787"/>
+          </a:xfrm>
+          <a:prstGeom prst="rect">
+            <a:avLst/>
+          </a:prstGeom>
+        </p:spPr>
+        <p:txBody>
+          <a:bodyPr vert="horz" lIns="91440" tIns="45720" rIns="91440" bIns="45720" rtlCol="0" anchor="b"/>
+          <a:lstStyle>
+            <a:lvl1pPr algn="l">
+              <a:defRPr sz="1200"/>
+            </a:lvl1pPr>
+          </a:lstStyle>
+          <a:p>
+            <a:endParaRPr lang="en-US"/>
+          </a:p>
+        </p:txBody>
+      </p:sp>
+      <p:sp>
+        <p:nvSpPr>
+          <p:cNvPr id="7" name="Slide Number Placeholder 6"/>
+          <p:cNvSpPr>
+            <a:spLocks noGrp="1"/>
+          </p:cNvSpPr>
+          <p:nvPr>
+            <p:ph type="sldNum" sz="quarter" idx="5"/>
+          </p:nvPr>
+        </p:nvSpPr>
+        <p:spPr>
+          <a:xfrm>
+            <a:off x="3884613" y="8685213"/>
+            <a:ext cx="2971800" cy="458787"/>
+          </a:xfrm>
+          <a:prstGeom prst="rect">
+            <a:avLst/>
+          </a:prstGeom>
+        </p:spPr>
+        <p:txBody>
+          <a:bodyPr vert="horz" lIns="91440" tIns="45720" rIns="91440" bIns="45720" rtlCol="0" anchor="b"/>
+          <a:lstStyle>
+            <a:lvl1pPr algn="r">
+              <a:defRPr sz="1200"/>
+            </a:lvl1pPr>
+          </a:lstStyle>
+          <a:p>
+            <a:fld id="{A2DE8204-7465-42F6-820D-3C9D7F949CCC}" type="slidenum">
+              <a:rPr lang="en-US" smtClean="0"/>
+              <a:t>‹#›</a:t>
+            </a:fld>
+            <a:endParaRPr lang="en-US"/>
+          </a:p>
+        </p:txBody>
+      </p:sp>
+    </p:spTree>
+    <p:extLst>
+      <p:ext uri="{BB962C8B-B14F-4D97-AF65-F5344CB8AC3E}">
+        <p14:creationId xmlns:p14="http://schemas.microsoft.com/office/powerpoint/2010/main" val="3242540179"/>
+      </p:ext>
+    </p:extLst>
+  </p:cSld>
+  <p:clrMap bg1="lt1" tx1="dk1" bg2="lt2" tx2="dk2" accent1="accent1" accent2="accent2" accent3="accent3" accent4="accent4" accent5="accent5" accent6="accent6" hlink="hlink" folHlink="folHlink"/>
+  <p:notesStyle>
+    <a:lvl1pPr marL="0" algn="l" defTabSz="914400" rtl="0" eaLnBrk="1" latinLnBrk="0" hangingPunct="1">
+      <a:defRPr sz="1200" kern="1200">
+        <a:solidFill>
+          <a:schemeClr val="tx1"/>
+        </a:solidFill>
+        <a:latin typeface="+mn-lt"/>
+        <a:ea typeface="+mn-ea"/>
+        <a:cs typeface="+mn-cs"/>
+      </a:defRPr>
+    </a:lvl1pPr>
+    <a:lvl2pPr marL="457200" algn="l" defTabSz="914400" rtl="0" eaLnBrk="1" latinLnBrk="0" hangingPunct="1">
+      <a:defRPr sz="1200" kern="1200">
+        <a:solidFill>
+          <a:schemeClr val="tx1"/>
+        </a:solidFill>
+        <a:latin typeface="+mn-lt"/>
+        <a:ea typeface="+mn-ea"/>
+        <a:cs typeface="+mn-cs"/>
+      </a:defRPr>
+    </a:lvl2pPr>
+    <a:lvl3pPr marL="914400" algn="l" defTabSz="914400" rtl="0" eaLnBrk="1" latinLnBrk="0" hangingPunct="1">
+      <a:defRPr sz="1200" kern="1200">
+        <a:solidFill>
+          <a:schemeClr val="tx1"/>
+        </a:solidFill>
+        <a:latin typeface="+mn-lt"/>
+        <a:ea typeface="+mn-ea"/>
+        <a:cs typeface="+mn-cs"/>
+      </a:defRPr>
+    </a:lvl3pPr>
+    <a:lvl4pPr marL="1371600" algn="l" defTabSz="914400" rtl="0" eaLnBrk="1" latinLnBrk="0" hangingPunct="1">
+      <a:defRPr sz="1200" kern="1200">
+        <a:solidFill>
+          <a:schemeClr val="tx1"/>
+        </a:solidFill>
+        <a:latin typeface="+mn-lt"/>
+        <a:ea typeface="+mn-ea"/>
+        <a:cs typeface="+mn-cs"/>
+      </a:defRPr>
+    </a:lvl4pPr>
+    <a:lvl5pPr marL="1828800" algn="l" defTabSz="914400" rtl="0" eaLnBrk="1" latinLnBrk="0" hangingPunct="1">
+      <a:defRPr sz="1200" kern="1200">
+        <a:solidFill>
+          <a:schemeClr val="tx1"/>
+        </a:solidFill>
+        <a:latin typeface="+mn-lt"/>
+        <a:ea typeface="+mn-ea"/>
+        <a:cs typeface="+mn-cs"/>
+      </a:defRPr>
+    </a:lvl5pPr>
+    <a:lvl6pPr marL="2286000" algn="l" defTabSz="914400" rtl="0" eaLnBrk="1" latinLnBrk="0" hangingPunct="1">
+      <a:defRPr sz="1200" kern="1200">
+        <a:solidFill>
+          <a:schemeClr val="tx1"/>
+        </a:solidFill>
+        <a:latin typeface="+mn-lt"/>
+        <a:ea typeface="+mn-ea"/>
+        <a:cs typeface="+mn-cs"/>
+      </a:defRPr>
+    </a:lvl6pPr>
+    <a:lvl7pPr marL="2743200" algn="l" defTabSz="914400" rtl="0" eaLnBrk="1" latinLnBrk="0" hangingPunct="1">
+      <a:defRPr sz="1200" kern="1200">
+        <a:solidFill>
+          <a:schemeClr val="tx1"/>
+        </a:solidFill>
+        <a:latin typeface="+mn-lt"/>
+        <a:ea typeface="+mn-ea"/>
+        <a:cs typeface="+mn-cs"/>
+      </a:defRPr>
+    </a:lvl7pPr>
+    <a:lvl8pPr marL="3200400" algn="l" defTabSz="914400" rtl="0" eaLnBrk="1" latinLnBrk="0" hangingPunct="1">
+      <a:defRPr sz="1200" kern="1200">
+        <a:solidFill>
+          <a:schemeClr val="tx1"/>
+        </a:solidFill>
+        <a:latin typeface="+mn-lt"/>
+        <a:ea typeface="+mn-ea"/>
+        <a:cs typeface="+mn-cs"/>
+      </a:defRPr>
+    </a:lvl8pPr>
+    <a:lvl9pPr marL="3657600" algn="l" defTabSz="914400" rtl="0" eaLnBrk="1" latinLnBrk="0" hangingPunct="1">
+      <a:defRPr sz="1200" kern="1200">
+        <a:solidFill>
+          <a:schemeClr val="tx1"/>
+        </a:solidFill>
+        <a:latin typeface="+mn-lt"/>
+        <a:ea typeface="+mn-ea"/>
+        <a:cs typeface="+mn-cs"/>
+      </a:defRPr>
+    </a:lvl9pPr>
+  </p:notesStyle>
+</p:notesMaster>
+</file>
+
+<file path=ppt/notesSlides/notesSlide1.xml><?xml version="1.0" encoding="utf-8"?>
+<p:notes xmlns:a="http://schemas.openxmlformats.org/drawingml/2006/main" xmlns:r="http://schemas.openxmlformats.org/officeDocument/2006/relationships" xmlns:p="http://schemas.openxmlformats.org/presentationml/2006/main">
+  <p:cSld>
+    <p:spTree>
+      <p:nvGrpSpPr>
+        <p:cNvPr id="1" name=""/>
+        <p:cNvGrpSpPr/>
+        <p:nvPr/>
+      </p:nvGrpSpPr>
+      <p:grpSpPr>
+        <a:xfrm>
+          <a:off x="0" y="0"/>
+          <a:ext cx="0" cy="0"/>
+          <a:chOff x="0" y="0"/>
+          <a:chExt cx="0" cy="0"/>
+        </a:xfrm>
+      </p:grpSpPr>
+      <p:sp>
+        <p:nvSpPr>
+          <p:cNvPr id="2" name="Slide Image Placeholder 1"/>
+          <p:cNvSpPr>
+            <a:spLocks noGrp="1" noRot="1" noChangeAspect="1"/>
+          </p:cNvSpPr>
+          <p:nvPr>
+            <p:ph type="sldImg"/>
+          </p:nvPr>
+        </p:nvSpPr>
+        <p:spPr/>
+      </p:sp>
+      <p:sp>
+        <p:nvSpPr>
+          <p:cNvPr id="3" name="Notes Placeholder 2"/>
+          <p:cNvSpPr>
+            <a:spLocks noGrp="1"/>
+          </p:cNvSpPr>
+          <p:nvPr>
+            <p:ph type="body" idx="1"/>
+          </p:nvPr>
+        </p:nvSpPr>
+        <p:spPr/>
+        <p:txBody>
+          <a:bodyPr/>
+          <a:lstStyle/>
+          <a:p>
+            <a:endParaRPr lang="en-US" dirty="0"/>
+          </a:p>
+        </p:txBody>
+      </p:sp>
+      <p:sp>
+        <p:nvSpPr>
+          <p:cNvPr id="4" name="Slide Number Placeholder 3"/>
+          <p:cNvSpPr>
+            <a:spLocks noGrp="1"/>
+          </p:cNvSpPr>
+          <p:nvPr>
+            <p:ph type="sldNum" sz="quarter" idx="5"/>
+          </p:nvPr>
+        </p:nvSpPr>
+        <p:spPr/>
+        <p:txBody>
+          <a:bodyPr/>
+          <a:lstStyle/>
+          <a:p>
+            <a:fld id="{A2DE8204-7465-42F6-820D-3C9D7F949CCC}" type="slidenum">
+              <a:rPr lang="en-US" smtClean="0"/>
+              <a:t>5</a:t>
+            </a:fld>
+            <a:endParaRPr lang="en-US"/>
+          </a:p>
+        </p:txBody>
+      </p:sp>
+    </p:spTree>
+    <p:extLst>
+      <p:ext uri="{BB962C8B-B14F-4D97-AF65-F5344CB8AC3E}">
+        <p14:creationId xmlns:p14="http://schemas.microsoft.com/office/powerpoint/2010/main" val="2214261339"/>
+      </p:ext>
+    </p:extLst>
+  </p:cSld>
+  <p:clrMapOvr>
+    <a:masterClrMapping/>
+  </p:clrMapOvr>
+</p:notes>
 </file>
 
 <file path=ppt/slideLayouts/slideLayout1.xml><?xml version="1.0" encoding="utf-8"?>
@@ -6296,7 +4061,7 @@
           <a:p>
             <a:fld id="{655C134D-C3F8-4713-B796-421D2274FC3A}" type="datetimeFigureOut">
               <a:rPr lang="en-US" smtClean="0"/>
-              <a:t>3/5/2025</a:t>
+              <a:t>3/9/2025</a:t>
             </a:fld>
             <a:endParaRPr lang="en-US"/>
           </a:p>
@@ -7384,7 +5149,7 @@
           <a:p>
             <a:fld id="{655C134D-C3F8-4713-B796-421D2274FC3A}" type="datetimeFigureOut">
               <a:rPr lang="en-US" smtClean="0"/>
-              <a:t>3/5/2025</a:t>
+              <a:t>3/9/2025</a:t>
             </a:fld>
             <a:endParaRPr lang="en-US"/>
           </a:p>
@@ -8364,7 +6129,7 @@
           <a:p>
             <a:fld id="{655C134D-C3F8-4713-B796-421D2274FC3A}" type="datetimeFigureOut">
               <a:rPr lang="en-US" smtClean="0"/>
-              <a:t>3/5/2025</a:t>
+              <a:t>3/9/2025</a:t>
             </a:fld>
             <a:endParaRPr lang="en-US"/>
           </a:p>
@@ -9498,7 +7263,7 @@
           <a:p>
             <a:fld id="{655C134D-C3F8-4713-B796-421D2274FC3A}" type="datetimeFigureOut">
               <a:rPr lang="en-US" smtClean="0"/>
-              <a:t>3/5/2025</a:t>
+              <a:t>3/9/2025</a:t>
             </a:fld>
             <a:endParaRPr lang="en-US"/>
           </a:p>
@@ -10531,7 +8296,7 @@
           <a:p>
             <a:fld id="{655C134D-C3F8-4713-B796-421D2274FC3A}" type="datetimeFigureOut">
               <a:rPr lang="en-US" smtClean="0"/>
-              <a:t>3/5/2025</a:t>
+              <a:t>3/9/2025</a:t>
             </a:fld>
             <a:endParaRPr lang="en-US"/>
           </a:p>
@@ -11191,7 +8956,7 @@
           <a:p>
             <a:fld id="{655C134D-C3F8-4713-B796-421D2274FC3A}" type="datetimeFigureOut">
               <a:rPr lang="en-US" smtClean="0"/>
-              <a:t>3/5/2025</a:t>
+              <a:t>3/9/2025</a:t>
             </a:fld>
             <a:endParaRPr lang="en-US"/>
           </a:p>
@@ -12052,7 +9817,7 @@
           <a:p>
             <a:fld id="{655C134D-C3F8-4713-B796-421D2274FC3A}" type="datetimeFigureOut">
               <a:rPr lang="en-US" smtClean="0"/>
-              <a:t>3/5/2025</a:t>
+              <a:t>3/9/2025</a:t>
             </a:fld>
             <a:endParaRPr lang="en-US"/>
           </a:p>
@@ -12242,7 +10007,7 @@
           <a:p>
             <a:fld id="{655C134D-C3F8-4713-B796-421D2274FC3A}" type="datetimeFigureOut">
               <a:rPr lang="en-US" smtClean="0"/>
-              <a:t>3/5/2025</a:t>
+              <a:t>3/9/2025</a:t>
             </a:fld>
             <a:endParaRPr lang="en-US"/>
           </a:p>
@@ -13214,7 +10979,7 @@
           <a:p>
             <a:fld id="{655C134D-C3F8-4713-B796-421D2274FC3A}" type="datetimeFigureOut">
               <a:rPr lang="en-US" smtClean="0"/>
-              <a:t>3/5/2025</a:t>
+              <a:t>3/9/2025</a:t>
             </a:fld>
             <a:endParaRPr lang="en-US"/>
           </a:p>
@@ -13425,7 +11190,7 @@
           <a:p>
             <a:fld id="{655C134D-C3F8-4713-B796-421D2274FC3A}" type="datetimeFigureOut">
               <a:rPr lang="en-US" smtClean="0"/>
-              <a:t>3/5/2025</a:t>
+              <a:t>3/9/2025</a:t>
             </a:fld>
             <a:endParaRPr lang="en-US"/>
           </a:p>
@@ -14459,7 +12224,7 @@
           <a:p>
             <a:fld id="{655C134D-C3F8-4713-B796-421D2274FC3A}" type="datetimeFigureOut">
               <a:rPr lang="en-US" smtClean="0"/>
-              <a:t>3/5/2025</a:t>
+              <a:t>3/9/2025</a:t>
             </a:fld>
             <a:endParaRPr lang="en-US"/>
           </a:p>
@@ -14731,7 +12496,7 @@
           <a:p>
             <a:fld id="{655C134D-C3F8-4713-B796-421D2274FC3A}" type="datetimeFigureOut">
               <a:rPr lang="en-US" smtClean="0"/>
-              <a:t>3/5/2025</a:t>
+              <a:t>3/9/2025</a:t>
             </a:fld>
             <a:endParaRPr lang="en-US"/>
           </a:p>
@@ -15141,7 +12906,7 @@
           <a:p>
             <a:fld id="{655C134D-C3F8-4713-B796-421D2274FC3A}" type="datetimeFigureOut">
               <a:rPr lang="en-US" smtClean="0"/>
-              <a:t>3/5/2025</a:t>
+              <a:t>3/9/2025</a:t>
             </a:fld>
             <a:endParaRPr lang="en-US"/>
           </a:p>
@@ -15268,7 +13033,7 @@
           <a:p>
             <a:fld id="{655C134D-C3F8-4713-B796-421D2274FC3A}" type="datetimeFigureOut">
               <a:rPr lang="en-US" smtClean="0"/>
-              <a:t>3/5/2025</a:t>
+              <a:t>3/9/2025</a:t>
             </a:fld>
             <a:endParaRPr lang="en-US"/>
           </a:p>
@@ -15363,7 +13128,7 @@
           <a:p>
             <a:fld id="{655C134D-C3F8-4713-B796-421D2274FC3A}" type="datetimeFigureOut">
               <a:rPr lang="en-US" smtClean="0"/>
-              <a:t>3/5/2025</a:t>
+              <a:t>3/9/2025</a:t>
             </a:fld>
             <a:endParaRPr lang="en-US"/>
           </a:p>
@@ -16444,7 +14209,7 @@
           <a:p>
             <a:fld id="{655C134D-C3F8-4713-B796-421D2274FC3A}" type="datetimeFigureOut">
               <a:rPr lang="en-US" smtClean="0"/>
-              <a:t>3/5/2025</a:t>
+              <a:t>3/9/2025</a:t>
             </a:fld>
             <a:endParaRPr lang="en-US"/>
           </a:p>
@@ -17552,7 +15317,7 @@
           <a:p>
             <a:fld id="{655C134D-C3F8-4713-B796-421D2274FC3A}" type="datetimeFigureOut">
               <a:rPr lang="en-US" smtClean="0"/>
-              <a:t>3/5/2025</a:t>
+              <a:t>3/9/2025</a:t>
             </a:fld>
             <a:endParaRPr lang="en-US"/>
           </a:p>
@@ -18549,7 +16314,7 @@
           <a:p>
             <a:fld id="{655C134D-C3F8-4713-B796-421D2274FC3A}" type="datetimeFigureOut">
               <a:rPr lang="en-US" smtClean="0"/>
-              <a:t>3/5/2025</a:t>
+              <a:t>3/9/2025</a:t>
             </a:fld>
             <a:endParaRPr lang="en-US"/>
           </a:p>
@@ -19185,961 +16950,6 @@
 <file path=ppt/slides/slide2.xml><?xml version="1.0" encoding="utf-8"?>
 <p:sld xmlns:a="http://schemas.openxmlformats.org/drawingml/2006/main" xmlns:r="http://schemas.openxmlformats.org/officeDocument/2006/relationships" xmlns:p="http://schemas.openxmlformats.org/presentationml/2006/main">
   <p:cSld>
-    <p:bg>
-      <p:bgPr>
-        <a:solidFill>
-          <a:schemeClr val="bg1"/>
-        </a:solidFill>
-        <a:effectLst/>
-      </p:bgPr>
-    </p:bg>
-    <p:spTree>
-      <p:nvGrpSpPr>
-        <p:cNvPr id="1" name=""/>
-        <p:cNvGrpSpPr/>
-        <p:nvPr/>
-      </p:nvGrpSpPr>
-      <p:grpSpPr>
-        <a:xfrm>
-          <a:off x="0" y="0"/>
-          <a:ext cx="0" cy="0"/>
-          <a:chOff x="0" y="0"/>
-          <a:chExt cx="0" cy="0"/>
-        </a:xfrm>
-      </p:grpSpPr>
-      <p:grpSp>
-        <p:nvGrpSpPr>
-          <p:cNvPr id="9" name="Group 8">
-            <a:extLst>
-              <a:ext uri="{FF2B5EF4-FFF2-40B4-BE49-F238E27FC236}">
-                <a16:creationId xmlns:a16="http://schemas.microsoft.com/office/drawing/2014/main" id="{08BCF048-8940-4354-B9EC-5AD74E283CE3}"/>
-              </a:ext>
-              <a:ext uri="{C183D7F6-B498-43B3-948B-1728B52AA6E4}">
-                <adec:decorative xmlns:adec="http://schemas.microsoft.com/office/drawing/2017/decorative" val="1"/>
-              </a:ext>
-            </a:extLst>
-          </p:cNvPr>
-          <p:cNvGrpSpPr>
-            <a:grpSpLocks noGrp="1" noUngrp="1" noRot="1" noChangeAspect="1" noMove="1" noResize="1"/>
-          </p:cNvGrpSpPr>
-          <p:nvPr>
-            <p:extLst>
-              <p:ext uri="{386F3935-93C4-4BCD-93E2-E3B085C9AB24}">
-                <p16:designElem xmlns:p16="http://schemas.microsoft.com/office/powerpoint/2015/main" val="1"/>
-              </p:ext>
-            </p:extLst>
-          </p:nvPr>
-        </p:nvGrpSpPr>
-        <p:grpSpPr>
-          <a:xfrm>
-            <a:off x="0" y="0"/>
-            <a:ext cx="12192000" cy="6858000"/>
-            <a:chOff x="0" y="0"/>
-            <a:chExt cx="12192000" cy="6858000"/>
-          </a:xfrm>
-        </p:grpSpPr>
-        <p:sp>
-          <p:nvSpPr>
-            <p:cNvPr id="10" name="Rectangle 9">
-              <a:extLst>
-                <a:ext uri="{FF2B5EF4-FFF2-40B4-BE49-F238E27FC236}">
-                  <a16:creationId xmlns:a16="http://schemas.microsoft.com/office/drawing/2014/main" id="{D024C14A-78BD-44B0-82BE-6A0D0A27063A}"/>
-                </a:ext>
-                <a:ext uri="{C183D7F6-B498-43B3-948B-1728B52AA6E4}">
-                  <adec:decorative xmlns:adec="http://schemas.microsoft.com/office/drawing/2017/decorative" val="1"/>
-                </a:ext>
-              </a:extLst>
-            </p:cNvPr>
-            <p:cNvSpPr/>
-            <p:nvPr>
-              <p:extLst>
-                <p:ext uri="{386F3935-93C4-4BCD-93E2-E3B085C9AB24}">
-                  <p16:designElem xmlns:p16="http://schemas.microsoft.com/office/powerpoint/2015/main" val="1"/>
-                </p:ext>
-              </p:extLst>
-            </p:nvPr>
-          </p:nvSpPr>
-          <p:spPr>
-            <a:xfrm>
-              <a:off x="0" y="0"/>
-              <a:ext cx="12192000" cy="6858000"/>
-            </a:xfrm>
-            <a:prstGeom prst="rect">
-              <a:avLst/>
-            </a:prstGeom>
-            <a:blipFill>
-              <a:blip r:embed="rId2">
-                <a:duotone>
-                  <a:schemeClr val="dk2">
-                    <a:shade val="69000"/>
-                    <a:hueMod val="91000"/>
-                    <a:satMod val="164000"/>
-                    <a:lumMod val="74000"/>
-                  </a:schemeClr>
-                  <a:schemeClr val="dk2">
-                    <a:hueMod val="124000"/>
-                    <a:satMod val="140000"/>
-                    <a:lumMod val="142000"/>
-                  </a:schemeClr>
-                </a:duotone>
-              </a:blip>
-              <a:stretch>
-                <a:fillRect/>
-              </a:stretch>
-            </a:blipFill>
-            <a:ln>
-              <a:noFill/>
-            </a:ln>
-          </p:spPr>
-          <p:style>
-            <a:lnRef idx="2">
-              <a:schemeClr val="accent1">
-                <a:shade val="50000"/>
-              </a:schemeClr>
-            </a:lnRef>
-            <a:fillRef idx="1">
-              <a:schemeClr val="accent1"/>
-            </a:fillRef>
-            <a:effectRef idx="0">
-              <a:schemeClr val="accent1"/>
-            </a:effectRef>
-            <a:fontRef idx="minor">
-              <a:schemeClr val="lt1"/>
-            </a:fontRef>
-          </p:style>
-          <p:txBody>
-            <a:bodyPr/>
-            <a:lstStyle/>
-            <a:p>
-              <a:endParaRPr lang="en-US"/>
-            </a:p>
-          </p:txBody>
-        </p:sp>
-        <p:sp>
-          <p:nvSpPr>
-            <p:cNvPr id="11" name="Oval 10">
-              <a:extLst>
-                <a:ext uri="{FF2B5EF4-FFF2-40B4-BE49-F238E27FC236}">
-                  <a16:creationId xmlns:a16="http://schemas.microsoft.com/office/drawing/2014/main" id="{809F3D29-EDB1-4F1C-A0E0-36F28CE17188}"/>
-                </a:ext>
-                <a:ext uri="{C183D7F6-B498-43B3-948B-1728B52AA6E4}">
-                  <adec:decorative xmlns:adec="http://schemas.microsoft.com/office/drawing/2017/decorative" val="1"/>
-                </a:ext>
-              </a:extLst>
-            </p:cNvPr>
-            <p:cNvSpPr/>
-            <p:nvPr>
-              <p:extLst>
-                <p:ext uri="{386F3935-93C4-4BCD-93E2-E3B085C9AB24}">
-                  <p16:designElem xmlns:p16="http://schemas.microsoft.com/office/powerpoint/2015/main" val="1"/>
-                </p:ext>
-              </p:extLst>
-            </p:nvPr>
-          </p:nvSpPr>
-          <p:spPr>
-            <a:xfrm>
-              <a:off x="0" y="2667000"/>
-              <a:ext cx="4191000" cy="4191000"/>
-            </a:xfrm>
-            <a:prstGeom prst="ellipse">
-              <a:avLst/>
-            </a:prstGeom>
-            <a:gradFill flip="none" rotWithShape="1">
-              <a:gsLst>
-                <a:gs pos="0">
-                  <a:schemeClr val="accent5">
-                    <a:alpha val="11000"/>
-                  </a:schemeClr>
-                </a:gs>
-                <a:gs pos="75000">
-                  <a:schemeClr val="accent5">
-                    <a:alpha val="0"/>
-                  </a:schemeClr>
-                </a:gs>
-                <a:gs pos="36000">
-                  <a:schemeClr val="accent5">
-                    <a:alpha val="10000"/>
-                  </a:schemeClr>
-                </a:gs>
-              </a:gsLst>
-              <a:path path="circle">
-                <a:fillToRect l="50000" t="50000" r="50000" b="50000"/>
-              </a:path>
-              <a:tileRect/>
-            </a:gradFill>
-            <a:ln>
-              <a:noFill/>
-            </a:ln>
-            <a:effectLst/>
-          </p:spPr>
-          <p:style>
-            <a:lnRef idx="1">
-              <a:schemeClr val="accent1"/>
-            </a:lnRef>
-            <a:fillRef idx="3">
-              <a:schemeClr val="accent1"/>
-            </a:fillRef>
-            <a:effectRef idx="2">
-              <a:schemeClr val="accent1"/>
-            </a:effectRef>
-            <a:fontRef idx="minor">
-              <a:schemeClr val="lt1"/>
-            </a:fontRef>
-          </p:style>
-          <p:txBody>
-            <a:bodyPr/>
-            <a:lstStyle/>
-            <a:p>
-              <a:endParaRPr lang="en-US"/>
-            </a:p>
-          </p:txBody>
-        </p:sp>
-        <p:sp>
-          <p:nvSpPr>
-            <p:cNvPr id="12" name="Oval 11">
-              <a:extLst>
-                <a:ext uri="{FF2B5EF4-FFF2-40B4-BE49-F238E27FC236}">
-                  <a16:creationId xmlns:a16="http://schemas.microsoft.com/office/drawing/2014/main" id="{5282F4AB-C7B8-4A86-9927-AA106AA27B41}"/>
-                </a:ext>
-                <a:ext uri="{C183D7F6-B498-43B3-948B-1728B52AA6E4}">
-                  <adec:decorative xmlns:adec="http://schemas.microsoft.com/office/drawing/2017/decorative" val="1"/>
-                </a:ext>
-              </a:extLst>
-            </p:cNvPr>
-            <p:cNvSpPr/>
-            <p:nvPr>
-              <p:extLst>
-                <p:ext uri="{386F3935-93C4-4BCD-93E2-E3B085C9AB24}">
-                  <p16:designElem xmlns:p16="http://schemas.microsoft.com/office/powerpoint/2015/main" val="1"/>
-                </p:ext>
-              </p:extLst>
-            </p:nvPr>
-          </p:nvSpPr>
-          <p:spPr>
-            <a:xfrm>
-              <a:off x="0" y="2895600"/>
-              <a:ext cx="2362200" cy="2362200"/>
-            </a:xfrm>
-            <a:prstGeom prst="ellipse">
-              <a:avLst/>
-            </a:prstGeom>
-            <a:gradFill flip="none" rotWithShape="1">
-              <a:gsLst>
-                <a:gs pos="0">
-                  <a:schemeClr val="accent5">
-                    <a:alpha val="8000"/>
-                  </a:schemeClr>
-                </a:gs>
-                <a:gs pos="72000">
-                  <a:schemeClr val="accent5">
-                    <a:alpha val="0"/>
-                  </a:schemeClr>
-                </a:gs>
-                <a:gs pos="36000">
-                  <a:schemeClr val="accent5">
-                    <a:alpha val="8000"/>
-                  </a:schemeClr>
-                </a:gs>
-              </a:gsLst>
-              <a:path path="circle">
-                <a:fillToRect l="50000" t="50000" r="50000" b="50000"/>
-              </a:path>
-              <a:tileRect/>
-            </a:gradFill>
-            <a:ln>
-              <a:noFill/>
-            </a:ln>
-            <a:effectLst/>
-          </p:spPr>
-          <p:style>
-            <a:lnRef idx="1">
-              <a:schemeClr val="accent1"/>
-            </a:lnRef>
-            <a:fillRef idx="3">
-              <a:schemeClr val="accent1"/>
-            </a:fillRef>
-            <a:effectRef idx="2">
-              <a:schemeClr val="accent1"/>
-            </a:effectRef>
-            <a:fontRef idx="minor">
-              <a:schemeClr val="lt1"/>
-            </a:fontRef>
-          </p:style>
-          <p:txBody>
-            <a:bodyPr/>
-            <a:lstStyle/>
-            <a:p>
-              <a:endParaRPr lang="en-US"/>
-            </a:p>
-          </p:txBody>
-        </p:sp>
-        <p:sp>
-          <p:nvSpPr>
-            <p:cNvPr id="13" name="Rectangle 12">
-              <a:extLst>
-                <a:ext uri="{FF2B5EF4-FFF2-40B4-BE49-F238E27FC236}">
-                  <a16:creationId xmlns:a16="http://schemas.microsoft.com/office/drawing/2014/main" id="{60B26874-5AFA-4D1E-94A9-53AF9790D702}"/>
-                </a:ext>
-                <a:ext uri="{C183D7F6-B498-43B3-948B-1728B52AA6E4}">
-                  <adec:decorative xmlns:adec="http://schemas.microsoft.com/office/drawing/2017/decorative" val="1"/>
-                </a:ext>
-              </a:extLst>
-            </p:cNvPr>
-            <p:cNvSpPr/>
-            <p:nvPr>
-              <p:extLst>
-                <p:ext uri="{386F3935-93C4-4BCD-93E2-E3B085C9AB24}">
-                  <p16:designElem xmlns:p16="http://schemas.microsoft.com/office/powerpoint/2015/main" val="1"/>
-                </p:ext>
-              </p:extLst>
-            </p:nvPr>
-          </p:nvSpPr>
-          <p:spPr bwMode="gray">
-            <a:xfrm>
-              <a:off x="5713412" y="402165"/>
-              <a:ext cx="6055253" cy="6053670"/>
-            </a:xfrm>
-            <a:prstGeom prst="rect">
-              <a:avLst/>
-            </a:prstGeom>
-            <a:solidFill>
-              <a:schemeClr val="bg1"/>
-            </a:solidFill>
-            <a:ln>
-              <a:noFill/>
-            </a:ln>
-            <a:effectLst/>
-          </p:spPr>
-          <p:style>
-            <a:lnRef idx="1">
-              <a:schemeClr val="accent1"/>
-            </a:lnRef>
-            <a:fillRef idx="3">
-              <a:schemeClr val="accent1"/>
-            </a:fillRef>
-            <a:effectRef idx="2">
-              <a:schemeClr val="accent1"/>
-            </a:effectRef>
-            <a:fontRef idx="minor">
-              <a:schemeClr val="lt1"/>
-            </a:fontRef>
-          </p:style>
-          <p:txBody>
-            <a:bodyPr/>
-            <a:lstStyle/>
-            <a:p>
-              <a:endParaRPr lang="en-US"/>
-            </a:p>
-          </p:txBody>
-        </p:sp>
-        <p:sp>
-          <p:nvSpPr>
-            <p:cNvPr id="14" name="Freeform 5">
-              <a:extLst>
-                <a:ext uri="{FF2B5EF4-FFF2-40B4-BE49-F238E27FC236}">
-                  <a16:creationId xmlns:a16="http://schemas.microsoft.com/office/drawing/2014/main" id="{A1DA6C95-40F8-4305-89F6-17F6167C0BF2}"/>
-                </a:ext>
-                <a:ext uri="{C183D7F6-B498-43B3-948B-1728B52AA6E4}">
-                  <adec:decorative xmlns:adec="http://schemas.microsoft.com/office/drawing/2017/decorative" val="1"/>
-                </a:ext>
-              </a:extLst>
-            </p:cNvPr>
-            <p:cNvSpPr/>
-            <p:nvPr>
-              <p:extLst>
-                <p:ext uri="{386F3935-93C4-4BCD-93E2-E3B085C9AB24}">
-                  <p16:designElem xmlns:p16="http://schemas.microsoft.com/office/powerpoint/2015/main" val="1"/>
-                </p:ext>
-              </p:extLst>
-            </p:nvPr>
-          </p:nvSpPr>
-          <p:spPr bwMode="gray">
-            <a:xfrm rot="15922489">
-              <a:off x="3140485" y="1826078"/>
-              <a:ext cx="3299407" cy="440924"/>
-            </a:xfrm>
-            <a:custGeom>
-              <a:avLst/>
-              <a:gdLst/>
-              <a:ahLst/>
-              <a:cxnLst/>
-              <a:rect l="l" t="t" r="r" b="b"/>
-              <a:pathLst>
-                <a:path w="10000" h="5291">
-                  <a:moveTo>
-                    <a:pt x="85" y="2532"/>
-                  </a:moveTo>
-                  <a:cubicBezTo>
-                    <a:pt x="1736" y="3911"/>
-                    <a:pt x="7524" y="5298"/>
-                    <a:pt x="9958" y="5291"/>
-                  </a:cubicBezTo>
-                  <a:cubicBezTo>
-                    <a:pt x="9989" y="1958"/>
-                    <a:pt x="9969" y="3333"/>
-                    <a:pt x="10000" y="0"/>
-                  </a:cubicBezTo>
-                  <a:lnTo>
-                    <a:pt x="10000" y="0"/>
-                  </a:lnTo>
-                  <a:lnTo>
-                    <a:pt x="9667" y="204"/>
-                  </a:lnTo>
-                  <a:lnTo>
-                    <a:pt x="9334" y="400"/>
-                  </a:lnTo>
-                  <a:lnTo>
-                    <a:pt x="9001" y="590"/>
-                  </a:lnTo>
-                  <a:lnTo>
-                    <a:pt x="8667" y="753"/>
-                  </a:lnTo>
-                  <a:lnTo>
-                    <a:pt x="8333" y="917"/>
-                  </a:lnTo>
-                  <a:lnTo>
-                    <a:pt x="7999" y="1071"/>
-                  </a:lnTo>
-                  <a:lnTo>
-                    <a:pt x="7669" y="1202"/>
-                  </a:lnTo>
-                  <a:lnTo>
-                    <a:pt x="7333" y="1325"/>
-                  </a:lnTo>
-                  <a:lnTo>
-                    <a:pt x="7000" y="1440"/>
-                  </a:lnTo>
-                  <a:lnTo>
-                    <a:pt x="6673" y="1538"/>
-                  </a:lnTo>
-                  <a:lnTo>
-                    <a:pt x="6340" y="1636"/>
-                  </a:lnTo>
-                  <a:lnTo>
-                    <a:pt x="6013" y="1719"/>
-                  </a:lnTo>
-                  <a:lnTo>
-                    <a:pt x="5686" y="1784"/>
-                  </a:lnTo>
-                  <a:lnTo>
-                    <a:pt x="5359" y="1850"/>
-                  </a:lnTo>
-                  <a:lnTo>
-                    <a:pt x="5036" y="1906"/>
-                  </a:lnTo>
-                  <a:lnTo>
-                    <a:pt x="4717" y="1948"/>
-                  </a:lnTo>
-                  <a:lnTo>
-                    <a:pt x="4396" y="1980"/>
-                  </a:lnTo>
-                  <a:lnTo>
-                    <a:pt x="4079" y="2013"/>
-                  </a:lnTo>
-                  <a:lnTo>
-                    <a:pt x="3766" y="2029"/>
-                  </a:lnTo>
-                  <a:lnTo>
-                    <a:pt x="3454" y="2046"/>
-                  </a:lnTo>
-                  <a:lnTo>
-                    <a:pt x="3145" y="2053"/>
-                  </a:lnTo>
-                  <a:lnTo>
-                    <a:pt x="2839" y="2046"/>
-                  </a:lnTo>
-                  <a:lnTo>
-                    <a:pt x="2537" y="2046"/>
-                  </a:lnTo>
-                  <a:lnTo>
-                    <a:pt x="2238" y="2029"/>
-                  </a:lnTo>
-                  <a:lnTo>
-                    <a:pt x="1943" y="2004"/>
-                  </a:lnTo>
-                  <a:lnTo>
-                    <a:pt x="1653" y="1980"/>
-                  </a:lnTo>
-                  <a:lnTo>
-                    <a:pt x="1368" y="1955"/>
-                  </a:lnTo>
-                  <a:lnTo>
-                    <a:pt x="1085" y="1915"/>
-                  </a:lnTo>
-                  <a:lnTo>
-                    <a:pt x="806" y="1873"/>
-                  </a:lnTo>
-                  <a:lnTo>
-                    <a:pt x="533" y="1833"/>
-                  </a:lnTo>
-                  <a:lnTo>
-                    <a:pt x="0" y="1726"/>
-                  </a:lnTo>
-                  <a:cubicBezTo>
-                    <a:pt x="28" y="1995"/>
-                    <a:pt x="57" y="2263"/>
-                    <a:pt x="85" y="2532"/>
-                  </a:cubicBezTo>
-                  <a:close/>
-                </a:path>
-              </a:pathLst>
-            </a:custGeom>
-            <a:solidFill>
-              <a:schemeClr val="bg1">
-                <a:alpha val="20000"/>
-              </a:schemeClr>
-            </a:solidFill>
-            <a:ln>
-              <a:noFill/>
-            </a:ln>
-          </p:spPr>
-          <p:txBody>
-            <a:bodyPr/>
-            <a:lstStyle/>
-            <a:p>
-              <a:endParaRPr lang="en-US"/>
-            </a:p>
-          </p:txBody>
-        </p:sp>
-        <p:sp>
-          <p:nvSpPr>
-            <p:cNvPr id="15" name="Freeform 5">
-              <a:extLst>
-                <a:ext uri="{FF2B5EF4-FFF2-40B4-BE49-F238E27FC236}">
-                  <a16:creationId xmlns:a16="http://schemas.microsoft.com/office/drawing/2014/main" id="{A2FA2D29-AEEE-4FFA-B233-94FBE84C9B41}"/>
-                </a:ext>
-                <a:ext uri="{C183D7F6-B498-43B3-948B-1728B52AA6E4}">
-                  <adec:decorative xmlns:adec="http://schemas.microsoft.com/office/drawing/2017/decorative" val="1"/>
-                </a:ext>
-              </a:extLst>
-            </p:cNvPr>
-            <p:cNvSpPr/>
-            <p:nvPr>
-              <p:extLst>
-                <p:ext uri="{386F3935-93C4-4BCD-93E2-E3B085C9AB24}">
-                  <p16:designElem xmlns:p16="http://schemas.microsoft.com/office/powerpoint/2015/main" val="1"/>
-                </p:ext>
-              </p:extLst>
-            </p:nvPr>
-          </p:nvSpPr>
-          <p:spPr bwMode="gray">
-            <a:xfrm rot="16200000">
-              <a:off x="2229377" y="2801721"/>
-              <a:ext cx="6053670" cy="1254558"/>
-            </a:xfrm>
-            <a:custGeom>
-              <a:avLst/>
-              <a:gdLst/>
-              <a:ahLst/>
-              <a:cxnLst/>
-              <a:rect l="l" t="t" r="r" b="b"/>
-              <a:pathLst>
-                <a:path w="10000" h="8000">
-                  <a:moveTo>
-                    <a:pt x="0" y="0"/>
-                  </a:moveTo>
-                  <a:lnTo>
-                    <a:pt x="0" y="7970"/>
-                  </a:lnTo>
-                  <a:lnTo>
-                    <a:pt x="10000" y="8000"/>
-                  </a:lnTo>
-                  <a:lnTo>
-                    <a:pt x="10000" y="7"/>
-                  </a:lnTo>
-                  <a:lnTo>
-                    <a:pt x="10000" y="7"/>
-                  </a:lnTo>
-                  <a:lnTo>
-                    <a:pt x="9773" y="156"/>
-                  </a:lnTo>
-                  <a:lnTo>
-                    <a:pt x="9547" y="298"/>
-                  </a:lnTo>
-                  <a:lnTo>
-                    <a:pt x="9320" y="437"/>
-                  </a:lnTo>
-                  <a:lnTo>
-                    <a:pt x="9092" y="556"/>
-                  </a:lnTo>
-                  <a:lnTo>
-                    <a:pt x="8865" y="676"/>
-                  </a:lnTo>
-                  <a:lnTo>
-                    <a:pt x="8637" y="788"/>
-                  </a:lnTo>
-                  <a:lnTo>
-                    <a:pt x="8412" y="884"/>
-                  </a:lnTo>
-                  <a:lnTo>
-                    <a:pt x="8184" y="975"/>
-                  </a:lnTo>
-                  <a:lnTo>
-                    <a:pt x="7957" y="1058"/>
-                  </a:lnTo>
-                  <a:lnTo>
-                    <a:pt x="7734" y="1130"/>
-                  </a:lnTo>
-                  <a:lnTo>
-                    <a:pt x="7508" y="1202"/>
-                  </a:lnTo>
-                  <a:lnTo>
-                    <a:pt x="7285" y="1262"/>
-                  </a:lnTo>
-                  <a:lnTo>
-                    <a:pt x="7062" y="1309"/>
-                  </a:lnTo>
-                  <a:lnTo>
-                    <a:pt x="6840" y="1358"/>
-                  </a:lnTo>
-                  <a:lnTo>
-                    <a:pt x="6620" y="1399"/>
-                  </a:lnTo>
-                  <a:lnTo>
-                    <a:pt x="6402" y="1428"/>
-                  </a:lnTo>
-                  <a:lnTo>
-                    <a:pt x="6184" y="1453"/>
-                  </a:lnTo>
-                  <a:lnTo>
-                    <a:pt x="5968" y="1477"/>
-                  </a:lnTo>
-                  <a:lnTo>
-                    <a:pt x="5755" y="1488"/>
-                  </a:lnTo>
-                  <a:lnTo>
-                    <a:pt x="5542" y="1500"/>
-                  </a:lnTo>
-                  <a:lnTo>
-                    <a:pt x="5332" y="1506"/>
-                  </a:lnTo>
-                  <a:lnTo>
-                    <a:pt x="5124" y="1500"/>
-                  </a:lnTo>
-                  <a:lnTo>
-                    <a:pt x="4918" y="1500"/>
-                  </a:lnTo>
-                  <a:lnTo>
-                    <a:pt x="4714" y="1488"/>
-                  </a:lnTo>
-                  <a:lnTo>
-                    <a:pt x="4514" y="1470"/>
-                  </a:lnTo>
-                  <a:lnTo>
-                    <a:pt x="4316" y="1453"/>
-                  </a:lnTo>
-                  <a:lnTo>
-                    <a:pt x="4122" y="1434"/>
-                  </a:lnTo>
-                  <a:lnTo>
-                    <a:pt x="3929" y="1405"/>
-                  </a:lnTo>
-                  <a:lnTo>
-                    <a:pt x="3739" y="1374"/>
-                  </a:lnTo>
-                  <a:lnTo>
-                    <a:pt x="3553" y="1346"/>
-                  </a:lnTo>
-                  <a:lnTo>
-                    <a:pt x="3190" y="1267"/>
-                  </a:lnTo>
-                  <a:lnTo>
-                    <a:pt x="2842" y="1183"/>
-                  </a:lnTo>
-                  <a:lnTo>
-                    <a:pt x="2508" y="1095"/>
-                  </a:lnTo>
-                  <a:lnTo>
-                    <a:pt x="2192" y="998"/>
-                  </a:lnTo>
-                  <a:lnTo>
-                    <a:pt x="1890" y="897"/>
-                  </a:lnTo>
-                  <a:lnTo>
-                    <a:pt x="1610" y="788"/>
-                  </a:lnTo>
-                  <a:lnTo>
-                    <a:pt x="1347" y="681"/>
-                  </a:lnTo>
-                  <a:lnTo>
-                    <a:pt x="1105" y="574"/>
-                  </a:lnTo>
-                  <a:lnTo>
-                    <a:pt x="883" y="473"/>
-                  </a:lnTo>
-                  <a:lnTo>
-                    <a:pt x="686" y="377"/>
-                  </a:lnTo>
-                  <a:lnTo>
-                    <a:pt x="508" y="286"/>
-                  </a:lnTo>
-                  <a:lnTo>
-                    <a:pt x="358" y="210"/>
-                  </a:lnTo>
-                  <a:lnTo>
-                    <a:pt x="232" y="138"/>
-                  </a:lnTo>
-                  <a:lnTo>
-                    <a:pt x="59" y="35"/>
-                  </a:lnTo>
-                  <a:lnTo>
-                    <a:pt x="0" y="0"/>
-                  </a:lnTo>
-                  <a:lnTo>
-                    <a:pt x="0" y="0"/>
-                  </a:lnTo>
-                  <a:close/>
-                </a:path>
-              </a:pathLst>
-            </a:custGeom>
-            <a:solidFill>
-              <a:schemeClr val="bg1"/>
-            </a:solidFill>
-            <a:ln>
-              <a:noFill/>
-            </a:ln>
-          </p:spPr>
-          <p:txBody>
-            <a:bodyPr/>
-            <a:lstStyle/>
-            <a:p>
-              <a:endParaRPr lang="en-US"/>
-            </a:p>
-          </p:txBody>
-        </p:sp>
-        <p:sp>
-          <p:nvSpPr>
-            <p:cNvPr id="16" name="Freeform 5">
-              <a:extLst>
-                <a:ext uri="{FF2B5EF4-FFF2-40B4-BE49-F238E27FC236}">
-                  <a16:creationId xmlns:a16="http://schemas.microsoft.com/office/drawing/2014/main" id="{6DA5143E-FA8E-4EC1-99F7-35AE5AD4E377}"/>
-                </a:ext>
-                <a:ext uri="{C183D7F6-B498-43B3-948B-1728B52AA6E4}">
-                  <adec:decorative xmlns:adec="http://schemas.microsoft.com/office/drawing/2017/decorative" val="1"/>
-                </a:ext>
-              </a:extLst>
-            </p:cNvPr>
-            <p:cNvSpPr>
-              <a:spLocks noEditPoints="1"/>
-            </p:cNvSpPr>
-            <p:nvPr>
-              <p:extLst>
-                <p:ext uri="{386F3935-93C4-4BCD-93E2-E3B085C9AB24}">
-                  <p16:designElem xmlns:p16="http://schemas.microsoft.com/office/powerpoint/2015/main" val="1"/>
-                </p:ext>
-              </p:extLst>
-            </p:nvPr>
-          </p:nvSpPr>
-          <p:spPr bwMode="gray">
-            <a:xfrm>
-              <a:off x="0" y="1587"/>
-              <a:ext cx="12192000" cy="6856413"/>
-            </a:xfrm>
-            <a:custGeom>
-              <a:avLst/>
-              <a:gdLst/>
-              <a:ahLst/>
-              <a:cxnLst/>
-              <a:rect l="0" t="0" r="r" b="b"/>
-              <a:pathLst>
-                <a:path w="15356" h="8638">
-                  <a:moveTo>
-                    <a:pt x="0" y="0"/>
-                  </a:moveTo>
-                  <a:lnTo>
-                    <a:pt x="0" y="8638"/>
-                  </a:lnTo>
-                  <a:lnTo>
-                    <a:pt x="15356" y="8638"/>
-                  </a:lnTo>
-                  <a:lnTo>
-                    <a:pt x="15356" y="0"/>
-                  </a:lnTo>
-                  <a:lnTo>
-                    <a:pt x="0" y="0"/>
-                  </a:lnTo>
-                  <a:close/>
-                  <a:moveTo>
-                    <a:pt x="14748" y="8038"/>
-                  </a:moveTo>
-                  <a:lnTo>
-                    <a:pt x="600" y="8038"/>
-                  </a:lnTo>
-                  <a:lnTo>
-                    <a:pt x="600" y="592"/>
-                  </a:lnTo>
-                  <a:lnTo>
-                    <a:pt x="14748" y="592"/>
-                  </a:lnTo>
-                  <a:lnTo>
-                    <a:pt x="14748" y="8038"/>
-                  </a:lnTo>
-                  <a:close/>
-                </a:path>
-              </a:pathLst>
-            </a:custGeom>
-            <a:solidFill>
-              <a:schemeClr val="bg1"/>
-            </a:solidFill>
-            <a:ln>
-              <a:noFill/>
-            </a:ln>
-          </p:spPr>
-          <p:txBody>
-            <a:bodyPr/>
-            <a:lstStyle/>
-            <a:p>
-              <a:endParaRPr lang="en-US"/>
-            </a:p>
-          </p:txBody>
-        </p:sp>
-      </p:grpSp>
-      <p:sp>
-        <p:nvSpPr>
-          <p:cNvPr id="2" name="Title 1">
-            <a:extLst>
-              <a:ext uri="{FF2B5EF4-FFF2-40B4-BE49-F238E27FC236}">
-                <a16:creationId xmlns:a16="http://schemas.microsoft.com/office/drawing/2014/main" id="{510965DF-D146-DD97-9582-2598E280883C}"/>
-              </a:ext>
-            </a:extLst>
-          </p:cNvPr>
-          <p:cNvSpPr>
-            <a:spLocks noGrp="1"/>
-          </p:cNvSpPr>
-          <p:nvPr>
-            <p:ph type="title"/>
-          </p:nvPr>
-        </p:nvSpPr>
-        <p:spPr>
-          <a:xfrm>
-            <a:off x="1154955" y="973667"/>
-            <a:ext cx="2942210" cy="4833745"/>
-          </a:xfrm>
-        </p:spPr>
-        <p:txBody>
-          <a:bodyPr>
-            <a:normAutofit/>
-          </a:bodyPr>
-          <a:lstStyle/>
-          <a:p>
-            <a:r>
-              <a:rPr lang="en-US">
-                <a:solidFill>
-                  <a:srgbClr val="EBEBEB"/>
-                </a:solidFill>
-              </a:rPr>
-              <a:t>Overview</a:t>
-            </a:r>
-          </a:p>
-        </p:txBody>
-      </p:sp>
-      <p:sp>
-        <p:nvSpPr>
-          <p:cNvPr id="18" name="Rectangle 17">
-            <a:extLst>
-              <a:ext uri="{FF2B5EF4-FFF2-40B4-BE49-F238E27FC236}">
-                <a16:creationId xmlns:a16="http://schemas.microsoft.com/office/drawing/2014/main" id="{CC28BCC9-4093-4FD5-83EB-7EC297F51396}"/>
-              </a:ext>
-              <a:ext uri="{C183D7F6-B498-43B3-948B-1728B52AA6E4}">
-                <adec:decorative xmlns:adec="http://schemas.microsoft.com/office/drawing/2017/decorative" val="1"/>
-              </a:ext>
-            </a:extLst>
-          </p:cNvPr>
-          <p:cNvSpPr>
-            <a:spLocks noGrp="1" noRot="1" noChangeAspect="1" noMove="1" noResize="1" noEditPoints="1" noAdjustHandles="1" noChangeArrowheads="1" noChangeShapeType="1" noTextEdit="1"/>
-          </p:cNvSpPr>
-          <p:nvPr>
-            <p:extLst>
-              <p:ext uri="{386F3935-93C4-4BCD-93E2-E3B085C9AB24}">
-                <p16:designElem xmlns:p16="http://schemas.microsoft.com/office/powerpoint/2015/main" val="1"/>
-              </p:ext>
-            </p:extLst>
-          </p:nvPr>
-        </p:nvSpPr>
-        <p:spPr>
-          <a:xfrm>
-            <a:off x="10437812" y="0"/>
-            <a:ext cx="685800" cy="1143000"/>
-          </a:xfrm>
-          <a:prstGeom prst="rect">
-            <a:avLst/>
-          </a:prstGeom>
-          <a:solidFill>
-            <a:schemeClr val="accent1"/>
-          </a:solidFill>
-          <a:ln>
-            <a:noFill/>
-          </a:ln>
-        </p:spPr>
-        <p:style>
-          <a:lnRef idx="1">
-            <a:schemeClr val="accent1"/>
-          </a:lnRef>
-          <a:fillRef idx="3">
-            <a:schemeClr val="accent1"/>
-          </a:fillRef>
-          <a:effectRef idx="2">
-            <a:schemeClr val="accent1"/>
-          </a:effectRef>
-          <a:fontRef idx="minor">
-            <a:schemeClr val="lt1"/>
-          </a:fontRef>
-        </p:style>
-        <p:txBody>
-          <a:bodyPr/>
-          <a:lstStyle/>
-          <a:p>
-            <a:endParaRPr lang="en-US"/>
-          </a:p>
-        </p:txBody>
-      </p:sp>
-      <p:graphicFrame>
-        <p:nvGraphicFramePr>
-          <p:cNvPr id="5" name="Content Placeholder 2">
-            <a:extLst>
-              <a:ext uri="{FF2B5EF4-FFF2-40B4-BE49-F238E27FC236}">
-                <a16:creationId xmlns:a16="http://schemas.microsoft.com/office/drawing/2014/main" id="{32900DAC-62CD-1A45-A182-E7521F1F6F40}"/>
-              </a:ext>
-            </a:extLst>
-          </p:cNvPr>
-          <p:cNvGraphicFramePr>
-            <a:graphicFrameLocks noGrp="1"/>
-          </p:cNvGraphicFramePr>
-          <p:nvPr>
-            <p:ph idx="1"/>
-            <p:extLst>
-              <p:ext uri="{D42A27DB-BD31-4B8C-83A1-F6EECF244321}">
-                <p14:modId xmlns:p14="http://schemas.microsoft.com/office/powerpoint/2010/main" val="2752977071"/>
-              </p:ext>
-            </p:extLst>
-          </p:nvPr>
-        </p:nvGraphicFramePr>
-        <p:xfrm>
-          <a:off x="5194300" y="808038"/>
-          <a:ext cx="6391275" cy="5246687"/>
-        </p:xfrm>
-        <a:graphic>
-          <a:graphicData uri="http://schemas.openxmlformats.org/drawingml/2006/diagram">
-            <dgm:relIds xmlns:dgm="http://schemas.openxmlformats.org/drawingml/2006/diagram" xmlns:r="http://schemas.openxmlformats.org/officeDocument/2006/relationships" r:dm="rId3" r:lo="rId4" r:qs="rId5" r:cs="rId6"/>
-          </a:graphicData>
-        </a:graphic>
-      </p:graphicFrame>
-    </p:spTree>
-    <p:extLst>
-      <p:ext uri="{BB962C8B-B14F-4D97-AF65-F5344CB8AC3E}">
-        <p14:creationId xmlns:p14="http://schemas.microsoft.com/office/powerpoint/2010/main" val="243266618"/>
-      </p:ext>
-    </p:extLst>
-  </p:cSld>
-  <p:clrMapOvr>
-    <a:masterClrMapping/>
-  </p:clrMapOvr>
-</p:sld>
-</file>
-
-<file path=ppt/slides/slide3.xml><?xml version="1.0" encoding="utf-8"?>
-<p:sld xmlns:a="http://schemas.openxmlformats.org/drawingml/2006/main" xmlns:r="http://schemas.openxmlformats.org/officeDocument/2006/relationships" xmlns:p="http://schemas.openxmlformats.org/presentationml/2006/main">
-  <p:cSld>
     <p:spTree>
       <p:nvGrpSpPr>
         <p:cNvPr id="1" name=""/>
@@ -20231,7 +17041,10 @@
           <a:bodyPr/>
           <a:lstStyle/>
           <a:p>
-            <a:endParaRPr lang="en-US"/>
+            <a:r>
+              <a:rPr lang="en-US" dirty="0"/>
+              <a:t>Currently the login function redirects to a new tab to log in. </a:t>
+            </a:r>
           </a:p>
         </p:txBody>
       </p:sp>
@@ -20284,7 +17097,24 @@
           <a:bodyPr/>
           <a:lstStyle/>
           <a:p>
-            <a:endParaRPr lang="en-US"/>
+            <a:r>
+              <a:rPr lang="en-US" dirty="0"/>
+              <a:t>We would like to make the login </a:t>
+            </a:r>
+            <a:r>
+              <a:rPr lang="en-US" dirty="0" err="1"/>
+              <a:t>interal</a:t>
+            </a:r>
+            <a:r>
+              <a:rPr lang="en-US" dirty="0"/>
+              <a:t> and not require a secondary tab</a:t>
+            </a:r>
+          </a:p>
+          <a:p>
+            <a:pPr marL="0" indent="0">
+              <a:buNone/>
+            </a:pPr>
+            <a:endParaRPr lang="en-US" dirty="0"/>
           </a:p>
         </p:txBody>
       </p:sp>
@@ -20301,7 +17131,7 @@
 </p:sld>
 </file>
 
-<file path=ppt/slides/slide4.xml><?xml version="1.0" encoding="utf-8"?>
+<file path=ppt/slides/slide3.xml><?xml version="1.0" encoding="utf-8"?>
 <p:sld xmlns:a="http://schemas.openxmlformats.org/drawingml/2006/main" xmlns:r="http://schemas.openxmlformats.org/officeDocument/2006/relationships" xmlns:p="http://schemas.openxmlformats.org/presentationml/2006/main">
   <p:cSld>
     <p:bg>
@@ -21256,7 +18086,7 @@
 </p:sld>
 </file>
 
-<file path=ppt/slides/slide5.xml><?xml version="1.0" encoding="utf-8"?>
+<file path=ppt/slides/slide4.xml><?xml version="1.0" encoding="utf-8"?>
 <p:sld xmlns:a="http://schemas.openxmlformats.org/drawingml/2006/main" xmlns:r="http://schemas.openxmlformats.org/officeDocument/2006/relationships" xmlns:p="http://schemas.openxmlformats.org/presentationml/2006/main">
   <p:cSld>
     <p:spTree>
@@ -21311,13 +18141,18 @@
             </a:extLst>
           </p:cNvPr>
           <p:cNvSpPr>
-            <a:spLocks noGrp="1"/>
+            <a:spLocks noGrp="1" noRot="1" noMove="1" noResize="1" noEditPoints="1" noAdjustHandles="1" noChangeArrowheads="1" noChangeShapeType="1"/>
           </p:cNvSpPr>
           <p:nvPr>
             <p:ph idx="1"/>
           </p:nvPr>
         </p:nvSpPr>
-        <p:spPr/>
+        <p:spPr>
+          <a:xfrm>
+            <a:off x="1154954" y="2633980"/>
+            <a:ext cx="8825659" cy="3416300"/>
+          </a:xfrm>
+        </p:spPr>
         <p:txBody>
           <a:bodyPr/>
           <a:lstStyle/>
@@ -21354,7 +18189,1831 @@
 </p:sld>
 </file>
 
+<file path=ppt/slides/slide5.xml><?xml version="1.0" encoding="utf-8"?>
+<p:sld xmlns:a="http://schemas.openxmlformats.org/drawingml/2006/main" xmlns:r="http://schemas.openxmlformats.org/officeDocument/2006/relationships" xmlns:p="http://schemas.openxmlformats.org/presentationml/2006/main">
+  <p:cSld>
+    <p:spTree>
+      <p:nvGrpSpPr>
+        <p:cNvPr id="1" name=""/>
+        <p:cNvGrpSpPr/>
+        <p:nvPr/>
+      </p:nvGrpSpPr>
+      <p:grpSpPr>
+        <a:xfrm>
+          <a:off x="0" y="0"/>
+          <a:ext cx="0" cy="0"/>
+          <a:chOff x="0" y="0"/>
+          <a:chExt cx="0" cy="0"/>
+        </a:xfrm>
+      </p:grpSpPr>
+      <p:sp>
+        <p:nvSpPr>
+          <p:cNvPr id="2" name="Title 1">
+            <a:extLst>
+              <a:ext uri="{FF2B5EF4-FFF2-40B4-BE49-F238E27FC236}">
+                <a16:creationId xmlns:a16="http://schemas.microsoft.com/office/drawing/2014/main" id="{0A5E46D6-073C-0077-4706-226EAFC5AD3E}"/>
+              </a:ext>
+            </a:extLst>
+          </p:cNvPr>
+          <p:cNvSpPr>
+            <a:spLocks noGrp="1"/>
+          </p:cNvSpPr>
+          <p:nvPr>
+            <p:ph type="title"/>
+          </p:nvPr>
+        </p:nvSpPr>
+        <p:spPr/>
+        <p:txBody>
+          <a:bodyPr/>
+          <a:lstStyle/>
+          <a:p>
+            <a:r>
+              <a:rPr lang="en-US" spc="-50" dirty="0"/>
+              <a:t>Data Flow Diagram (DFD) Steps:</a:t>
+            </a:r>
+            <a:br>
+              <a:rPr lang="en-US" spc="-50" dirty="0"/>
+            </a:br>
+            <a:endParaRPr lang="en-US" dirty="0"/>
+          </a:p>
+        </p:txBody>
+      </p:sp>
+      <p:sp>
+        <p:nvSpPr>
+          <p:cNvPr id="3" name="Content Placeholder 2">
+            <a:extLst>
+              <a:ext uri="{FF2B5EF4-FFF2-40B4-BE49-F238E27FC236}">
+                <a16:creationId xmlns:a16="http://schemas.microsoft.com/office/drawing/2014/main" id="{441BC992-9C33-B807-764F-26813F5E44E6}"/>
+              </a:ext>
+            </a:extLst>
+          </p:cNvPr>
+          <p:cNvSpPr>
+            <a:spLocks noGrp="1"/>
+          </p:cNvSpPr>
+          <p:nvPr>
+            <p:ph idx="1"/>
+          </p:nvPr>
+        </p:nvSpPr>
+        <p:spPr>
+          <a:xfrm>
+            <a:off x="172720" y="2076872"/>
+            <a:ext cx="11490960" cy="4039448"/>
+          </a:xfrm>
+        </p:spPr>
+        <p:txBody>
+          <a:bodyPr>
+            <a:noAutofit/>
+          </a:bodyPr>
+          <a:lstStyle/>
+          <a:p>
+            <a:pPr>
+              <a:lnSpc>
+                <a:spcPts val="1500"/>
+              </a:lnSpc>
+              <a:buFont typeface="+mj-lt"/>
+              <a:buAutoNum type="arabicPeriod"/>
+            </a:pPr>
+            <a:r>
+              <a:rPr lang="en-US" spc="-50" dirty="0"/>
+              <a:t>User logs in:</a:t>
+            </a:r>
+          </a:p>
+          <a:p>
+            <a:pPr marL="742950" lvl="1" indent="-285750">
+              <a:lnSpc>
+                <a:spcPts val="1500"/>
+              </a:lnSpc>
+              <a:buFont typeface="+mj-lt"/>
+              <a:buAutoNum type="arabicPeriod"/>
+            </a:pPr>
+            <a:r>
+              <a:rPr lang="en-US" sz="1800" spc="-50" dirty="0"/>
+              <a:t>Frontend (Google login) sends authentication data to </a:t>
+            </a:r>
+            <a:r>
+              <a:rPr lang="en-US" sz="1800" spc="-50" dirty="0" err="1"/>
+              <a:t>Supabase</a:t>
+            </a:r>
+            <a:r>
+              <a:rPr lang="en-US" sz="1800" spc="-50" dirty="0"/>
+              <a:t> Authentication.</a:t>
+            </a:r>
+          </a:p>
+          <a:p>
+            <a:pPr marL="742950" lvl="1" indent="-285750">
+              <a:lnSpc>
+                <a:spcPts val="1500"/>
+              </a:lnSpc>
+              <a:buFont typeface="+mj-lt"/>
+              <a:buAutoNum type="arabicPeriod"/>
+            </a:pPr>
+            <a:r>
+              <a:rPr lang="en-US" sz="1800" spc="-50" dirty="0" err="1"/>
+              <a:t>Supabase</a:t>
+            </a:r>
+            <a:r>
+              <a:rPr lang="en-US" sz="1800" spc="-50" dirty="0"/>
+              <a:t> Authentication sends a response back to the Backend API (Django).</a:t>
+            </a:r>
+          </a:p>
+          <a:p>
+            <a:pPr marL="742950" lvl="1" indent="-285750">
+              <a:lnSpc>
+                <a:spcPts val="1500"/>
+              </a:lnSpc>
+              <a:buFont typeface="+mj-lt"/>
+              <a:buAutoNum type="arabicPeriod"/>
+            </a:pPr>
+            <a:r>
+              <a:rPr lang="en-US" sz="1800" spc="-50" dirty="0"/>
+              <a:t>Backend API stores the login data in the Login Table.</a:t>
+            </a:r>
+          </a:p>
+          <a:p>
+            <a:pPr>
+              <a:lnSpc>
+                <a:spcPts val="1500"/>
+              </a:lnSpc>
+              <a:buFont typeface="+mj-lt"/>
+              <a:buAutoNum type="arabicPeriod"/>
+            </a:pPr>
+            <a:r>
+              <a:rPr lang="en-US" spc="-50" dirty="0"/>
+              <a:t>User searches for products:</a:t>
+            </a:r>
+          </a:p>
+          <a:p>
+            <a:pPr marL="742950" lvl="1" indent="-285750">
+              <a:lnSpc>
+                <a:spcPts val="1500"/>
+              </a:lnSpc>
+              <a:buFont typeface="+mj-lt"/>
+              <a:buAutoNum type="arabicPeriod"/>
+            </a:pPr>
+            <a:r>
+              <a:rPr lang="en-US" sz="1800" spc="-50" dirty="0"/>
+              <a:t>Frontend sends a search query to the Backend API.</a:t>
+            </a:r>
+          </a:p>
+          <a:p>
+            <a:pPr marL="742950" lvl="1" indent="-285750">
+              <a:lnSpc>
+                <a:spcPts val="1500"/>
+              </a:lnSpc>
+              <a:buFont typeface="+mj-lt"/>
+              <a:buAutoNum type="arabicPeriod"/>
+            </a:pPr>
+            <a:r>
+              <a:rPr lang="en-US" sz="1800" spc="-50" dirty="0"/>
+              <a:t>Backend API queries the Products Table and </a:t>
+            </a:r>
+            <a:r>
+              <a:rPr lang="en-US" sz="1800" spc="-50" dirty="0" err="1"/>
+              <a:t>Store_Product_Data</a:t>
+            </a:r>
+            <a:r>
+              <a:rPr lang="en-US" sz="1800" spc="-50" dirty="0"/>
+              <a:t> Table to fetch the relevant product data.</a:t>
+            </a:r>
+          </a:p>
+          <a:p>
+            <a:pPr marL="742950" lvl="1" indent="-285750">
+              <a:lnSpc>
+                <a:spcPts val="1500"/>
+              </a:lnSpc>
+              <a:buFont typeface="+mj-lt"/>
+              <a:buAutoNum type="arabicPeriod"/>
+            </a:pPr>
+            <a:r>
+              <a:rPr lang="en-US" sz="1800" spc="-50" dirty="0"/>
+              <a:t>The results are sent back to the Frontend for display.</a:t>
+            </a:r>
+          </a:p>
+          <a:p>
+            <a:pPr>
+              <a:lnSpc>
+                <a:spcPts val="1500"/>
+              </a:lnSpc>
+              <a:buFont typeface="+mj-lt"/>
+              <a:buAutoNum type="arabicPeriod"/>
+            </a:pPr>
+            <a:r>
+              <a:rPr lang="en-US" spc="-50" dirty="0"/>
+              <a:t>User interacts with products (e.g., adding to history):</a:t>
+            </a:r>
+          </a:p>
+          <a:p>
+            <a:pPr marL="742950" lvl="1" indent="-285750">
+              <a:lnSpc>
+                <a:spcPts val="1500"/>
+              </a:lnSpc>
+              <a:buFont typeface="+mj-lt"/>
+              <a:buAutoNum type="arabicPeriod"/>
+            </a:pPr>
+            <a:r>
+              <a:rPr lang="en-US" sz="1800" spc="-50" dirty="0"/>
+              <a:t>Backend API stores user-product interaction in the </a:t>
+            </a:r>
+            <a:r>
+              <a:rPr lang="en-US" sz="1800" spc="-50" dirty="0" err="1"/>
+              <a:t>User_Product_History</a:t>
+            </a:r>
+            <a:r>
+              <a:rPr lang="en-US" sz="1800" spc="-50" dirty="0"/>
+              <a:t> Table.</a:t>
+            </a:r>
+          </a:p>
+          <a:p>
+            <a:pPr>
+              <a:lnSpc>
+                <a:spcPts val="1500"/>
+              </a:lnSpc>
+              <a:buFont typeface="+mj-lt"/>
+              <a:buAutoNum type="arabicPeriod"/>
+            </a:pPr>
+            <a:r>
+              <a:rPr lang="en-US" spc="-50" dirty="0"/>
+              <a:t>External store sync:</a:t>
+            </a:r>
+          </a:p>
+          <a:p>
+            <a:pPr marL="742950" lvl="1" indent="-285750">
+              <a:lnSpc>
+                <a:spcPts val="1500"/>
+              </a:lnSpc>
+              <a:buFont typeface="+mj-lt"/>
+              <a:buAutoNum type="arabicPeriod"/>
+            </a:pPr>
+            <a:r>
+              <a:rPr lang="en-US" sz="1800" spc="-50" dirty="0"/>
+              <a:t>Backend API syncs with external stores and stores the API response in the </a:t>
+            </a:r>
+            <a:r>
+              <a:rPr lang="en-US" sz="1800" spc="-50" dirty="0" err="1"/>
+              <a:t>Store_API_Logs</a:t>
+            </a:r>
+            <a:r>
+              <a:rPr lang="en-US" sz="1800" spc="-50" dirty="0"/>
+              <a:t> and </a:t>
+            </a:r>
+            <a:r>
+              <a:rPr lang="en-US" sz="1800" spc="-50" dirty="0" err="1"/>
+              <a:t>Store_API_Responses</a:t>
+            </a:r>
+            <a:r>
+              <a:rPr lang="en-US" sz="1800" spc="-50" dirty="0"/>
+              <a:t> Tables.</a:t>
+            </a:r>
+          </a:p>
+          <a:p>
+            <a:pPr marL="742950" lvl="1" indent="-285750">
+              <a:lnSpc>
+                <a:spcPts val="1500"/>
+              </a:lnSpc>
+              <a:buFont typeface="+mj-lt"/>
+              <a:buAutoNum type="arabicPeriod"/>
+            </a:pPr>
+            <a:r>
+              <a:rPr lang="en-US" sz="1800" spc="-50" dirty="0"/>
+              <a:t>The </a:t>
+            </a:r>
+            <a:r>
+              <a:rPr lang="en-US" sz="1800" spc="-50" dirty="0" err="1"/>
+              <a:t>Store_Syncs</a:t>
+            </a:r>
+            <a:r>
+              <a:rPr lang="en-US" sz="1800" spc="-50" dirty="0"/>
+              <a:t> Table keeps track of when syncs occur.</a:t>
+            </a:r>
+          </a:p>
+          <a:p>
+            <a:pPr>
+              <a:lnSpc>
+                <a:spcPts val="1000"/>
+              </a:lnSpc>
+            </a:pPr>
+            <a:endParaRPr lang="en-US" spc="-50" dirty="0"/>
+          </a:p>
+        </p:txBody>
+      </p:sp>
+    </p:spTree>
+    <p:extLst>
+      <p:ext uri="{BB962C8B-B14F-4D97-AF65-F5344CB8AC3E}">
+        <p14:creationId xmlns:p14="http://schemas.microsoft.com/office/powerpoint/2010/main" val="2671207647"/>
+      </p:ext>
+    </p:extLst>
+  </p:cSld>
+  <p:clrMapOvr>
+    <a:masterClrMapping/>
+  </p:clrMapOvr>
+  <p:timing>
+    <p:tnLst>
+      <p:par>
+        <p:cTn id="1" dur="indefinite" restart="never" nodeType="tmRoot">
+          <p:childTnLst>
+            <p:seq concurrent="1" nextAc="seek">
+              <p:cTn id="2" dur="indefinite" nodeType="mainSeq">
+                <p:childTnLst>
+                  <p:par>
+                    <p:cTn id="3" fill="hold">
+                      <p:stCondLst>
+                        <p:cond delay="indefinite"/>
+                      </p:stCondLst>
+                      <p:childTnLst>
+                        <p:par>
+                          <p:cTn id="4" fill="hold">
+                            <p:stCondLst>
+                              <p:cond delay="0"/>
+                            </p:stCondLst>
+                            <p:childTnLst>
+                              <p:par>
+                                <p:cTn id="5" presetID="42" presetClass="entr" presetSubtype="0" fill="hold" nodeType="clickEffect">
+                                  <p:stCondLst>
+                                    <p:cond delay="0"/>
+                                  </p:stCondLst>
+                                  <p:childTnLst>
+                                    <p:set>
+                                      <p:cBhvr>
+                                        <p:cTn id="6" dur="1" fill="hold">
+                                          <p:stCondLst>
+                                            <p:cond delay="0"/>
+                                          </p:stCondLst>
+                                        </p:cTn>
+                                        <p:tgtEl>
+                                          <p:spTgt spid="3">
+                                            <p:txEl>
+                                              <p:pRg st="0" end="0"/>
+                                            </p:txEl>
+                                          </p:spTgt>
+                                        </p:tgtEl>
+                                        <p:attrNameLst>
+                                          <p:attrName>style.visibility</p:attrName>
+                                        </p:attrNameLst>
+                                      </p:cBhvr>
+                                      <p:to>
+                                        <p:strVal val="visible"/>
+                                      </p:to>
+                                    </p:set>
+                                    <p:animEffect transition="in" filter="fade">
+                                      <p:cBhvr>
+                                        <p:cTn id="7" dur="1000"/>
+                                        <p:tgtEl>
+                                          <p:spTgt spid="3">
+                                            <p:txEl>
+                                              <p:pRg st="0" end="0"/>
+                                            </p:txEl>
+                                          </p:spTgt>
+                                        </p:tgtEl>
+                                      </p:cBhvr>
+                                    </p:animEffect>
+                                    <p:anim calcmode="lin" valueType="num">
+                                      <p:cBhvr>
+                                        <p:cTn id="8" dur="1000" fill="hold"/>
+                                        <p:tgtEl>
+                                          <p:spTgt spid="3">
+                                            <p:txEl>
+                                              <p:pRg st="0" end="0"/>
+                                            </p:txEl>
+                                          </p:spTgt>
+                                        </p:tgtEl>
+                                        <p:attrNameLst>
+                                          <p:attrName>ppt_x</p:attrName>
+                                        </p:attrNameLst>
+                                      </p:cBhvr>
+                                      <p:tavLst>
+                                        <p:tav tm="0">
+                                          <p:val>
+                                            <p:strVal val="#ppt_x"/>
+                                          </p:val>
+                                        </p:tav>
+                                        <p:tav tm="100000">
+                                          <p:val>
+                                            <p:strVal val="#ppt_x"/>
+                                          </p:val>
+                                        </p:tav>
+                                      </p:tavLst>
+                                    </p:anim>
+                                    <p:anim calcmode="lin" valueType="num">
+                                      <p:cBhvr>
+                                        <p:cTn id="9" dur="1000" fill="hold"/>
+                                        <p:tgtEl>
+                                          <p:spTgt spid="3">
+                                            <p:txEl>
+                                              <p:pRg st="0" end="0"/>
+                                            </p:txEl>
+                                          </p:spTgt>
+                                        </p:tgtEl>
+                                        <p:attrNameLst>
+                                          <p:attrName>ppt_y</p:attrName>
+                                        </p:attrNameLst>
+                                      </p:cBhvr>
+                                      <p:tavLst>
+                                        <p:tav tm="0">
+                                          <p:val>
+                                            <p:strVal val="#ppt_y+.1"/>
+                                          </p:val>
+                                        </p:tav>
+                                        <p:tav tm="100000">
+                                          <p:val>
+                                            <p:strVal val="#ppt_y"/>
+                                          </p:val>
+                                        </p:tav>
+                                      </p:tavLst>
+                                    </p:anim>
+                                  </p:childTnLst>
+                                </p:cTn>
+                              </p:par>
+                              <p:par>
+                                <p:cTn id="10" presetID="42" presetClass="entr" presetSubtype="0" fill="hold" nodeType="withEffect">
+                                  <p:stCondLst>
+                                    <p:cond delay="0"/>
+                                  </p:stCondLst>
+                                  <p:childTnLst>
+                                    <p:set>
+                                      <p:cBhvr>
+                                        <p:cTn id="11" dur="1" fill="hold">
+                                          <p:stCondLst>
+                                            <p:cond delay="0"/>
+                                          </p:stCondLst>
+                                        </p:cTn>
+                                        <p:tgtEl>
+                                          <p:spTgt spid="3">
+                                            <p:txEl>
+                                              <p:pRg st="1" end="1"/>
+                                            </p:txEl>
+                                          </p:spTgt>
+                                        </p:tgtEl>
+                                        <p:attrNameLst>
+                                          <p:attrName>style.visibility</p:attrName>
+                                        </p:attrNameLst>
+                                      </p:cBhvr>
+                                      <p:to>
+                                        <p:strVal val="visible"/>
+                                      </p:to>
+                                    </p:set>
+                                    <p:animEffect transition="in" filter="fade">
+                                      <p:cBhvr>
+                                        <p:cTn id="12" dur="1000"/>
+                                        <p:tgtEl>
+                                          <p:spTgt spid="3">
+                                            <p:txEl>
+                                              <p:pRg st="1" end="1"/>
+                                            </p:txEl>
+                                          </p:spTgt>
+                                        </p:tgtEl>
+                                      </p:cBhvr>
+                                    </p:animEffect>
+                                    <p:anim calcmode="lin" valueType="num">
+                                      <p:cBhvr>
+                                        <p:cTn id="13" dur="1000" fill="hold"/>
+                                        <p:tgtEl>
+                                          <p:spTgt spid="3">
+                                            <p:txEl>
+                                              <p:pRg st="1" end="1"/>
+                                            </p:txEl>
+                                          </p:spTgt>
+                                        </p:tgtEl>
+                                        <p:attrNameLst>
+                                          <p:attrName>ppt_x</p:attrName>
+                                        </p:attrNameLst>
+                                      </p:cBhvr>
+                                      <p:tavLst>
+                                        <p:tav tm="0">
+                                          <p:val>
+                                            <p:strVal val="#ppt_x"/>
+                                          </p:val>
+                                        </p:tav>
+                                        <p:tav tm="100000">
+                                          <p:val>
+                                            <p:strVal val="#ppt_x"/>
+                                          </p:val>
+                                        </p:tav>
+                                      </p:tavLst>
+                                    </p:anim>
+                                    <p:anim calcmode="lin" valueType="num">
+                                      <p:cBhvr>
+                                        <p:cTn id="14" dur="1000" fill="hold"/>
+                                        <p:tgtEl>
+                                          <p:spTgt spid="3">
+                                            <p:txEl>
+                                              <p:pRg st="1" end="1"/>
+                                            </p:txEl>
+                                          </p:spTgt>
+                                        </p:tgtEl>
+                                        <p:attrNameLst>
+                                          <p:attrName>ppt_y</p:attrName>
+                                        </p:attrNameLst>
+                                      </p:cBhvr>
+                                      <p:tavLst>
+                                        <p:tav tm="0">
+                                          <p:val>
+                                            <p:strVal val="#ppt_y+.1"/>
+                                          </p:val>
+                                        </p:tav>
+                                        <p:tav tm="100000">
+                                          <p:val>
+                                            <p:strVal val="#ppt_y"/>
+                                          </p:val>
+                                        </p:tav>
+                                      </p:tavLst>
+                                    </p:anim>
+                                  </p:childTnLst>
+                                </p:cTn>
+                              </p:par>
+                              <p:par>
+                                <p:cTn id="15" presetID="42" presetClass="entr" presetSubtype="0" fill="hold" nodeType="withEffect">
+                                  <p:stCondLst>
+                                    <p:cond delay="0"/>
+                                  </p:stCondLst>
+                                  <p:childTnLst>
+                                    <p:set>
+                                      <p:cBhvr>
+                                        <p:cTn id="16" dur="1" fill="hold">
+                                          <p:stCondLst>
+                                            <p:cond delay="0"/>
+                                          </p:stCondLst>
+                                        </p:cTn>
+                                        <p:tgtEl>
+                                          <p:spTgt spid="3">
+                                            <p:txEl>
+                                              <p:pRg st="2" end="2"/>
+                                            </p:txEl>
+                                          </p:spTgt>
+                                        </p:tgtEl>
+                                        <p:attrNameLst>
+                                          <p:attrName>style.visibility</p:attrName>
+                                        </p:attrNameLst>
+                                      </p:cBhvr>
+                                      <p:to>
+                                        <p:strVal val="visible"/>
+                                      </p:to>
+                                    </p:set>
+                                    <p:animEffect transition="in" filter="fade">
+                                      <p:cBhvr>
+                                        <p:cTn id="17" dur="1000"/>
+                                        <p:tgtEl>
+                                          <p:spTgt spid="3">
+                                            <p:txEl>
+                                              <p:pRg st="2" end="2"/>
+                                            </p:txEl>
+                                          </p:spTgt>
+                                        </p:tgtEl>
+                                      </p:cBhvr>
+                                    </p:animEffect>
+                                    <p:anim calcmode="lin" valueType="num">
+                                      <p:cBhvr>
+                                        <p:cTn id="18" dur="1000" fill="hold"/>
+                                        <p:tgtEl>
+                                          <p:spTgt spid="3">
+                                            <p:txEl>
+                                              <p:pRg st="2" end="2"/>
+                                            </p:txEl>
+                                          </p:spTgt>
+                                        </p:tgtEl>
+                                        <p:attrNameLst>
+                                          <p:attrName>ppt_x</p:attrName>
+                                        </p:attrNameLst>
+                                      </p:cBhvr>
+                                      <p:tavLst>
+                                        <p:tav tm="0">
+                                          <p:val>
+                                            <p:strVal val="#ppt_x"/>
+                                          </p:val>
+                                        </p:tav>
+                                        <p:tav tm="100000">
+                                          <p:val>
+                                            <p:strVal val="#ppt_x"/>
+                                          </p:val>
+                                        </p:tav>
+                                      </p:tavLst>
+                                    </p:anim>
+                                    <p:anim calcmode="lin" valueType="num">
+                                      <p:cBhvr>
+                                        <p:cTn id="19" dur="1000" fill="hold"/>
+                                        <p:tgtEl>
+                                          <p:spTgt spid="3">
+                                            <p:txEl>
+                                              <p:pRg st="2" end="2"/>
+                                            </p:txEl>
+                                          </p:spTgt>
+                                        </p:tgtEl>
+                                        <p:attrNameLst>
+                                          <p:attrName>ppt_y</p:attrName>
+                                        </p:attrNameLst>
+                                      </p:cBhvr>
+                                      <p:tavLst>
+                                        <p:tav tm="0">
+                                          <p:val>
+                                            <p:strVal val="#ppt_y+.1"/>
+                                          </p:val>
+                                        </p:tav>
+                                        <p:tav tm="100000">
+                                          <p:val>
+                                            <p:strVal val="#ppt_y"/>
+                                          </p:val>
+                                        </p:tav>
+                                      </p:tavLst>
+                                    </p:anim>
+                                  </p:childTnLst>
+                                </p:cTn>
+                              </p:par>
+                              <p:par>
+                                <p:cTn id="20" presetID="42" presetClass="entr" presetSubtype="0" fill="hold" nodeType="withEffect">
+                                  <p:stCondLst>
+                                    <p:cond delay="0"/>
+                                  </p:stCondLst>
+                                  <p:childTnLst>
+                                    <p:set>
+                                      <p:cBhvr>
+                                        <p:cTn id="21" dur="1" fill="hold">
+                                          <p:stCondLst>
+                                            <p:cond delay="0"/>
+                                          </p:stCondLst>
+                                        </p:cTn>
+                                        <p:tgtEl>
+                                          <p:spTgt spid="3">
+                                            <p:txEl>
+                                              <p:pRg st="3" end="3"/>
+                                            </p:txEl>
+                                          </p:spTgt>
+                                        </p:tgtEl>
+                                        <p:attrNameLst>
+                                          <p:attrName>style.visibility</p:attrName>
+                                        </p:attrNameLst>
+                                      </p:cBhvr>
+                                      <p:to>
+                                        <p:strVal val="visible"/>
+                                      </p:to>
+                                    </p:set>
+                                    <p:animEffect transition="in" filter="fade">
+                                      <p:cBhvr>
+                                        <p:cTn id="22" dur="1000"/>
+                                        <p:tgtEl>
+                                          <p:spTgt spid="3">
+                                            <p:txEl>
+                                              <p:pRg st="3" end="3"/>
+                                            </p:txEl>
+                                          </p:spTgt>
+                                        </p:tgtEl>
+                                      </p:cBhvr>
+                                    </p:animEffect>
+                                    <p:anim calcmode="lin" valueType="num">
+                                      <p:cBhvr>
+                                        <p:cTn id="23" dur="1000" fill="hold"/>
+                                        <p:tgtEl>
+                                          <p:spTgt spid="3">
+                                            <p:txEl>
+                                              <p:pRg st="3" end="3"/>
+                                            </p:txEl>
+                                          </p:spTgt>
+                                        </p:tgtEl>
+                                        <p:attrNameLst>
+                                          <p:attrName>ppt_x</p:attrName>
+                                        </p:attrNameLst>
+                                      </p:cBhvr>
+                                      <p:tavLst>
+                                        <p:tav tm="0">
+                                          <p:val>
+                                            <p:strVal val="#ppt_x"/>
+                                          </p:val>
+                                        </p:tav>
+                                        <p:tav tm="100000">
+                                          <p:val>
+                                            <p:strVal val="#ppt_x"/>
+                                          </p:val>
+                                        </p:tav>
+                                      </p:tavLst>
+                                    </p:anim>
+                                    <p:anim calcmode="lin" valueType="num">
+                                      <p:cBhvr>
+                                        <p:cTn id="24" dur="1000" fill="hold"/>
+                                        <p:tgtEl>
+                                          <p:spTgt spid="3">
+                                            <p:txEl>
+                                              <p:pRg st="3" end="3"/>
+                                            </p:txEl>
+                                          </p:spTgt>
+                                        </p:tgtEl>
+                                        <p:attrNameLst>
+                                          <p:attrName>ppt_y</p:attrName>
+                                        </p:attrNameLst>
+                                      </p:cBhvr>
+                                      <p:tavLst>
+                                        <p:tav tm="0">
+                                          <p:val>
+                                            <p:strVal val="#ppt_y+.1"/>
+                                          </p:val>
+                                        </p:tav>
+                                        <p:tav tm="100000">
+                                          <p:val>
+                                            <p:strVal val="#ppt_y"/>
+                                          </p:val>
+                                        </p:tav>
+                                      </p:tavLst>
+                                    </p:anim>
+                                  </p:childTnLst>
+                                </p:cTn>
+                              </p:par>
+                            </p:childTnLst>
+                          </p:cTn>
+                        </p:par>
+                        <p:par>
+                          <p:cTn id="25" fill="hold">
+                            <p:stCondLst>
+                              <p:cond delay="1000"/>
+                            </p:stCondLst>
+                            <p:childTnLst>
+                              <p:par>
+                                <p:cTn id="26" presetID="42" presetClass="entr" presetSubtype="0" fill="hold" nodeType="afterEffect">
+                                  <p:stCondLst>
+                                    <p:cond delay="1000"/>
+                                  </p:stCondLst>
+                                  <p:childTnLst>
+                                    <p:set>
+                                      <p:cBhvr>
+                                        <p:cTn id="27" dur="1" fill="hold">
+                                          <p:stCondLst>
+                                            <p:cond delay="0"/>
+                                          </p:stCondLst>
+                                        </p:cTn>
+                                        <p:tgtEl>
+                                          <p:spTgt spid="3">
+                                            <p:txEl>
+                                              <p:pRg st="4" end="4"/>
+                                            </p:txEl>
+                                          </p:spTgt>
+                                        </p:tgtEl>
+                                        <p:attrNameLst>
+                                          <p:attrName>style.visibility</p:attrName>
+                                        </p:attrNameLst>
+                                      </p:cBhvr>
+                                      <p:to>
+                                        <p:strVal val="visible"/>
+                                      </p:to>
+                                    </p:set>
+                                    <p:animEffect transition="in" filter="fade">
+                                      <p:cBhvr>
+                                        <p:cTn id="28" dur="1000"/>
+                                        <p:tgtEl>
+                                          <p:spTgt spid="3">
+                                            <p:txEl>
+                                              <p:pRg st="4" end="4"/>
+                                            </p:txEl>
+                                          </p:spTgt>
+                                        </p:tgtEl>
+                                      </p:cBhvr>
+                                    </p:animEffect>
+                                    <p:anim calcmode="lin" valueType="num">
+                                      <p:cBhvr>
+                                        <p:cTn id="29" dur="1000" fill="hold"/>
+                                        <p:tgtEl>
+                                          <p:spTgt spid="3">
+                                            <p:txEl>
+                                              <p:pRg st="4" end="4"/>
+                                            </p:txEl>
+                                          </p:spTgt>
+                                        </p:tgtEl>
+                                        <p:attrNameLst>
+                                          <p:attrName>ppt_x</p:attrName>
+                                        </p:attrNameLst>
+                                      </p:cBhvr>
+                                      <p:tavLst>
+                                        <p:tav tm="0">
+                                          <p:val>
+                                            <p:strVal val="#ppt_x"/>
+                                          </p:val>
+                                        </p:tav>
+                                        <p:tav tm="100000">
+                                          <p:val>
+                                            <p:strVal val="#ppt_x"/>
+                                          </p:val>
+                                        </p:tav>
+                                      </p:tavLst>
+                                    </p:anim>
+                                    <p:anim calcmode="lin" valueType="num">
+                                      <p:cBhvr>
+                                        <p:cTn id="30" dur="1000" fill="hold"/>
+                                        <p:tgtEl>
+                                          <p:spTgt spid="3">
+                                            <p:txEl>
+                                              <p:pRg st="4" end="4"/>
+                                            </p:txEl>
+                                          </p:spTgt>
+                                        </p:tgtEl>
+                                        <p:attrNameLst>
+                                          <p:attrName>ppt_y</p:attrName>
+                                        </p:attrNameLst>
+                                      </p:cBhvr>
+                                      <p:tavLst>
+                                        <p:tav tm="0">
+                                          <p:val>
+                                            <p:strVal val="#ppt_y+.1"/>
+                                          </p:val>
+                                        </p:tav>
+                                        <p:tav tm="100000">
+                                          <p:val>
+                                            <p:strVal val="#ppt_y"/>
+                                          </p:val>
+                                        </p:tav>
+                                      </p:tavLst>
+                                    </p:anim>
+                                  </p:childTnLst>
+                                </p:cTn>
+                              </p:par>
+                              <p:par>
+                                <p:cTn id="31" presetID="42" presetClass="entr" presetSubtype="0" fill="hold" nodeType="withEffect">
+                                  <p:stCondLst>
+                                    <p:cond delay="1000"/>
+                                  </p:stCondLst>
+                                  <p:childTnLst>
+                                    <p:set>
+                                      <p:cBhvr>
+                                        <p:cTn id="32" dur="1" fill="hold">
+                                          <p:stCondLst>
+                                            <p:cond delay="0"/>
+                                          </p:stCondLst>
+                                        </p:cTn>
+                                        <p:tgtEl>
+                                          <p:spTgt spid="3">
+                                            <p:txEl>
+                                              <p:pRg st="5" end="5"/>
+                                            </p:txEl>
+                                          </p:spTgt>
+                                        </p:tgtEl>
+                                        <p:attrNameLst>
+                                          <p:attrName>style.visibility</p:attrName>
+                                        </p:attrNameLst>
+                                      </p:cBhvr>
+                                      <p:to>
+                                        <p:strVal val="visible"/>
+                                      </p:to>
+                                    </p:set>
+                                    <p:animEffect transition="in" filter="fade">
+                                      <p:cBhvr>
+                                        <p:cTn id="33" dur="1000"/>
+                                        <p:tgtEl>
+                                          <p:spTgt spid="3">
+                                            <p:txEl>
+                                              <p:pRg st="5" end="5"/>
+                                            </p:txEl>
+                                          </p:spTgt>
+                                        </p:tgtEl>
+                                      </p:cBhvr>
+                                    </p:animEffect>
+                                    <p:anim calcmode="lin" valueType="num">
+                                      <p:cBhvr>
+                                        <p:cTn id="34" dur="1000" fill="hold"/>
+                                        <p:tgtEl>
+                                          <p:spTgt spid="3">
+                                            <p:txEl>
+                                              <p:pRg st="5" end="5"/>
+                                            </p:txEl>
+                                          </p:spTgt>
+                                        </p:tgtEl>
+                                        <p:attrNameLst>
+                                          <p:attrName>ppt_x</p:attrName>
+                                        </p:attrNameLst>
+                                      </p:cBhvr>
+                                      <p:tavLst>
+                                        <p:tav tm="0">
+                                          <p:val>
+                                            <p:strVal val="#ppt_x"/>
+                                          </p:val>
+                                        </p:tav>
+                                        <p:tav tm="100000">
+                                          <p:val>
+                                            <p:strVal val="#ppt_x"/>
+                                          </p:val>
+                                        </p:tav>
+                                      </p:tavLst>
+                                    </p:anim>
+                                    <p:anim calcmode="lin" valueType="num">
+                                      <p:cBhvr>
+                                        <p:cTn id="35" dur="1000" fill="hold"/>
+                                        <p:tgtEl>
+                                          <p:spTgt spid="3">
+                                            <p:txEl>
+                                              <p:pRg st="5" end="5"/>
+                                            </p:txEl>
+                                          </p:spTgt>
+                                        </p:tgtEl>
+                                        <p:attrNameLst>
+                                          <p:attrName>ppt_y</p:attrName>
+                                        </p:attrNameLst>
+                                      </p:cBhvr>
+                                      <p:tavLst>
+                                        <p:tav tm="0">
+                                          <p:val>
+                                            <p:strVal val="#ppt_y+.1"/>
+                                          </p:val>
+                                        </p:tav>
+                                        <p:tav tm="100000">
+                                          <p:val>
+                                            <p:strVal val="#ppt_y"/>
+                                          </p:val>
+                                        </p:tav>
+                                      </p:tavLst>
+                                    </p:anim>
+                                  </p:childTnLst>
+                                </p:cTn>
+                              </p:par>
+                              <p:par>
+                                <p:cTn id="36" presetID="42" presetClass="entr" presetSubtype="0" fill="hold" nodeType="withEffect">
+                                  <p:stCondLst>
+                                    <p:cond delay="1000"/>
+                                  </p:stCondLst>
+                                  <p:childTnLst>
+                                    <p:set>
+                                      <p:cBhvr>
+                                        <p:cTn id="37" dur="1" fill="hold">
+                                          <p:stCondLst>
+                                            <p:cond delay="0"/>
+                                          </p:stCondLst>
+                                        </p:cTn>
+                                        <p:tgtEl>
+                                          <p:spTgt spid="3">
+                                            <p:txEl>
+                                              <p:pRg st="6" end="6"/>
+                                            </p:txEl>
+                                          </p:spTgt>
+                                        </p:tgtEl>
+                                        <p:attrNameLst>
+                                          <p:attrName>style.visibility</p:attrName>
+                                        </p:attrNameLst>
+                                      </p:cBhvr>
+                                      <p:to>
+                                        <p:strVal val="visible"/>
+                                      </p:to>
+                                    </p:set>
+                                    <p:animEffect transition="in" filter="fade">
+                                      <p:cBhvr>
+                                        <p:cTn id="38" dur="1000"/>
+                                        <p:tgtEl>
+                                          <p:spTgt spid="3">
+                                            <p:txEl>
+                                              <p:pRg st="6" end="6"/>
+                                            </p:txEl>
+                                          </p:spTgt>
+                                        </p:tgtEl>
+                                      </p:cBhvr>
+                                    </p:animEffect>
+                                    <p:anim calcmode="lin" valueType="num">
+                                      <p:cBhvr>
+                                        <p:cTn id="39" dur="1000" fill="hold"/>
+                                        <p:tgtEl>
+                                          <p:spTgt spid="3">
+                                            <p:txEl>
+                                              <p:pRg st="6" end="6"/>
+                                            </p:txEl>
+                                          </p:spTgt>
+                                        </p:tgtEl>
+                                        <p:attrNameLst>
+                                          <p:attrName>ppt_x</p:attrName>
+                                        </p:attrNameLst>
+                                      </p:cBhvr>
+                                      <p:tavLst>
+                                        <p:tav tm="0">
+                                          <p:val>
+                                            <p:strVal val="#ppt_x"/>
+                                          </p:val>
+                                        </p:tav>
+                                        <p:tav tm="100000">
+                                          <p:val>
+                                            <p:strVal val="#ppt_x"/>
+                                          </p:val>
+                                        </p:tav>
+                                      </p:tavLst>
+                                    </p:anim>
+                                    <p:anim calcmode="lin" valueType="num">
+                                      <p:cBhvr>
+                                        <p:cTn id="40" dur="1000" fill="hold"/>
+                                        <p:tgtEl>
+                                          <p:spTgt spid="3">
+                                            <p:txEl>
+                                              <p:pRg st="6" end="6"/>
+                                            </p:txEl>
+                                          </p:spTgt>
+                                        </p:tgtEl>
+                                        <p:attrNameLst>
+                                          <p:attrName>ppt_y</p:attrName>
+                                        </p:attrNameLst>
+                                      </p:cBhvr>
+                                      <p:tavLst>
+                                        <p:tav tm="0">
+                                          <p:val>
+                                            <p:strVal val="#ppt_y+.1"/>
+                                          </p:val>
+                                        </p:tav>
+                                        <p:tav tm="100000">
+                                          <p:val>
+                                            <p:strVal val="#ppt_y"/>
+                                          </p:val>
+                                        </p:tav>
+                                      </p:tavLst>
+                                    </p:anim>
+                                  </p:childTnLst>
+                                </p:cTn>
+                              </p:par>
+                              <p:par>
+                                <p:cTn id="41" presetID="42" presetClass="entr" presetSubtype="0" fill="hold" nodeType="withEffect">
+                                  <p:stCondLst>
+                                    <p:cond delay="1000"/>
+                                  </p:stCondLst>
+                                  <p:childTnLst>
+                                    <p:set>
+                                      <p:cBhvr>
+                                        <p:cTn id="42" dur="1" fill="hold">
+                                          <p:stCondLst>
+                                            <p:cond delay="0"/>
+                                          </p:stCondLst>
+                                        </p:cTn>
+                                        <p:tgtEl>
+                                          <p:spTgt spid="3">
+                                            <p:txEl>
+                                              <p:pRg st="7" end="7"/>
+                                            </p:txEl>
+                                          </p:spTgt>
+                                        </p:tgtEl>
+                                        <p:attrNameLst>
+                                          <p:attrName>style.visibility</p:attrName>
+                                        </p:attrNameLst>
+                                      </p:cBhvr>
+                                      <p:to>
+                                        <p:strVal val="visible"/>
+                                      </p:to>
+                                    </p:set>
+                                    <p:animEffect transition="in" filter="fade">
+                                      <p:cBhvr>
+                                        <p:cTn id="43" dur="1000"/>
+                                        <p:tgtEl>
+                                          <p:spTgt spid="3">
+                                            <p:txEl>
+                                              <p:pRg st="7" end="7"/>
+                                            </p:txEl>
+                                          </p:spTgt>
+                                        </p:tgtEl>
+                                      </p:cBhvr>
+                                    </p:animEffect>
+                                    <p:anim calcmode="lin" valueType="num">
+                                      <p:cBhvr>
+                                        <p:cTn id="44" dur="1000" fill="hold"/>
+                                        <p:tgtEl>
+                                          <p:spTgt spid="3">
+                                            <p:txEl>
+                                              <p:pRg st="7" end="7"/>
+                                            </p:txEl>
+                                          </p:spTgt>
+                                        </p:tgtEl>
+                                        <p:attrNameLst>
+                                          <p:attrName>ppt_x</p:attrName>
+                                        </p:attrNameLst>
+                                      </p:cBhvr>
+                                      <p:tavLst>
+                                        <p:tav tm="0">
+                                          <p:val>
+                                            <p:strVal val="#ppt_x"/>
+                                          </p:val>
+                                        </p:tav>
+                                        <p:tav tm="100000">
+                                          <p:val>
+                                            <p:strVal val="#ppt_x"/>
+                                          </p:val>
+                                        </p:tav>
+                                      </p:tavLst>
+                                    </p:anim>
+                                    <p:anim calcmode="lin" valueType="num">
+                                      <p:cBhvr>
+                                        <p:cTn id="45" dur="1000" fill="hold"/>
+                                        <p:tgtEl>
+                                          <p:spTgt spid="3">
+                                            <p:txEl>
+                                              <p:pRg st="7" end="7"/>
+                                            </p:txEl>
+                                          </p:spTgt>
+                                        </p:tgtEl>
+                                        <p:attrNameLst>
+                                          <p:attrName>ppt_y</p:attrName>
+                                        </p:attrNameLst>
+                                      </p:cBhvr>
+                                      <p:tavLst>
+                                        <p:tav tm="0">
+                                          <p:val>
+                                            <p:strVal val="#ppt_y+.1"/>
+                                          </p:val>
+                                        </p:tav>
+                                        <p:tav tm="100000">
+                                          <p:val>
+                                            <p:strVal val="#ppt_y"/>
+                                          </p:val>
+                                        </p:tav>
+                                      </p:tavLst>
+                                    </p:anim>
+                                  </p:childTnLst>
+                                </p:cTn>
+                              </p:par>
+                            </p:childTnLst>
+                          </p:cTn>
+                        </p:par>
+                        <p:par>
+                          <p:cTn id="46" fill="hold">
+                            <p:stCondLst>
+                              <p:cond delay="3000"/>
+                            </p:stCondLst>
+                            <p:childTnLst>
+                              <p:par>
+                                <p:cTn id="47" presetID="42" presetClass="entr" presetSubtype="0" fill="hold" nodeType="afterEffect">
+                                  <p:stCondLst>
+                                    <p:cond delay="0"/>
+                                  </p:stCondLst>
+                                  <p:childTnLst>
+                                    <p:set>
+                                      <p:cBhvr>
+                                        <p:cTn id="48" dur="1" fill="hold">
+                                          <p:stCondLst>
+                                            <p:cond delay="0"/>
+                                          </p:stCondLst>
+                                        </p:cTn>
+                                        <p:tgtEl>
+                                          <p:spTgt spid="3">
+                                            <p:txEl>
+                                              <p:pRg st="8" end="8"/>
+                                            </p:txEl>
+                                          </p:spTgt>
+                                        </p:tgtEl>
+                                        <p:attrNameLst>
+                                          <p:attrName>style.visibility</p:attrName>
+                                        </p:attrNameLst>
+                                      </p:cBhvr>
+                                      <p:to>
+                                        <p:strVal val="visible"/>
+                                      </p:to>
+                                    </p:set>
+                                    <p:animEffect transition="in" filter="fade">
+                                      <p:cBhvr>
+                                        <p:cTn id="49" dur="1000"/>
+                                        <p:tgtEl>
+                                          <p:spTgt spid="3">
+                                            <p:txEl>
+                                              <p:pRg st="8" end="8"/>
+                                            </p:txEl>
+                                          </p:spTgt>
+                                        </p:tgtEl>
+                                      </p:cBhvr>
+                                    </p:animEffect>
+                                    <p:anim calcmode="lin" valueType="num">
+                                      <p:cBhvr>
+                                        <p:cTn id="50" dur="1000" fill="hold"/>
+                                        <p:tgtEl>
+                                          <p:spTgt spid="3">
+                                            <p:txEl>
+                                              <p:pRg st="8" end="8"/>
+                                            </p:txEl>
+                                          </p:spTgt>
+                                        </p:tgtEl>
+                                        <p:attrNameLst>
+                                          <p:attrName>ppt_x</p:attrName>
+                                        </p:attrNameLst>
+                                      </p:cBhvr>
+                                      <p:tavLst>
+                                        <p:tav tm="0">
+                                          <p:val>
+                                            <p:strVal val="#ppt_x"/>
+                                          </p:val>
+                                        </p:tav>
+                                        <p:tav tm="100000">
+                                          <p:val>
+                                            <p:strVal val="#ppt_x"/>
+                                          </p:val>
+                                        </p:tav>
+                                      </p:tavLst>
+                                    </p:anim>
+                                    <p:anim calcmode="lin" valueType="num">
+                                      <p:cBhvr>
+                                        <p:cTn id="51" dur="1000" fill="hold"/>
+                                        <p:tgtEl>
+                                          <p:spTgt spid="3">
+                                            <p:txEl>
+                                              <p:pRg st="8" end="8"/>
+                                            </p:txEl>
+                                          </p:spTgt>
+                                        </p:tgtEl>
+                                        <p:attrNameLst>
+                                          <p:attrName>ppt_y</p:attrName>
+                                        </p:attrNameLst>
+                                      </p:cBhvr>
+                                      <p:tavLst>
+                                        <p:tav tm="0">
+                                          <p:val>
+                                            <p:strVal val="#ppt_y+.1"/>
+                                          </p:val>
+                                        </p:tav>
+                                        <p:tav tm="100000">
+                                          <p:val>
+                                            <p:strVal val="#ppt_y"/>
+                                          </p:val>
+                                        </p:tav>
+                                      </p:tavLst>
+                                    </p:anim>
+                                  </p:childTnLst>
+                                </p:cTn>
+                              </p:par>
+                              <p:par>
+                                <p:cTn id="52" presetID="42" presetClass="entr" presetSubtype="0" fill="hold" nodeType="withEffect">
+                                  <p:stCondLst>
+                                    <p:cond delay="0"/>
+                                  </p:stCondLst>
+                                  <p:childTnLst>
+                                    <p:set>
+                                      <p:cBhvr>
+                                        <p:cTn id="53" dur="1" fill="hold">
+                                          <p:stCondLst>
+                                            <p:cond delay="0"/>
+                                          </p:stCondLst>
+                                        </p:cTn>
+                                        <p:tgtEl>
+                                          <p:spTgt spid="3">
+                                            <p:txEl>
+                                              <p:pRg st="9" end="9"/>
+                                            </p:txEl>
+                                          </p:spTgt>
+                                        </p:tgtEl>
+                                        <p:attrNameLst>
+                                          <p:attrName>style.visibility</p:attrName>
+                                        </p:attrNameLst>
+                                      </p:cBhvr>
+                                      <p:to>
+                                        <p:strVal val="visible"/>
+                                      </p:to>
+                                    </p:set>
+                                    <p:animEffect transition="in" filter="fade">
+                                      <p:cBhvr>
+                                        <p:cTn id="54" dur="1000"/>
+                                        <p:tgtEl>
+                                          <p:spTgt spid="3">
+                                            <p:txEl>
+                                              <p:pRg st="9" end="9"/>
+                                            </p:txEl>
+                                          </p:spTgt>
+                                        </p:tgtEl>
+                                      </p:cBhvr>
+                                    </p:animEffect>
+                                    <p:anim calcmode="lin" valueType="num">
+                                      <p:cBhvr>
+                                        <p:cTn id="55" dur="1000" fill="hold"/>
+                                        <p:tgtEl>
+                                          <p:spTgt spid="3">
+                                            <p:txEl>
+                                              <p:pRg st="9" end="9"/>
+                                            </p:txEl>
+                                          </p:spTgt>
+                                        </p:tgtEl>
+                                        <p:attrNameLst>
+                                          <p:attrName>ppt_x</p:attrName>
+                                        </p:attrNameLst>
+                                      </p:cBhvr>
+                                      <p:tavLst>
+                                        <p:tav tm="0">
+                                          <p:val>
+                                            <p:strVal val="#ppt_x"/>
+                                          </p:val>
+                                        </p:tav>
+                                        <p:tav tm="100000">
+                                          <p:val>
+                                            <p:strVal val="#ppt_x"/>
+                                          </p:val>
+                                        </p:tav>
+                                      </p:tavLst>
+                                    </p:anim>
+                                    <p:anim calcmode="lin" valueType="num">
+                                      <p:cBhvr>
+                                        <p:cTn id="56" dur="1000" fill="hold"/>
+                                        <p:tgtEl>
+                                          <p:spTgt spid="3">
+                                            <p:txEl>
+                                              <p:pRg st="9" end="9"/>
+                                            </p:txEl>
+                                          </p:spTgt>
+                                        </p:tgtEl>
+                                        <p:attrNameLst>
+                                          <p:attrName>ppt_y</p:attrName>
+                                        </p:attrNameLst>
+                                      </p:cBhvr>
+                                      <p:tavLst>
+                                        <p:tav tm="0">
+                                          <p:val>
+                                            <p:strVal val="#ppt_y+.1"/>
+                                          </p:val>
+                                        </p:tav>
+                                        <p:tav tm="100000">
+                                          <p:val>
+                                            <p:strVal val="#ppt_y"/>
+                                          </p:val>
+                                        </p:tav>
+                                      </p:tavLst>
+                                    </p:anim>
+                                  </p:childTnLst>
+                                </p:cTn>
+                              </p:par>
+                            </p:childTnLst>
+                          </p:cTn>
+                        </p:par>
+                        <p:par>
+                          <p:cTn id="57" fill="hold">
+                            <p:stCondLst>
+                              <p:cond delay="4000"/>
+                            </p:stCondLst>
+                            <p:childTnLst>
+                              <p:par>
+                                <p:cTn id="58" presetID="42" presetClass="entr" presetSubtype="0" fill="hold" nodeType="afterEffect">
+                                  <p:stCondLst>
+                                    <p:cond delay="750"/>
+                                  </p:stCondLst>
+                                  <p:childTnLst>
+                                    <p:set>
+                                      <p:cBhvr>
+                                        <p:cTn id="59" dur="1" fill="hold">
+                                          <p:stCondLst>
+                                            <p:cond delay="0"/>
+                                          </p:stCondLst>
+                                        </p:cTn>
+                                        <p:tgtEl>
+                                          <p:spTgt spid="3">
+                                            <p:txEl>
+                                              <p:pRg st="10" end="10"/>
+                                            </p:txEl>
+                                          </p:spTgt>
+                                        </p:tgtEl>
+                                        <p:attrNameLst>
+                                          <p:attrName>style.visibility</p:attrName>
+                                        </p:attrNameLst>
+                                      </p:cBhvr>
+                                      <p:to>
+                                        <p:strVal val="visible"/>
+                                      </p:to>
+                                    </p:set>
+                                    <p:animEffect transition="in" filter="fade">
+                                      <p:cBhvr>
+                                        <p:cTn id="60" dur="1000"/>
+                                        <p:tgtEl>
+                                          <p:spTgt spid="3">
+                                            <p:txEl>
+                                              <p:pRg st="10" end="10"/>
+                                            </p:txEl>
+                                          </p:spTgt>
+                                        </p:tgtEl>
+                                      </p:cBhvr>
+                                    </p:animEffect>
+                                    <p:anim calcmode="lin" valueType="num">
+                                      <p:cBhvr>
+                                        <p:cTn id="61" dur="1000" fill="hold"/>
+                                        <p:tgtEl>
+                                          <p:spTgt spid="3">
+                                            <p:txEl>
+                                              <p:pRg st="10" end="10"/>
+                                            </p:txEl>
+                                          </p:spTgt>
+                                        </p:tgtEl>
+                                        <p:attrNameLst>
+                                          <p:attrName>ppt_x</p:attrName>
+                                        </p:attrNameLst>
+                                      </p:cBhvr>
+                                      <p:tavLst>
+                                        <p:tav tm="0">
+                                          <p:val>
+                                            <p:strVal val="#ppt_x"/>
+                                          </p:val>
+                                        </p:tav>
+                                        <p:tav tm="100000">
+                                          <p:val>
+                                            <p:strVal val="#ppt_x"/>
+                                          </p:val>
+                                        </p:tav>
+                                      </p:tavLst>
+                                    </p:anim>
+                                    <p:anim calcmode="lin" valueType="num">
+                                      <p:cBhvr>
+                                        <p:cTn id="62" dur="1000" fill="hold"/>
+                                        <p:tgtEl>
+                                          <p:spTgt spid="3">
+                                            <p:txEl>
+                                              <p:pRg st="10" end="10"/>
+                                            </p:txEl>
+                                          </p:spTgt>
+                                        </p:tgtEl>
+                                        <p:attrNameLst>
+                                          <p:attrName>ppt_y</p:attrName>
+                                        </p:attrNameLst>
+                                      </p:cBhvr>
+                                      <p:tavLst>
+                                        <p:tav tm="0">
+                                          <p:val>
+                                            <p:strVal val="#ppt_y+.1"/>
+                                          </p:val>
+                                        </p:tav>
+                                        <p:tav tm="100000">
+                                          <p:val>
+                                            <p:strVal val="#ppt_y"/>
+                                          </p:val>
+                                        </p:tav>
+                                      </p:tavLst>
+                                    </p:anim>
+                                  </p:childTnLst>
+                                </p:cTn>
+                              </p:par>
+                              <p:par>
+                                <p:cTn id="63" presetID="42" presetClass="entr" presetSubtype="0" fill="hold" nodeType="withEffect">
+                                  <p:stCondLst>
+                                    <p:cond delay="750"/>
+                                  </p:stCondLst>
+                                  <p:childTnLst>
+                                    <p:set>
+                                      <p:cBhvr>
+                                        <p:cTn id="64" dur="1" fill="hold">
+                                          <p:stCondLst>
+                                            <p:cond delay="0"/>
+                                          </p:stCondLst>
+                                        </p:cTn>
+                                        <p:tgtEl>
+                                          <p:spTgt spid="3">
+                                            <p:txEl>
+                                              <p:pRg st="11" end="11"/>
+                                            </p:txEl>
+                                          </p:spTgt>
+                                        </p:tgtEl>
+                                        <p:attrNameLst>
+                                          <p:attrName>style.visibility</p:attrName>
+                                        </p:attrNameLst>
+                                      </p:cBhvr>
+                                      <p:to>
+                                        <p:strVal val="visible"/>
+                                      </p:to>
+                                    </p:set>
+                                    <p:animEffect transition="in" filter="fade">
+                                      <p:cBhvr>
+                                        <p:cTn id="65" dur="1000"/>
+                                        <p:tgtEl>
+                                          <p:spTgt spid="3">
+                                            <p:txEl>
+                                              <p:pRg st="11" end="11"/>
+                                            </p:txEl>
+                                          </p:spTgt>
+                                        </p:tgtEl>
+                                      </p:cBhvr>
+                                    </p:animEffect>
+                                    <p:anim calcmode="lin" valueType="num">
+                                      <p:cBhvr>
+                                        <p:cTn id="66" dur="1000" fill="hold"/>
+                                        <p:tgtEl>
+                                          <p:spTgt spid="3">
+                                            <p:txEl>
+                                              <p:pRg st="11" end="11"/>
+                                            </p:txEl>
+                                          </p:spTgt>
+                                        </p:tgtEl>
+                                        <p:attrNameLst>
+                                          <p:attrName>ppt_x</p:attrName>
+                                        </p:attrNameLst>
+                                      </p:cBhvr>
+                                      <p:tavLst>
+                                        <p:tav tm="0">
+                                          <p:val>
+                                            <p:strVal val="#ppt_x"/>
+                                          </p:val>
+                                        </p:tav>
+                                        <p:tav tm="100000">
+                                          <p:val>
+                                            <p:strVal val="#ppt_x"/>
+                                          </p:val>
+                                        </p:tav>
+                                      </p:tavLst>
+                                    </p:anim>
+                                    <p:anim calcmode="lin" valueType="num">
+                                      <p:cBhvr>
+                                        <p:cTn id="67" dur="1000" fill="hold"/>
+                                        <p:tgtEl>
+                                          <p:spTgt spid="3">
+                                            <p:txEl>
+                                              <p:pRg st="11" end="11"/>
+                                            </p:txEl>
+                                          </p:spTgt>
+                                        </p:tgtEl>
+                                        <p:attrNameLst>
+                                          <p:attrName>ppt_y</p:attrName>
+                                        </p:attrNameLst>
+                                      </p:cBhvr>
+                                      <p:tavLst>
+                                        <p:tav tm="0">
+                                          <p:val>
+                                            <p:strVal val="#ppt_y+.1"/>
+                                          </p:val>
+                                        </p:tav>
+                                        <p:tav tm="100000">
+                                          <p:val>
+                                            <p:strVal val="#ppt_y"/>
+                                          </p:val>
+                                        </p:tav>
+                                      </p:tavLst>
+                                    </p:anim>
+                                  </p:childTnLst>
+                                </p:cTn>
+                              </p:par>
+                              <p:par>
+                                <p:cTn id="68" presetID="42" presetClass="entr" presetSubtype="0" fill="hold" nodeType="withEffect">
+                                  <p:stCondLst>
+                                    <p:cond delay="750"/>
+                                  </p:stCondLst>
+                                  <p:childTnLst>
+                                    <p:set>
+                                      <p:cBhvr>
+                                        <p:cTn id="69" dur="1" fill="hold">
+                                          <p:stCondLst>
+                                            <p:cond delay="0"/>
+                                          </p:stCondLst>
+                                        </p:cTn>
+                                        <p:tgtEl>
+                                          <p:spTgt spid="3">
+                                            <p:txEl>
+                                              <p:pRg st="12" end="12"/>
+                                            </p:txEl>
+                                          </p:spTgt>
+                                        </p:tgtEl>
+                                        <p:attrNameLst>
+                                          <p:attrName>style.visibility</p:attrName>
+                                        </p:attrNameLst>
+                                      </p:cBhvr>
+                                      <p:to>
+                                        <p:strVal val="visible"/>
+                                      </p:to>
+                                    </p:set>
+                                    <p:animEffect transition="in" filter="fade">
+                                      <p:cBhvr>
+                                        <p:cTn id="70" dur="1000"/>
+                                        <p:tgtEl>
+                                          <p:spTgt spid="3">
+                                            <p:txEl>
+                                              <p:pRg st="12" end="12"/>
+                                            </p:txEl>
+                                          </p:spTgt>
+                                        </p:tgtEl>
+                                      </p:cBhvr>
+                                    </p:animEffect>
+                                    <p:anim calcmode="lin" valueType="num">
+                                      <p:cBhvr>
+                                        <p:cTn id="71" dur="1000" fill="hold"/>
+                                        <p:tgtEl>
+                                          <p:spTgt spid="3">
+                                            <p:txEl>
+                                              <p:pRg st="12" end="12"/>
+                                            </p:txEl>
+                                          </p:spTgt>
+                                        </p:tgtEl>
+                                        <p:attrNameLst>
+                                          <p:attrName>ppt_x</p:attrName>
+                                        </p:attrNameLst>
+                                      </p:cBhvr>
+                                      <p:tavLst>
+                                        <p:tav tm="0">
+                                          <p:val>
+                                            <p:strVal val="#ppt_x"/>
+                                          </p:val>
+                                        </p:tav>
+                                        <p:tav tm="100000">
+                                          <p:val>
+                                            <p:strVal val="#ppt_x"/>
+                                          </p:val>
+                                        </p:tav>
+                                      </p:tavLst>
+                                    </p:anim>
+                                    <p:anim calcmode="lin" valueType="num">
+                                      <p:cBhvr>
+                                        <p:cTn id="72" dur="1000" fill="hold"/>
+                                        <p:tgtEl>
+                                          <p:spTgt spid="3">
+                                            <p:txEl>
+                                              <p:pRg st="12" end="12"/>
+                                            </p:txEl>
+                                          </p:spTgt>
+                                        </p:tgtEl>
+                                        <p:attrNameLst>
+                                          <p:attrName>ppt_y</p:attrName>
+                                        </p:attrNameLst>
+                                      </p:cBhvr>
+                                      <p:tavLst>
+                                        <p:tav tm="0">
+                                          <p:val>
+                                            <p:strVal val="#ppt_y+.1"/>
+                                          </p:val>
+                                        </p:tav>
+                                        <p:tav tm="100000">
+                                          <p:val>
+                                            <p:strVal val="#ppt_y"/>
+                                          </p:val>
+                                        </p:tav>
+                                      </p:tavLst>
+                                    </p:anim>
+                                  </p:childTnLst>
+                                </p:cTn>
+                              </p:par>
+                            </p:childTnLst>
+                          </p:cTn>
+                        </p:par>
+                      </p:childTnLst>
+                    </p:cTn>
+                  </p:par>
+                </p:childTnLst>
+              </p:cTn>
+              <p:prevCondLst>
+                <p:cond evt="onPrev" delay="0">
+                  <p:tgtEl>
+                    <p:sldTgt/>
+                  </p:tgtEl>
+                </p:cond>
+              </p:prevCondLst>
+              <p:nextCondLst>
+                <p:cond evt="onNext" delay="0">
+                  <p:tgtEl>
+                    <p:sldTgt/>
+                  </p:tgtEl>
+                </p:cond>
+              </p:nextCondLst>
+            </p:seq>
+          </p:childTnLst>
+        </p:cTn>
+      </p:par>
+    </p:tnLst>
+  </p:timing>
+</p:sld>
+</file>
+
 <file path=ppt/slides/slide6.xml><?xml version="1.0" encoding="utf-8"?>
+<p:sld xmlns:a="http://schemas.openxmlformats.org/drawingml/2006/main" xmlns:r="http://schemas.openxmlformats.org/officeDocument/2006/relationships" xmlns:p="http://schemas.openxmlformats.org/presentationml/2006/main">
+  <p:cSld>
+    <p:spTree>
+      <p:nvGrpSpPr>
+        <p:cNvPr id="1" name=""/>
+        <p:cNvGrpSpPr/>
+        <p:nvPr/>
+      </p:nvGrpSpPr>
+      <p:grpSpPr>
+        <a:xfrm>
+          <a:off x="0" y="0"/>
+          <a:ext cx="0" cy="0"/>
+          <a:chOff x="0" y="0"/>
+          <a:chExt cx="0" cy="0"/>
+        </a:xfrm>
+      </p:grpSpPr>
+      <p:sp>
+        <p:nvSpPr>
+          <p:cNvPr id="2" name="Title 1">
+            <a:extLst>
+              <a:ext uri="{FF2B5EF4-FFF2-40B4-BE49-F238E27FC236}">
+                <a16:creationId xmlns:a16="http://schemas.microsoft.com/office/drawing/2014/main" id="{CE2BD33B-27FF-7732-3090-693A685BE331}"/>
+              </a:ext>
+            </a:extLst>
+          </p:cNvPr>
+          <p:cNvSpPr>
+            <a:spLocks noGrp="1"/>
+          </p:cNvSpPr>
+          <p:nvPr>
+            <p:ph type="title"/>
+          </p:nvPr>
+        </p:nvSpPr>
+        <p:spPr/>
+        <p:txBody>
+          <a:bodyPr/>
+          <a:lstStyle/>
+          <a:p>
+            <a:r>
+              <a:rPr lang="en-US" dirty="0"/>
+              <a:t>Data Flow Diagram</a:t>
+            </a:r>
+          </a:p>
+        </p:txBody>
+      </p:sp>
+      <p:pic>
+        <p:nvPicPr>
+          <p:cNvPr id="5" name="Content Placeholder 4" descr="A diagram of a software flow diagram&#10;&#10;AI-generated content may be incorrect.">
+            <a:extLst>
+              <a:ext uri="{FF2B5EF4-FFF2-40B4-BE49-F238E27FC236}">
+                <a16:creationId xmlns:a16="http://schemas.microsoft.com/office/drawing/2014/main" id="{DAC0D67B-8511-4280-D695-BEAF29D22801}"/>
+              </a:ext>
+            </a:extLst>
+          </p:cNvPr>
+          <p:cNvPicPr>
+            <a:picLocks noGrp="1" noChangeAspect="1"/>
+          </p:cNvPicPr>
+          <p:nvPr>
+            <p:ph idx="1"/>
+          </p:nvPr>
+        </p:nvPicPr>
+        <p:blipFill>
+          <a:blip r:embed="rId2">
+            <a:extLst>
+              <a:ext uri="{28A0092B-C50C-407E-A947-70E740481C1C}">
+                <a14:useLocalDpi xmlns:a14="http://schemas.microsoft.com/office/drawing/2010/main" val="0"/>
+              </a:ext>
+            </a:extLst>
+          </a:blip>
+          <a:stretch>
+            <a:fillRect/>
+          </a:stretch>
+        </p:blipFill>
+        <p:spPr>
+          <a:xfrm>
+            <a:off x="2618202" y="2308859"/>
+            <a:ext cx="5704610" cy="3909061"/>
+          </a:xfrm>
+        </p:spPr>
+      </p:pic>
+    </p:spTree>
+    <p:extLst>
+      <p:ext uri="{BB962C8B-B14F-4D97-AF65-F5344CB8AC3E}">
+        <p14:creationId xmlns:p14="http://schemas.microsoft.com/office/powerpoint/2010/main" val="2941972182"/>
+      </p:ext>
+    </p:extLst>
+  </p:cSld>
+  <p:clrMapOvr>
+    <a:masterClrMapping/>
+  </p:clrMapOvr>
+  <p:timing>
+    <p:tnLst>
+      <p:par>
+        <p:cTn id="1" dur="indefinite" restart="never" nodeType="tmRoot">
+          <p:childTnLst>
+            <p:seq concurrent="1" nextAc="seek">
+              <p:cTn id="2" dur="indefinite" nodeType="mainSeq">
+                <p:childTnLst>
+                  <p:par>
+                    <p:cTn id="3" fill="hold">
+                      <p:stCondLst>
+                        <p:cond delay="indefinite"/>
+                      </p:stCondLst>
+                      <p:childTnLst>
+                        <p:par>
+                          <p:cTn id="4" fill="hold">
+                            <p:stCondLst>
+                              <p:cond delay="0"/>
+                            </p:stCondLst>
+                            <p:childTnLst>
+                              <p:par>
+                                <p:cTn id="5" presetID="1" presetClass="entr" presetSubtype="0" fill="hold" nodeType="clickEffect">
+                                  <p:stCondLst>
+                                    <p:cond delay="0"/>
+                                  </p:stCondLst>
+                                  <p:childTnLst>
+                                    <p:set>
+                                      <p:cBhvr>
+                                        <p:cTn id="6" dur="1" fill="hold">
+                                          <p:stCondLst>
+                                            <p:cond delay="0"/>
+                                          </p:stCondLst>
+                                        </p:cTn>
+                                        <p:tgtEl>
+                                          <p:spTgt spid="5"/>
+                                        </p:tgtEl>
+                                        <p:attrNameLst>
+                                          <p:attrName>style.visibility</p:attrName>
+                                        </p:attrNameLst>
+                                      </p:cBhvr>
+                                      <p:to>
+                                        <p:strVal val="visible"/>
+                                      </p:to>
+                                    </p:set>
+                                  </p:childTnLst>
+                                </p:cTn>
+                              </p:par>
+                            </p:childTnLst>
+                          </p:cTn>
+                        </p:par>
+                      </p:childTnLst>
+                    </p:cTn>
+                  </p:par>
+                </p:childTnLst>
+              </p:cTn>
+              <p:prevCondLst>
+                <p:cond evt="onPrev" delay="0">
+                  <p:tgtEl>
+                    <p:sldTgt/>
+                  </p:tgtEl>
+                </p:cond>
+              </p:prevCondLst>
+              <p:nextCondLst>
+                <p:cond evt="onNext" delay="0">
+                  <p:tgtEl>
+                    <p:sldTgt/>
+                  </p:tgtEl>
+                </p:cond>
+              </p:nextCondLst>
+            </p:seq>
+          </p:childTnLst>
+        </p:cTn>
+      </p:par>
+    </p:tnLst>
+  </p:timing>
+</p:sld>
+</file>
+
+<file path=ppt/slides/slide7.xml><?xml version="1.0" encoding="utf-8"?>
 <p:sld xmlns:a="http://schemas.openxmlformats.org/drawingml/2006/main" xmlns:r="http://schemas.openxmlformats.org/officeDocument/2006/relationships" xmlns:p="http://schemas.openxmlformats.org/presentationml/2006/main">
   <p:cSld>
     <p:bg>
@@ -21976,4 +20635,319 @@
     </a:ext>
   </a:extLst>
 </a:theme>
+</file>
+
+<file path=ppt/theme/theme2.xml><?xml version="1.0" encoding="utf-8"?>
+<a:theme xmlns:a="http://schemas.openxmlformats.org/drawingml/2006/main" name="Office Theme">
+  <a:themeElements>
+    <a:clrScheme name="Office">
+      <a:dk1>
+        <a:sysClr val="windowText" lastClr="000000"/>
+      </a:dk1>
+      <a:lt1>
+        <a:sysClr val="window" lastClr="FFFFFF"/>
+      </a:lt1>
+      <a:dk2>
+        <a:srgbClr val="0E2841"/>
+      </a:dk2>
+      <a:lt2>
+        <a:srgbClr val="E8E8E8"/>
+      </a:lt2>
+      <a:accent1>
+        <a:srgbClr val="156082"/>
+      </a:accent1>
+      <a:accent2>
+        <a:srgbClr val="E97132"/>
+      </a:accent2>
+      <a:accent3>
+        <a:srgbClr val="196B24"/>
+      </a:accent3>
+      <a:accent4>
+        <a:srgbClr val="0F9ED5"/>
+      </a:accent4>
+      <a:accent5>
+        <a:srgbClr val="A02B93"/>
+      </a:accent5>
+      <a:accent6>
+        <a:srgbClr val="4EA72E"/>
+      </a:accent6>
+      <a:hlink>
+        <a:srgbClr val="467886"/>
+      </a:hlink>
+      <a:folHlink>
+        <a:srgbClr val="96607D"/>
+      </a:folHlink>
+    </a:clrScheme>
+    <a:fontScheme name="Office">
+      <a:majorFont>
+        <a:latin typeface="Aptos Display" panose="02110004020202020204"/>
+        <a:ea typeface=""/>
+        <a:cs typeface=""/>
+        <a:font script="Jpan" typeface="游ゴシック Light"/>
+        <a:font script="Hang" typeface="맑은 고딕"/>
+        <a:font script="Hans" typeface="等线 Light"/>
+        <a:font script="Hant" typeface="新細明體"/>
+        <a:font script="Arab" typeface="Times New Roman"/>
+        <a:font script="Hebr" typeface="Times New Roman"/>
+        <a:font script="Thai" typeface="Angsana New"/>
+        <a:font script="Ethi" typeface="Nyala"/>
+        <a:font script="Beng" typeface="Vrinda"/>
+        <a:font script="Gujr" typeface="Shruti"/>
+        <a:font script="Khmr" typeface="MoolBoran"/>
+        <a:font script="Knda" typeface="Tunga"/>
+        <a:font script="Guru" typeface="Raavi"/>
+        <a:font script="Cans" typeface="Euphemia"/>
+        <a:font script="Cher" typeface="Plantagenet Cherokee"/>
+        <a:font script="Yiii" typeface="Microsoft Yi Baiti"/>
+        <a:font script="Tibt" typeface="Microsoft Himalaya"/>
+        <a:font script="Thaa" typeface="MV Boli"/>
+        <a:font script="Deva" typeface="Mangal"/>
+        <a:font script="Telu" typeface="Gautami"/>
+        <a:font script="Taml" typeface="Latha"/>
+        <a:font script="Syrc" typeface="Estrangelo Edessa"/>
+        <a:font script="Orya" typeface="Kalinga"/>
+        <a:font script="Mlym" typeface="Kartika"/>
+        <a:font script="Laoo" typeface="DokChampa"/>
+        <a:font script="Sinh" typeface="Iskoola Pota"/>
+        <a:font script="Mong" typeface="Mongolian Baiti"/>
+        <a:font script="Viet" typeface="Times New Roman"/>
+        <a:font script="Uigh" typeface="Microsoft Uighur"/>
+        <a:font script="Geor" typeface="Sylfaen"/>
+        <a:font script="Armn" typeface="Arial"/>
+        <a:font script="Bugi" typeface="Leelawadee UI"/>
+        <a:font script="Bopo" typeface="Microsoft JhengHei"/>
+        <a:font script="Java" typeface="Javanese Text"/>
+        <a:font script="Lisu" typeface="Segoe UI"/>
+        <a:font script="Mymr" typeface="Myanmar Text"/>
+        <a:font script="Nkoo" typeface="Ebrima"/>
+        <a:font script="Olck" typeface="Nirmala UI"/>
+        <a:font script="Osma" typeface="Ebrima"/>
+        <a:font script="Phag" typeface="Phagspa"/>
+        <a:font script="Syrn" typeface="Estrangelo Edessa"/>
+        <a:font script="Syrj" typeface="Estrangelo Edessa"/>
+        <a:font script="Syre" typeface="Estrangelo Edessa"/>
+        <a:font script="Sora" typeface="Nirmala UI"/>
+        <a:font script="Tale" typeface="Microsoft Tai Le"/>
+        <a:font script="Talu" typeface="Microsoft New Tai Lue"/>
+        <a:font script="Tfng" typeface="Ebrima"/>
+      </a:majorFont>
+      <a:minorFont>
+        <a:latin typeface="Aptos" panose="02110004020202020204"/>
+        <a:ea typeface=""/>
+        <a:cs typeface=""/>
+        <a:font script="Jpan" typeface="游ゴシック"/>
+        <a:font script="Hang" typeface="맑은 고딕"/>
+        <a:font script="Hans" typeface="等线"/>
+        <a:font script="Hant" typeface="新細明體"/>
+        <a:font script="Arab" typeface="Arial"/>
+        <a:font script="Hebr" typeface="Arial"/>
+        <a:font script="Thai" typeface="Cordia New"/>
+        <a:font script="Ethi" typeface="Nyala"/>
+        <a:font script="Beng" typeface="Vrinda"/>
+        <a:font script="Gujr" typeface="Shruti"/>
+        <a:font script="Khmr" typeface="DaunPenh"/>
+        <a:font script="Knda" typeface="Tunga"/>
+        <a:font script="Guru" typeface="Raavi"/>
+        <a:font script="Cans" typeface="Euphemia"/>
+        <a:font script="Cher" typeface="Plantagenet Cherokee"/>
+        <a:font script="Yiii" typeface="Microsoft Yi Baiti"/>
+        <a:font script="Tibt" typeface="Microsoft Himalaya"/>
+        <a:font script="Thaa" typeface="MV Boli"/>
+        <a:font script="Deva" typeface="Mangal"/>
+        <a:font script="Telu" typeface="Gautami"/>
+        <a:font script="Taml" typeface="Latha"/>
+        <a:font script="Syrc" typeface="Estrangelo Edessa"/>
+        <a:font script="Orya" typeface="Kalinga"/>
+        <a:font script="Mlym" typeface="Kartika"/>
+        <a:font script="Laoo" typeface="DokChampa"/>
+        <a:font script="Sinh" typeface="Iskoola Pota"/>
+        <a:font script="Mong" typeface="Mongolian Baiti"/>
+        <a:font script="Viet" typeface="Arial"/>
+        <a:font script="Uigh" typeface="Microsoft Uighur"/>
+        <a:font script="Geor" typeface="Sylfaen"/>
+        <a:font script="Armn" typeface="Arial"/>
+        <a:font script="Bugi" typeface="Leelawadee UI"/>
+        <a:font script="Bopo" typeface="Microsoft JhengHei"/>
+        <a:font script="Java" typeface="Javanese Text"/>
+        <a:font script="Lisu" typeface="Segoe UI"/>
+        <a:font script="Mymr" typeface="Myanmar Text"/>
+        <a:font script="Nkoo" typeface="Ebrima"/>
+        <a:font script="Olck" typeface="Nirmala UI"/>
+        <a:font script="Osma" typeface="Ebrima"/>
+        <a:font script="Phag" typeface="Phagspa"/>
+        <a:font script="Syrn" typeface="Estrangelo Edessa"/>
+        <a:font script="Syrj" typeface="Estrangelo Edessa"/>
+        <a:font script="Syre" typeface="Estrangelo Edessa"/>
+        <a:font script="Sora" typeface="Nirmala UI"/>
+        <a:font script="Tale" typeface="Microsoft Tai Le"/>
+        <a:font script="Talu" typeface="Microsoft New Tai Lue"/>
+        <a:font script="Tfng" typeface="Ebrima"/>
+      </a:minorFont>
+    </a:fontScheme>
+    <a:fmtScheme name="Office">
+      <a:fillStyleLst>
+        <a:solidFill>
+          <a:schemeClr val="phClr"/>
+        </a:solidFill>
+        <a:gradFill rotWithShape="1">
+          <a:gsLst>
+            <a:gs pos="0">
+              <a:schemeClr val="phClr">
+                <a:lumMod val="110000"/>
+                <a:satMod val="105000"/>
+                <a:tint val="67000"/>
+              </a:schemeClr>
+            </a:gs>
+            <a:gs pos="50000">
+              <a:schemeClr val="phClr">
+                <a:lumMod val="105000"/>
+                <a:satMod val="103000"/>
+                <a:tint val="73000"/>
+              </a:schemeClr>
+            </a:gs>
+            <a:gs pos="100000">
+              <a:schemeClr val="phClr">
+                <a:lumMod val="105000"/>
+                <a:satMod val="109000"/>
+                <a:tint val="81000"/>
+              </a:schemeClr>
+            </a:gs>
+          </a:gsLst>
+          <a:lin ang="5400000" scaled="0"/>
+        </a:gradFill>
+        <a:gradFill rotWithShape="1">
+          <a:gsLst>
+            <a:gs pos="0">
+              <a:schemeClr val="phClr">
+                <a:satMod val="103000"/>
+                <a:lumMod val="102000"/>
+                <a:tint val="94000"/>
+              </a:schemeClr>
+            </a:gs>
+            <a:gs pos="50000">
+              <a:schemeClr val="phClr">
+                <a:satMod val="110000"/>
+                <a:lumMod val="100000"/>
+                <a:shade val="100000"/>
+              </a:schemeClr>
+            </a:gs>
+            <a:gs pos="100000">
+              <a:schemeClr val="phClr">
+                <a:lumMod val="99000"/>
+                <a:satMod val="120000"/>
+                <a:shade val="78000"/>
+              </a:schemeClr>
+            </a:gs>
+          </a:gsLst>
+          <a:lin ang="5400000" scaled="0"/>
+        </a:gradFill>
+      </a:fillStyleLst>
+      <a:lnStyleLst>
+        <a:ln w="12700" cap="flat" cmpd="sng" algn="ctr">
+          <a:solidFill>
+            <a:schemeClr val="phClr"/>
+          </a:solidFill>
+          <a:prstDash val="solid"/>
+          <a:miter lim="800000"/>
+        </a:ln>
+        <a:ln w="19050" cap="flat" cmpd="sng" algn="ctr">
+          <a:solidFill>
+            <a:schemeClr val="phClr"/>
+          </a:solidFill>
+          <a:prstDash val="solid"/>
+          <a:miter lim="800000"/>
+        </a:ln>
+        <a:ln w="25400" cap="flat" cmpd="sng" algn="ctr">
+          <a:solidFill>
+            <a:schemeClr val="phClr"/>
+          </a:solidFill>
+          <a:prstDash val="solid"/>
+          <a:miter lim="800000"/>
+        </a:ln>
+      </a:lnStyleLst>
+      <a:effectStyleLst>
+        <a:effectStyle>
+          <a:effectLst/>
+        </a:effectStyle>
+        <a:effectStyle>
+          <a:effectLst/>
+        </a:effectStyle>
+        <a:effectStyle>
+          <a:effectLst>
+            <a:outerShdw blurRad="57150" dist="19050" dir="5400000" algn="ctr" rotWithShape="0">
+              <a:srgbClr val="000000">
+                <a:alpha val="63000"/>
+              </a:srgbClr>
+            </a:outerShdw>
+          </a:effectLst>
+        </a:effectStyle>
+      </a:effectStyleLst>
+      <a:bgFillStyleLst>
+        <a:solidFill>
+          <a:schemeClr val="phClr"/>
+        </a:solidFill>
+        <a:solidFill>
+          <a:schemeClr val="phClr">
+            <a:tint val="95000"/>
+            <a:satMod val="170000"/>
+          </a:schemeClr>
+        </a:solidFill>
+        <a:gradFill rotWithShape="1">
+          <a:gsLst>
+            <a:gs pos="0">
+              <a:schemeClr val="phClr">
+                <a:tint val="93000"/>
+                <a:satMod val="150000"/>
+                <a:shade val="98000"/>
+                <a:lumMod val="102000"/>
+              </a:schemeClr>
+            </a:gs>
+            <a:gs pos="50000">
+              <a:schemeClr val="phClr">
+                <a:tint val="98000"/>
+                <a:satMod val="130000"/>
+                <a:shade val="90000"/>
+                <a:lumMod val="103000"/>
+              </a:schemeClr>
+            </a:gs>
+            <a:gs pos="100000">
+              <a:schemeClr val="phClr">
+                <a:shade val="63000"/>
+                <a:satMod val="120000"/>
+              </a:schemeClr>
+            </a:gs>
+          </a:gsLst>
+          <a:lin ang="5400000" scaled="0"/>
+        </a:gradFill>
+      </a:bgFillStyleLst>
+    </a:fmtScheme>
+  </a:themeElements>
+  <a:objectDefaults>
+    <a:lnDef>
+      <a:spPr/>
+      <a:bodyPr/>
+      <a:lstStyle/>
+      <a:style>
+        <a:lnRef idx="2">
+          <a:schemeClr val="accent1"/>
+        </a:lnRef>
+        <a:fillRef idx="0">
+          <a:schemeClr val="accent1"/>
+        </a:fillRef>
+        <a:effectRef idx="1">
+          <a:schemeClr val="accent1"/>
+        </a:effectRef>
+        <a:fontRef idx="minor">
+          <a:schemeClr val="tx1"/>
+        </a:fontRef>
+      </a:style>
+    </a:lnDef>
+  </a:objectDefaults>
+  <a:extraClrSchemeLst/>
+  <a:extLst>
+    <a:ext uri="{05A4C25C-085E-4340-85A3-A5531E510DB2}">
+      <thm15:themeFamily xmlns:thm15="http://schemas.microsoft.com/office/thememl/2012/main" name="Office Theme" id="{2E142A2C-CD16-42D6-873A-C26D2A0506FA}" vid="{1BDDFF52-6CD6-40A5-AB3C-68EB2F1E4D0A}"/>
+    </a:ext>
+  </a:extLst>
+</a:theme>
 </file>